--- a/MICROSOFT MOVIE STUDIO presentation (Lee Ndung'u).pptx
+++ b/MICROSOFT MOVIE STUDIO presentation (Lee Ndung'u).pptx
@@ -5,7 +5,7 @@
     <p:sldMasterId id="2147483705" r:id="rId1"/>
   </p:sldMasterIdLst>
   <p:notesMasterIdLst>
-    <p:notesMasterId r:id="rId13"/>
+    <p:notesMasterId r:id="rId15"/>
   </p:notesMasterIdLst>
   <p:sldIdLst>
     <p:sldId id="259" r:id="rId2"/>
@@ -19,6 +19,8 @@
     <p:sldId id="265" r:id="rId10"/>
     <p:sldId id="268" r:id="rId11"/>
     <p:sldId id="267" r:id="rId12"/>
+    <p:sldId id="269" r:id="rId13"/>
+    <p:sldId id="270" r:id="rId14"/>
   </p:sldIdLst>
   <p:sldSz cx="12192000" cy="6858000"/>
   <p:notesSz cx="6858000" cy="9144000"/>
@@ -4721,6 +4723,1844 @@
 </file>
 
 <file path=ppt/diagrams/colors6.xml><?xml version="1.0" encoding="utf-8"?>
+<dgm:colorsDef xmlns:dgm="http://schemas.openxmlformats.org/drawingml/2006/diagram" xmlns:a="http://schemas.openxmlformats.org/drawingml/2006/main" uniqueId="urn:microsoft.com/office/officeart/2005/8/colors/colorful1">
+  <dgm:title val=""/>
+  <dgm:desc val=""/>
+  <dgm:catLst>
+    <dgm:cat type="colorful" pri="10100"/>
+  </dgm:catLst>
+  <dgm:styleLbl name="node0">
+    <dgm:fillClrLst meth="repeat">
+      <a:schemeClr val="accent1"/>
+    </dgm:fillClrLst>
+    <dgm:linClrLst meth="repeat">
+      <a:schemeClr val="lt1"/>
+    </dgm:linClrLst>
+    <dgm:effectClrLst/>
+    <dgm:txLinClrLst/>
+    <dgm:txFillClrLst/>
+    <dgm:txEffectClrLst/>
+  </dgm:styleLbl>
+  <dgm:styleLbl name="node1">
+    <dgm:fillClrLst meth="repeat">
+      <a:schemeClr val="accent2"/>
+      <a:schemeClr val="accent3"/>
+      <a:schemeClr val="accent4"/>
+      <a:schemeClr val="accent5"/>
+      <a:schemeClr val="accent6"/>
+    </dgm:fillClrLst>
+    <dgm:linClrLst meth="repeat">
+      <a:schemeClr val="lt1"/>
+    </dgm:linClrLst>
+    <dgm:effectClrLst/>
+    <dgm:txLinClrLst/>
+    <dgm:txFillClrLst/>
+    <dgm:txEffectClrLst/>
+  </dgm:styleLbl>
+  <dgm:styleLbl name="alignNode1">
+    <dgm:fillClrLst meth="repeat">
+      <a:schemeClr val="accent2"/>
+      <a:schemeClr val="accent3"/>
+      <a:schemeClr val="accent4"/>
+      <a:schemeClr val="accent5"/>
+      <a:schemeClr val="accent6"/>
+    </dgm:fillClrLst>
+    <dgm:linClrLst meth="repeat">
+      <a:schemeClr val="accent2"/>
+      <a:schemeClr val="accent3"/>
+      <a:schemeClr val="accent4"/>
+      <a:schemeClr val="accent5"/>
+      <a:schemeClr val="accent6"/>
+    </dgm:linClrLst>
+    <dgm:effectClrLst/>
+    <dgm:txLinClrLst/>
+    <dgm:txFillClrLst/>
+    <dgm:txEffectClrLst/>
+  </dgm:styleLbl>
+  <dgm:styleLbl name="lnNode1">
+    <dgm:fillClrLst meth="repeat">
+      <a:schemeClr val="accent2"/>
+      <a:schemeClr val="accent3"/>
+      <a:schemeClr val="accent4"/>
+      <a:schemeClr val="accent5"/>
+      <a:schemeClr val="accent6"/>
+    </dgm:fillClrLst>
+    <dgm:linClrLst meth="repeat">
+      <a:schemeClr val="lt1"/>
+    </dgm:linClrLst>
+    <dgm:effectClrLst/>
+    <dgm:txLinClrLst/>
+    <dgm:txFillClrLst/>
+    <dgm:txEffectClrLst/>
+  </dgm:styleLbl>
+  <dgm:styleLbl name="vennNode1">
+    <dgm:fillClrLst meth="repeat">
+      <a:schemeClr val="accent2">
+        <a:alpha val="50000"/>
+      </a:schemeClr>
+      <a:schemeClr val="accent3">
+        <a:alpha val="50000"/>
+      </a:schemeClr>
+      <a:schemeClr val="accent4">
+        <a:alpha val="50000"/>
+      </a:schemeClr>
+      <a:schemeClr val="accent5">
+        <a:alpha val="50000"/>
+      </a:schemeClr>
+      <a:schemeClr val="accent6">
+        <a:alpha val="50000"/>
+      </a:schemeClr>
+    </dgm:fillClrLst>
+    <dgm:linClrLst meth="repeat">
+      <a:schemeClr val="lt1"/>
+    </dgm:linClrLst>
+    <dgm:effectClrLst/>
+    <dgm:txLinClrLst/>
+    <dgm:txFillClrLst/>
+    <dgm:txEffectClrLst/>
+  </dgm:styleLbl>
+  <dgm:styleLbl name="node2">
+    <dgm:fillClrLst>
+      <a:schemeClr val="accent2"/>
+    </dgm:fillClrLst>
+    <dgm:linClrLst meth="repeat">
+      <a:schemeClr val="lt1"/>
+    </dgm:linClrLst>
+    <dgm:effectClrLst/>
+    <dgm:txLinClrLst/>
+    <dgm:txFillClrLst/>
+    <dgm:txEffectClrLst/>
+  </dgm:styleLbl>
+  <dgm:styleLbl name="node3">
+    <dgm:fillClrLst>
+      <a:schemeClr val="accent3"/>
+    </dgm:fillClrLst>
+    <dgm:linClrLst meth="repeat">
+      <a:schemeClr val="lt1"/>
+    </dgm:linClrLst>
+    <dgm:effectClrLst/>
+    <dgm:txLinClrLst/>
+    <dgm:txFillClrLst/>
+    <dgm:txEffectClrLst/>
+  </dgm:styleLbl>
+  <dgm:styleLbl name="node4">
+    <dgm:fillClrLst>
+      <a:schemeClr val="accent4"/>
+    </dgm:fillClrLst>
+    <dgm:linClrLst meth="repeat">
+      <a:schemeClr val="lt1"/>
+    </dgm:linClrLst>
+    <dgm:effectClrLst/>
+    <dgm:txLinClrLst/>
+    <dgm:txFillClrLst/>
+    <dgm:txEffectClrLst/>
+  </dgm:styleLbl>
+  <dgm:styleLbl name="fgImgPlace1">
+    <dgm:fillClrLst meth="repeat">
+      <a:schemeClr val="accent2">
+        <a:tint val="50000"/>
+      </a:schemeClr>
+      <a:schemeClr val="accent3">
+        <a:tint val="50000"/>
+      </a:schemeClr>
+      <a:schemeClr val="accent4">
+        <a:tint val="50000"/>
+      </a:schemeClr>
+      <a:schemeClr val="accent5">
+        <a:tint val="50000"/>
+      </a:schemeClr>
+      <a:schemeClr val="accent6">
+        <a:tint val="50000"/>
+      </a:schemeClr>
+    </dgm:fillClrLst>
+    <dgm:linClrLst meth="repeat">
+      <a:schemeClr val="lt1"/>
+    </dgm:linClrLst>
+    <dgm:effectClrLst/>
+    <dgm:txLinClrLst/>
+    <dgm:txFillClrLst meth="repeat">
+      <a:schemeClr val="lt1"/>
+    </dgm:txFillClrLst>
+    <dgm:txEffectClrLst/>
+  </dgm:styleLbl>
+  <dgm:styleLbl name="alignImgPlace1">
+    <dgm:fillClrLst>
+      <a:schemeClr val="accent1">
+        <a:tint val="50000"/>
+      </a:schemeClr>
+      <a:schemeClr val="accent2">
+        <a:tint val="20000"/>
+      </a:schemeClr>
+    </dgm:fillClrLst>
+    <dgm:linClrLst meth="repeat">
+      <a:schemeClr val="lt1"/>
+    </dgm:linClrLst>
+    <dgm:effectClrLst/>
+    <dgm:txLinClrLst/>
+    <dgm:txFillClrLst meth="repeat">
+      <a:schemeClr val="lt1"/>
+    </dgm:txFillClrLst>
+    <dgm:txEffectClrLst/>
+  </dgm:styleLbl>
+  <dgm:styleLbl name="bgImgPlace1">
+    <dgm:fillClrLst>
+      <a:schemeClr val="accent1">
+        <a:tint val="50000"/>
+      </a:schemeClr>
+      <a:schemeClr val="accent2">
+        <a:tint val="20000"/>
+      </a:schemeClr>
+    </dgm:fillClrLst>
+    <dgm:linClrLst meth="repeat">
+      <a:schemeClr val="lt1"/>
+    </dgm:linClrLst>
+    <dgm:effectClrLst/>
+    <dgm:txLinClrLst/>
+    <dgm:txFillClrLst meth="repeat">
+      <a:schemeClr val="lt1"/>
+    </dgm:txFillClrLst>
+    <dgm:txEffectClrLst/>
+  </dgm:styleLbl>
+  <dgm:styleLbl name="sibTrans2D1">
+    <dgm:fillClrLst meth="repeat">
+      <a:schemeClr val="accent2"/>
+      <a:schemeClr val="accent3"/>
+      <a:schemeClr val="accent4"/>
+      <a:schemeClr val="accent5"/>
+      <a:schemeClr val="accent6"/>
+    </dgm:fillClrLst>
+    <dgm:linClrLst meth="cycle">
+      <a:schemeClr val="lt1"/>
+    </dgm:linClrLst>
+    <dgm:effectClrLst/>
+    <dgm:txLinClrLst/>
+    <dgm:txFillClrLst/>
+    <dgm:txEffectClrLst/>
+  </dgm:styleLbl>
+  <dgm:styleLbl name="fgSibTrans2D1">
+    <dgm:fillClrLst meth="repeat">
+      <a:schemeClr val="accent2"/>
+      <a:schemeClr val="accent3"/>
+      <a:schemeClr val="accent4"/>
+      <a:schemeClr val="accent5"/>
+      <a:schemeClr val="accent6"/>
+    </dgm:fillClrLst>
+    <dgm:linClrLst meth="cycle">
+      <a:schemeClr val="lt1"/>
+    </dgm:linClrLst>
+    <dgm:effectClrLst/>
+    <dgm:txLinClrLst/>
+    <dgm:txFillClrLst meth="repeat">
+      <a:schemeClr val="lt1"/>
+    </dgm:txFillClrLst>
+    <dgm:txEffectClrLst/>
+  </dgm:styleLbl>
+  <dgm:styleLbl name="bgSibTrans2D1">
+    <dgm:fillClrLst meth="repeat">
+      <a:schemeClr val="accent2"/>
+      <a:schemeClr val="accent3"/>
+      <a:schemeClr val="accent4"/>
+      <a:schemeClr val="accent5"/>
+      <a:schemeClr val="accent6"/>
+    </dgm:fillClrLst>
+    <dgm:linClrLst meth="cycle">
+      <a:schemeClr val="lt1"/>
+    </dgm:linClrLst>
+    <dgm:effectClrLst/>
+    <dgm:txLinClrLst/>
+    <dgm:txFillClrLst meth="repeat">
+      <a:schemeClr val="lt1"/>
+    </dgm:txFillClrLst>
+    <dgm:txEffectClrLst/>
+  </dgm:styleLbl>
+  <dgm:styleLbl name="sibTrans1D1">
+    <dgm:fillClrLst meth="repeat">
+      <a:schemeClr val="accent2"/>
+      <a:schemeClr val="accent3"/>
+      <a:schemeClr val="accent4"/>
+      <a:schemeClr val="accent5"/>
+      <a:schemeClr val="accent6"/>
+    </dgm:fillClrLst>
+    <dgm:linClrLst meth="repeat">
+      <a:schemeClr val="accent2"/>
+      <a:schemeClr val="accent3"/>
+      <a:schemeClr val="accent4"/>
+      <a:schemeClr val="accent5"/>
+      <a:schemeClr val="accent6"/>
+    </dgm:linClrLst>
+    <dgm:effectClrLst/>
+    <dgm:txLinClrLst/>
+    <dgm:txFillClrLst meth="repeat">
+      <a:schemeClr val="tx1"/>
+    </dgm:txFillClrLst>
+    <dgm:txEffectClrLst/>
+  </dgm:styleLbl>
+  <dgm:styleLbl name="callout">
+    <dgm:fillClrLst meth="repeat">
+      <a:schemeClr val="accent2"/>
+    </dgm:fillClrLst>
+    <dgm:linClrLst meth="repeat">
+      <a:schemeClr val="accent2">
+        <a:tint val="50000"/>
+      </a:schemeClr>
+    </dgm:linClrLst>
+    <dgm:effectClrLst/>
+    <dgm:txLinClrLst/>
+    <dgm:txFillClrLst meth="repeat">
+      <a:schemeClr val="tx1"/>
+    </dgm:txFillClrLst>
+    <dgm:txEffectClrLst/>
+  </dgm:styleLbl>
+  <dgm:styleLbl name="asst0">
+    <dgm:fillClrLst meth="repeat">
+      <a:schemeClr val="accent1"/>
+    </dgm:fillClrLst>
+    <dgm:linClrLst meth="repeat">
+      <a:schemeClr val="lt1"/>
+    </dgm:linClrLst>
+    <dgm:effectClrLst/>
+    <dgm:txLinClrLst/>
+    <dgm:txFillClrLst/>
+    <dgm:txEffectClrLst/>
+  </dgm:styleLbl>
+  <dgm:styleLbl name="asst1">
+    <dgm:fillClrLst meth="repeat">
+      <a:schemeClr val="accent2"/>
+    </dgm:fillClrLst>
+    <dgm:linClrLst meth="repeat">
+      <a:schemeClr val="lt1"/>
+    </dgm:linClrLst>
+    <dgm:effectClrLst/>
+    <dgm:txLinClrLst/>
+    <dgm:txFillClrLst/>
+    <dgm:txEffectClrLst/>
+  </dgm:styleLbl>
+  <dgm:styleLbl name="asst2">
+    <dgm:fillClrLst>
+      <a:schemeClr val="accent3"/>
+    </dgm:fillClrLst>
+    <dgm:linClrLst meth="repeat">
+      <a:schemeClr val="lt1"/>
+    </dgm:linClrLst>
+    <dgm:effectClrLst/>
+    <dgm:txLinClrLst/>
+    <dgm:txFillClrLst/>
+    <dgm:txEffectClrLst/>
+  </dgm:styleLbl>
+  <dgm:styleLbl name="asst3">
+    <dgm:fillClrLst>
+      <a:schemeClr val="accent4"/>
+    </dgm:fillClrLst>
+    <dgm:linClrLst meth="repeat">
+      <a:schemeClr val="lt1"/>
+    </dgm:linClrLst>
+    <dgm:effectClrLst/>
+    <dgm:txLinClrLst/>
+    <dgm:txFillClrLst/>
+    <dgm:txEffectClrLst/>
+  </dgm:styleLbl>
+  <dgm:styleLbl name="asst4">
+    <dgm:fillClrLst>
+      <a:schemeClr val="accent5"/>
+    </dgm:fillClrLst>
+    <dgm:linClrLst meth="repeat">
+      <a:schemeClr val="lt1"/>
+    </dgm:linClrLst>
+    <dgm:effectClrLst/>
+    <dgm:txLinClrLst/>
+    <dgm:txFillClrLst/>
+    <dgm:txEffectClrLst/>
+  </dgm:styleLbl>
+  <dgm:styleLbl name="parChTrans2D1">
+    <dgm:fillClrLst meth="repeat">
+      <a:schemeClr val="accent2"/>
+    </dgm:fillClrLst>
+    <dgm:linClrLst meth="repeat">
+      <a:schemeClr val="lt1"/>
+    </dgm:linClrLst>
+    <dgm:effectClrLst/>
+    <dgm:txLinClrLst/>
+    <dgm:txFillClrLst meth="repeat">
+      <a:schemeClr val="lt1"/>
+    </dgm:txFillClrLst>
+    <dgm:txEffectClrLst/>
+  </dgm:styleLbl>
+  <dgm:styleLbl name="parChTrans2D2">
+    <dgm:fillClrLst meth="repeat">
+      <a:schemeClr val="accent3"/>
+    </dgm:fillClrLst>
+    <dgm:linClrLst meth="repeat">
+      <a:schemeClr val="lt1"/>
+    </dgm:linClrLst>
+    <dgm:effectClrLst/>
+    <dgm:txLinClrLst/>
+    <dgm:txFillClrLst/>
+    <dgm:txEffectClrLst/>
+  </dgm:styleLbl>
+  <dgm:styleLbl name="parChTrans2D3">
+    <dgm:fillClrLst meth="repeat">
+      <a:schemeClr val="accent4"/>
+    </dgm:fillClrLst>
+    <dgm:linClrLst meth="repeat">
+      <a:schemeClr val="lt1"/>
+    </dgm:linClrLst>
+    <dgm:effectClrLst/>
+    <dgm:txLinClrLst/>
+    <dgm:txFillClrLst/>
+    <dgm:txEffectClrLst/>
+  </dgm:styleLbl>
+  <dgm:styleLbl name="parChTrans2D4">
+    <dgm:fillClrLst meth="repeat">
+      <a:schemeClr val="accent5"/>
+    </dgm:fillClrLst>
+    <dgm:linClrLst meth="repeat">
+      <a:schemeClr val="lt1"/>
+    </dgm:linClrLst>
+    <dgm:effectClrLst/>
+    <dgm:txLinClrLst/>
+    <dgm:txFillClrLst meth="repeat">
+      <a:schemeClr val="lt1"/>
+    </dgm:txFillClrLst>
+    <dgm:txEffectClrLst/>
+  </dgm:styleLbl>
+  <dgm:styleLbl name="parChTrans1D1">
+    <dgm:fillClrLst meth="repeat">
+      <a:schemeClr val="accent2"/>
+    </dgm:fillClrLst>
+    <dgm:linClrLst meth="repeat">
+      <a:schemeClr val="accent1"/>
+    </dgm:linClrLst>
+    <dgm:effectClrLst/>
+    <dgm:txLinClrLst/>
+    <dgm:txFillClrLst meth="repeat">
+      <a:schemeClr val="tx1"/>
+    </dgm:txFillClrLst>
+    <dgm:txEffectClrLst/>
+  </dgm:styleLbl>
+  <dgm:styleLbl name="parChTrans1D2">
+    <dgm:fillClrLst meth="repeat">
+      <a:schemeClr val="accent3">
+        <a:tint val="90000"/>
+      </a:schemeClr>
+    </dgm:fillClrLst>
+    <dgm:linClrLst meth="repeat">
+      <a:schemeClr val="accent2"/>
+    </dgm:linClrLst>
+    <dgm:effectClrLst/>
+    <dgm:txLinClrLst/>
+    <dgm:txFillClrLst meth="repeat">
+      <a:schemeClr val="tx1"/>
+    </dgm:txFillClrLst>
+    <dgm:txEffectClrLst/>
+  </dgm:styleLbl>
+  <dgm:styleLbl name="parChTrans1D3">
+    <dgm:fillClrLst meth="repeat">
+      <a:schemeClr val="accent4">
+        <a:tint val="70000"/>
+      </a:schemeClr>
+    </dgm:fillClrLst>
+    <dgm:linClrLst meth="repeat">
+      <a:schemeClr val="accent3"/>
+    </dgm:linClrLst>
+    <dgm:effectClrLst/>
+    <dgm:txLinClrLst/>
+    <dgm:txFillClrLst meth="repeat">
+      <a:schemeClr val="tx1"/>
+    </dgm:txFillClrLst>
+    <dgm:txEffectClrLst/>
+  </dgm:styleLbl>
+  <dgm:styleLbl name="parChTrans1D4">
+    <dgm:fillClrLst meth="repeat">
+      <a:schemeClr val="accent5">
+        <a:tint val="50000"/>
+      </a:schemeClr>
+    </dgm:fillClrLst>
+    <dgm:linClrLst meth="repeat">
+      <a:schemeClr val="accent4"/>
+    </dgm:linClrLst>
+    <dgm:effectClrLst/>
+    <dgm:txLinClrLst/>
+    <dgm:txFillClrLst meth="repeat">
+      <a:schemeClr val="tx1"/>
+    </dgm:txFillClrLst>
+    <dgm:txEffectClrLst/>
+  </dgm:styleLbl>
+  <dgm:styleLbl name="fgAcc1">
+    <dgm:fillClrLst meth="repeat">
+      <a:schemeClr val="lt1">
+        <a:alpha val="90000"/>
+      </a:schemeClr>
+    </dgm:fillClrLst>
+    <dgm:linClrLst meth="repeat">
+      <a:schemeClr val="accent2"/>
+      <a:schemeClr val="accent3"/>
+      <a:schemeClr val="accent4"/>
+      <a:schemeClr val="accent5"/>
+      <a:schemeClr val="accent6"/>
+    </dgm:linClrLst>
+    <dgm:effectClrLst/>
+    <dgm:txLinClrLst/>
+    <dgm:txFillClrLst meth="repeat">
+      <a:schemeClr val="dk1"/>
+    </dgm:txFillClrLst>
+    <dgm:txEffectClrLst/>
+  </dgm:styleLbl>
+  <dgm:styleLbl name="conFgAcc1">
+    <dgm:fillClrLst meth="repeat">
+      <a:schemeClr val="lt1">
+        <a:alpha val="90000"/>
+      </a:schemeClr>
+    </dgm:fillClrLst>
+    <dgm:linClrLst meth="repeat">
+      <a:schemeClr val="accent2"/>
+      <a:schemeClr val="accent3"/>
+      <a:schemeClr val="accent4"/>
+      <a:schemeClr val="accent5"/>
+      <a:schemeClr val="accent6"/>
+    </dgm:linClrLst>
+    <dgm:effectClrLst/>
+    <dgm:txLinClrLst/>
+    <dgm:txFillClrLst meth="repeat">
+      <a:schemeClr val="dk1"/>
+    </dgm:txFillClrLst>
+    <dgm:txEffectClrLst/>
+  </dgm:styleLbl>
+  <dgm:styleLbl name="alignAcc1">
+    <dgm:fillClrLst meth="repeat">
+      <a:schemeClr val="lt1">
+        <a:alpha val="90000"/>
+      </a:schemeClr>
+    </dgm:fillClrLst>
+    <dgm:linClrLst meth="repeat">
+      <a:schemeClr val="accent2"/>
+      <a:schemeClr val="accent3"/>
+      <a:schemeClr val="accent4"/>
+      <a:schemeClr val="accent5"/>
+      <a:schemeClr val="accent6"/>
+    </dgm:linClrLst>
+    <dgm:effectClrLst/>
+    <dgm:txLinClrLst/>
+    <dgm:txFillClrLst meth="repeat">
+      <a:schemeClr val="dk1"/>
+    </dgm:txFillClrLst>
+    <dgm:txEffectClrLst/>
+  </dgm:styleLbl>
+  <dgm:styleLbl name="trAlignAcc1">
+    <dgm:fillClrLst meth="repeat">
+      <a:schemeClr val="lt1">
+        <a:alpha val="40000"/>
+      </a:schemeClr>
+    </dgm:fillClrLst>
+    <dgm:linClrLst meth="repeat">
+      <a:schemeClr val="accent1"/>
+    </dgm:linClrLst>
+    <dgm:effectClrLst/>
+    <dgm:txLinClrLst/>
+    <dgm:txFillClrLst meth="repeat">
+      <a:schemeClr val="dk1"/>
+    </dgm:txFillClrLst>
+    <dgm:txEffectClrLst/>
+  </dgm:styleLbl>
+  <dgm:styleLbl name="bgAcc1">
+    <dgm:fillClrLst meth="repeat">
+      <a:schemeClr val="lt1">
+        <a:alpha val="90000"/>
+      </a:schemeClr>
+    </dgm:fillClrLst>
+    <dgm:linClrLst meth="repeat">
+      <a:schemeClr val="accent2"/>
+      <a:schemeClr val="accent3"/>
+      <a:schemeClr val="accent4"/>
+      <a:schemeClr val="accent5"/>
+      <a:schemeClr val="accent6"/>
+    </dgm:linClrLst>
+    <dgm:effectClrLst/>
+    <dgm:txLinClrLst/>
+    <dgm:txFillClrLst meth="repeat">
+      <a:schemeClr val="dk1"/>
+    </dgm:txFillClrLst>
+    <dgm:txEffectClrLst/>
+  </dgm:styleLbl>
+  <dgm:styleLbl name="solidFgAcc1">
+    <dgm:fillClrLst meth="repeat">
+      <a:schemeClr val="lt1"/>
+    </dgm:fillClrLst>
+    <dgm:linClrLst meth="repeat">
+      <a:schemeClr val="accent2"/>
+      <a:schemeClr val="accent3"/>
+      <a:schemeClr val="accent4"/>
+      <a:schemeClr val="accent5"/>
+      <a:schemeClr val="accent6"/>
+    </dgm:linClrLst>
+    <dgm:effectClrLst/>
+    <dgm:txLinClrLst/>
+    <dgm:txFillClrLst meth="repeat">
+      <a:schemeClr val="dk1"/>
+    </dgm:txFillClrLst>
+    <dgm:txEffectClrLst/>
+  </dgm:styleLbl>
+  <dgm:styleLbl name="solidAlignAcc1">
+    <dgm:fillClrLst meth="repeat">
+      <a:schemeClr val="lt1"/>
+    </dgm:fillClrLst>
+    <dgm:linClrLst meth="repeat">
+      <a:schemeClr val="accent2"/>
+      <a:schemeClr val="accent3"/>
+      <a:schemeClr val="accent4"/>
+      <a:schemeClr val="accent5"/>
+      <a:schemeClr val="accent6"/>
+    </dgm:linClrLst>
+    <dgm:effectClrLst/>
+    <dgm:txLinClrLst/>
+    <dgm:txFillClrLst meth="repeat">
+      <a:schemeClr val="dk1"/>
+    </dgm:txFillClrLst>
+    <dgm:txEffectClrLst/>
+  </dgm:styleLbl>
+  <dgm:styleLbl name="solidBgAcc1">
+    <dgm:fillClrLst meth="repeat">
+      <a:schemeClr val="lt1"/>
+    </dgm:fillClrLst>
+    <dgm:linClrLst meth="repeat">
+      <a:schemeClr val="accent2"/>
+      <a:schemeClr val="accent3"/>
+      <a:schemeClr val="accent4"/>
+      <a:schemeClr val="accent5"/>
+      <a:schemeClr val="accent6"/>
+    </dgm:linClrLst>
+    <dgm:effectClrLst/>
+    <dgm:txLinClrLst/>
+    <dgm:txFillClrLst meth="repeat">
+      <a:schemeClr val="dk1"/>
+    </dgm:txFillClrLst>
+    <dgm:txEffectClrLst/>
+  </dgm:styleLbl>
+  <dgm:styleLbl name="fgAccFollowNode1">
+    <dgm:fillClrLst meth="repeat">
+      <a:schemeClr val="accent2">
+        <a:tint val="40000"/>
+        <a:alpha val="90000"/>
+      </a:schemeClr>
+      <a:schemeClr val="accent3">
+        <a:tint val="40000"/>
+        <a:alpha val="90000"/>
+      </a:schemeClr>
+      <a:schemeClr val="accent4">
+        <a:tint val="40000"/>
+        <a:alpha val="90000"/>
+      </a:schemeClr>
+      <a:schemeClr val="accent5">
+        <a:tint val="40000"/>
+        <a:alpha val="90000"/>
+      </a:schemeClr>
+      <a:schemeClr val="accent6">
+        <a:tint val="40000"/>
+        <a:alpha val="90000"/>
+      </a:schemeClr>
+    </dgm:fillClrLst>
+    <dgm:linClrLst meth="repeat">
+      <a:schemeClr val="accent2">
+        <a:tint val="40000"/>
+        <a:alpha val="90000"/>
+      </a:schemeClr>
+      <a:schemeClr val="accent3">
+        <a:tint val="40000"/>
+        <a:alpha val="90000"/>
+      </a:schemeClr>
+      <a:schemeClr val="accent4">
+        <a:tint val="40000"/>
+        <a:alpha val="90000"/>
+      </a:schemeClr>
+      <a:schemeClr val="accent5">
+        <a:tint val="40000"/>
+        <a:alpha val="90000"/>
+      </a:schemeClr>
+      <a:schemeClr val="accent6">
+        <a:tint val="40000"/>
+        <a:alpha val="90000"/>
+      </a:schemeClr>
+    </dgm:linClrLst>
+    <dgm:effectClrLst/>
+    <dgm:txLinClrLst/>
+    <dgm:txFillClrLst meth="repeat">
+      <a:schemeClr val="dk1"/>
+    </dgm:txFillClrLst>
+    <dgm:txEffectClrLst/>
+  </dgm:styleLbl>
+  <dgm:styleLbl name="alignAccFollowNode1">
+    <dgm:fillClrLst meth="repeat">
+      <a:schemeClr val="accent2">
+        <a:tint val="40000"/>
+        <a:alpha val="90000"/>
+      </a:schemeClr>
+      <a:schemeClr val="accent3">
+        <a:tint val="40000"/>
+        <a:alpha val="90000"/>
+      </a:schemeClr>
+      <a:schemeClr val="accent4">
+        <a:tint val="40000"/>
+        <a:alpha val="90000"/>
+      </a:schemeClr>
+      <a:schemeClr val="accent5">
+        <a:tint val="40000"/>
+        <a:alpha val="90000"/>
+      </a:schemeClr>
+      <a:schemeClr val="accent6">
+        <a:tint val="40000"/>
+        <a:alpha val="90000"/>
+      </a:schemeClr>
+    </dgm:fillClrLst>
+    <dgm:linClrLst meth="repeat">
+      <a:schemeClr val="accent2">
+        <a:tint val="40000"/>
+        <a:alpha val="90000"/>
+      </a:schemeClr>
+      <a:schemeClr val="accent3">
+        <a:tint val="40000"/>
+        <a:alpha val="90000"/>
+      </a:schemeClr>
+      <a:schemeClr val="accent4">
+        <a:tint val="40000"/>
+        <a:alpha val="90000"/>
+      </a:schemeClr>
+      <a:schemeClr val="accent5">
+        <a:tint val="40000"/>
+        <a:alpha val="90000"/>
+      </a:schemeClr>
+      <a:schemeClr val="accent6">
+        <a:tint val="40000"/>
+        <a:alpha val="90000"/>
+      </a:schemeClr>
+    </dgm:linClrLst>
+    <dgm:effectClrLst/>
+    <dgm:txLinClrLst/>
+    <dgm:txFillClrLst meth="repeat">
+      <a:schemeClr val="dk1"/>
+    </dgm:txFillClrLst>
+    <dgm:txEffectClrLst/>
+  </dgm:styleLbl>
+  <dgm:styleLbl name="bgAccFollowNode1">
+    <dgm:fillClrLst meth="repeat">
+      <a:schemeClr val="accent2">
+        <a:tint val="40000"/>
+        <a:alpha val="90000"/>
+      </a:schemeClr>
+      <a:schemeClr val="accent3">
+        <a:tint val="40000"/>
+        <a:alpha val="90000"/>
+      </a:schemeClr>
+      <a:schemeClr val="accent4">
+        <a:tint val="40000"/>
+        <a:alpha val="90000"/>
+      </a:schemeClr>
+      <a:schemeClr val="accent5">
+        <a:tint val="40000"/>
+        <a:alpha val="90000"/>
+      </a:schemeClr>
+      <a:schemeClr val="accent6">
+        <a:tint val="40000"/>
+        <a:alpha val="90000"/>
+      </a:schemeClr>
+    </dgm:fillClrLst>
+    <dgm:linClrLst meth="repeat">
+      <a:schemeClr val="accent2">
+        <a:tint val="40000"/>
+        <a:alpha val="90000"/>
+      </a:schemeClr>
+      <a:schemeClr val="accent3">
+        <a:tint val="40000"/>
+        <a:alpha val="90000"/>
+      </a:schemeClr>
+      <a:schemeClr val="accent4">
+        <a:tint val="40000"/>
+        <a:alpha val="90000"/>
+      </a:schemeClr>
+      <a:schemeClr val="accent5">
+        <a:tint val="40000"/>
+        <a:alpha val="90000"/>
+      </a:schemeClr>
+      <a:schemeClr val="accent6">
+        <a:tint val="40000"/>
+        <a:alpha val="90000"/>
+      </a:schemeClr>
+    </dgm:linClrLst>
+    <dgm:effectClrLst/>
+    <dgm:txLinClrLst/>
+    <dgm:txFillClrLst meth="repeat">
+      <a:schemeClr val="dk1"/>
+    </dgm:txFillClrLst>
+    <dgm:txEffectClrLst/>
+  </dgm:styleLbl>
+  <dgm:styleLbl name="fgAcc0">
+    <dgm:fillClrLst meth="repeat">
+      <a:schemeClr val="lt1">
+        <a:alpha val="90000"/>
+      </a:schemeClr>
+    </dgm:fillClrLst>
+    <dgm:linClrLst>
+      <a:schemeClr val="accent1"/>
+    </dgm:linClrLst>
+    <dgm:effectClrLst/>
+    <dgm:txLinClrLst/>
+    <dgm:txFillClrLst meth="repeat">
+      <a:schemeClr val="dk1"/>
+    </dgm:txFillClrLst>
+    <dgm:txEffectClrLst/>
+  </dgm:styleLbl>
+  <dgm:styleLbl name="fgAcc2">
+    <dgm:fillClrLst meth="repeat">
+      <a:schemeClr val="lt1">
+        <a:alpha val="90000"/>
+      </a:schemeClr>
+    </dgm:fillClrLst>
+    <dgm:linClrLst>
+      <a:schemeClr val="accent2"/>
+    </dgm:linClrLst>
+    <dgm:effectClrLst/>
+    <dgm:txLinClrLst/>
+    <dgm:txFillClrLst meth="repeat">
+      <a:schemeClr val="dk1"/>
+    </dgm:txFillClrLst>
+    <dgm:txEffectClrLst/>
+  </dgm:styleLbl>
+  <dgm:styleLbl name="fgAcc3">
+    <dgm:fillClrLst meth="repeat">
+      <a:schemeClr val="lt1">
+        <a:alpha val="90000"/>
+      </a:schemeClr>
+    </dgm:fillClrLst>
+    <dgm:linClrLst>
+      <a:schemeClr val="accent3"/>
+    </dgm:linClrLst>
+    <dgm:effectClrLst/>
+    <dgm:txLinClrLst/>
+    <dgm:txFillClrLst meth="repeat">
+      <a:schemeClr val="dk1"/>
+    </dgm:txFillClrLst>
+    <dgm:txEffectClrLst/>
+  </dgm:styleLbl>
+  <dgm:styleLbl name="fgAcc4">
+    <dgm:fillClrLst meth="repeat">
+      <a:schemeClr val="lt1">
+        <a:alpha val="90000"/>
+      </a:schemeClr>
+    </dgm:fillClrLst>
+    <dgm:linClrLst>
+      <a:schemeClr val="accent4"/>
+    </dgm:linClrLst>
+    <dgm:effectClrLst/>
+    <dgm:txLinClrLst/>
+    <dgm:txFillClrLst meth="repeat">
+      <a:schemeClr val="dk1"/>
+    </dgm:txFillClrLst>
+    <dgm:txEffectClrLst/>
+  </dgm:styleLbl>
+  <dgm:styleLbl name="bgShp">
+    <dgm:fillClrLst meth="repeat">
+      <a:schemeClr val="accent2">
+        <a:tint val="40000"/>
+      </a:schemeClr>
+    </dgm:fillClrLst>
+    <dgm:linClrLst meth="repeat">
+      <a:schemeClr val="dk1"/>
+    </dgm:linClrLst>
+    <dgm:effectClrLst/>
+    <dgm:txLinClrLst/>
+    <dgm:txFillClrLst meth="repeat">
+      <a:schemeClr val="dk1"/>
+    </dgm:txFillClrLst>
+    <dgm:txEffectClrLst/>
+  </dgm:styleLbl>
+  <dgm:styleLbl name="dkBgShp">
+    <dgm:fillClrLst meth="repeat">
+      <a:schemeClr val="accent2">
+        <a:shade val="90000"/>
+      </a:schemeClr>
+    </dgm:fillClrLst>
+    <dgm:linClrLst meth="repeat">
+      <a:schemeClr val="dk1"/>
+    </dgm:linClrLst>
+    <dgm:effectClrLst/>
+    <dgm:txLinClrLst/>
+    <dgm:txFillClrLst meth="repeat">
+      <a:schemeClr val="lt1"/>
+    </dgm:txFillClrLst>
+    <dgm:txEffectClrLst/>
+  </dgm:styleLbl>
+  <dgm:styleLbl name="trBgShp">
+    <dgm:fillClrLst meth="repeat">
+      <a:schemeClr val="accent1">
+        <a:tint val="50000"/>
+        <a:alpha val="40000"/>
+      </a:schemeClr>
+    </dgm:fillClrLst>
+    <dgm:linClrLst meth="repeat">
+      <a:schemeClr val="accent2"/>
+    </dgm:linClrLst>
+    <dgm:effectClrLst/>
+    <dgm:txLinClrLst/>
+    <dgm:txFillClrLst meth="repeat">
+      <a:schemeClr val="lt1"/>
+    </dgm:txFillClrLst>
+    <dgm:txEffectClrLst/>
+  </dgm:styleLbl>
+  <dgm:styleLbl name="fgShp">
+    <dgm:fillClrLst meth="repeat">
+      <a:schemeClr val="accent2">
+        <a:tint val="40000"/>
+      </a:schemeClr>
+    </dgm:fillClrLst>
+    <dgm:linClrLst meth="repeat">
+      <a:schemeClr val="lt1"/>
+    </dgm:linClrLst>
+    <dgm:effectClrLst/>
+    <dgm:txLinClrLst/>
+    <dgm:txFillClrLst meth="repeat">
+      <a:schemeClr val="dk1"/>
+    </dgm:txFillClrLst>
+    <dgm:txEffectClrLst/>
+  </dgm:styleLbl>
+  <dgm:styleLbl name="revTx">
+    <dgm:fillClrLst meth="repeat">
+      <a:schemeClr val="lt1">
+        <a:alpha val="0"/>
+      </a:schemeClr>
+    </dgm:fillClrLst>
+    <dgm:linClrLst meth="repeat">
+      <a:schemeClr val="dk1">
+        <a:alpha val="0"/>
+      </a:schemeClr>
+    </dgm:linClrLst>
+    <dgm:effectClrLst/>
+    <dgm:txLinClrLst/>
+    <dgm:txFillClrLst meth="repeat">
+      <a:schemeClr val="tx1"/>
+    </dgm:txFillClrLst>
+    <dgm:txEffectClrLst/>
+  </dgm:styleLbl>
+</dgm:colorsDef>
+</file>
+
+<file path=ppt/diagrams/colors7.xml><?xml version="1.0" encoding="utf-8"?>
+<dgm:colorsDef xmlns:dgm="http://schemas.openxmlformats.org/drawingml/2006/diagram" xmlns:a="http://schemas.openxmlformats.org/drawingml/2006/main" uniqueId="urn:microsoft.com/office/officeart/2005/8/colors/colorful1">
+  <dgm:title val=""/>
+  <dgm:desc val=""/>
+  <dgm:catLst>
+    <dgm:cat type="colorful" pri="10100"/>
+  </dgm:catLst>
+  <dgm:styleLbl name="node0">
+    <dgm:fillClrLst meth="repeat">
+      <a:schemeClr val="accent1"/>
+    </dgm:fillClrLst>
+    <dgm:linClrLst meth="repeat">
+      <a:schemeClr val="lt1"/>
+    </dgm:linClrLst>
+    <dgm:effectClrLst/>
+    <dgm:txLinClrLst/>
+    <dgm:txFillClrLst/>
+    <dgm:txEffectClrLst/>
+  </dgm:styleLbl>
+  <dgm:styleLbl name="node1">
+    <dgm:fillClrLst meth="repeat">
+      <a:schemeClr val="accent2"/>
+      <a:schemeClr val="accent3"/>
+      <a:schemeClr val="accent4"/>
+      <a:schemeClr val="accent5"/>
+      <a:schemeClr val="accent6"/>
+    </dgm:fillClrLst>
+    <dgm:linClrLst meth="repeat">
+      <a:schemeClr val="lt1"/>
+    </dgm:linClrLst>
+    <dgm:effectClrLst/>
+    <dgm:txLinClrLst/>
+    <dgm:txFillClrLst/>
+    <dgm:txEffectClrLst/>
+  </dgm:styleLbl>
+  <dgm:styleLbl name="alignNode1">
+    <dgm:fillClrLst meth="repeat">
+      <a:schemeClr val="accent2"/>
+      <a:schemeClr val="accent3"/>
+      <a:schemeClr val="accent4"/>
+      <a:schemeClr val="accent5"/>
+      <a:schemeClr val="accent6"/>
+    </dgm:fillClrLst>
+    <dgm:linClrLst meth="repeat">
+      <a:schemeClr val="accent2"/>
+      <a:schemeClr val="accent3"/>
+      <a:schemeClr val="accent4"/>
+      <a:schemeClr val="accent5"/>
+      <a:schemeClr val="accent6"/>
+    </dgm:linClrLst>
+    <dgm:effectClrLst/>
+    <dgm:txLinClrLst/>
+    <dgm:txFillClrLst/>
+    <dgm:txEffectClrLst/>
+  </dgm:styleLbl>
+  <dgm:styleLbl name="lnNode1">
+    <dgm:fillClrLst meth="repeat">
+      <a:schemeClr val="accent2"/>
+      <a:schemeClr val="accent3"/>
+      <a:schemeClr val="accent4"/>
+      <a:schemeClr val="accent5"/>
+      <a:schemeClr val="accent6"/>
+    </dgm:fillClrLst>
+    <dgm:linClrLst meth="repeat">
+      <a:schemeClr val="lt1"/>
+    </dgm:linClrLst>
+    <dgm:effectClrLst/>
+    <dgm:txLinClrLst/>
+    <dgm:txFillClrLst/>
+    <dgm:txEffectClrLst/>
+  </dgm:styleLbl>
+  <dgm:styleLbl name="vennNode1">
+    <dgm:fillClrLst meth="repeat">
+      <a:schemeClr val="accent2">
+        <a:alpha val="50000"/>
+      </a:schemeClr>
+      <a:schemeClr val="accent3">
+        <a:alpha val="50000"/>
+      </a:schemeClr>
+      <a:schemeClr val="accent4">
+        <a:alpha val="50000"/>
+      </a:schemeClr>
+      <a:schemeClr val="accent5">
+        <a:alpha val="50000"/>
+      </a:schemeClr>
+      <a:schemeClr val="accent6">
+        <a:alpha val="50000"/>
+      </a:schemeClr>
+    </dgm:fillClrLst>
+    <dgm:linClrLst meth="repeat">
+      <a:schemeClr val="lt1"/>
+    </dgm:linClrLst>
+    <dgm:effectClrLst/>
+    <dgm:txLinClrLst/>
+    <dgm:txFillClrLst/>
+    <dgm:txEffectClrLst/>
+  </dgm:styleLbl>
+  <dgm:styleLbl name="node2">
+    <dgm:fillClrLst>
+      <a:schemeClr val="accent2"/>
+    </dgm:fillClrLst>
+    <dgm:linClrLst meth="repeat">
+      <a:schemeClr val="lt1"/>
+    </dgm:linClrLst>
+    <dgm:effectClrLst/>
+    <dgm:txLinClrLst/>
+    <dgm:txFillClrLst/>
+    <dgm:txEffectClrLst/>
+  </dgm:styleLbl>
+  <dgm:styleLbl name="node3">
+    <dgm:fillClrLst>
+      <a:schemeClr val="accent3"/>
+    </dgm:fillClrLst>
+    <dgm:linClrLst meth="repeat">
+      <a:schemeClr val="lt1"/>
+    </dgm:linClrLst>
+    <dgm:effectClrLst/>
+    <dgm:txLinClrLst/>
+    <dgm:txFillClrLst/>
+    <dgm:txEffectClrLst/>
+  </dgm:styleLbl>
+  <dgm:styleLbl name="node4">
+    <dgm:fillClrLst>
+      <a:schemeClr val="accent4"/>
+    </dgm:fillClrLst>
+    <dgm:linClrLst meth="repeat">
+      <a:schemeClr val="lt1"/>
+    </dgm:linClrLst>
+    <dgm:effectClrLst/>
+    <dgm:txLinClrLst/>
+    <dgm:txFillClrLst/>
+    <dgm:txEffectClrLst/>
+  </dgm:styleLbl>
+  <dgm:styleLbl name="fgImgPlace1">
+    <dgm:fillClrLst meth="repeat">
+      <a:schemeClr val="accent2">
+        <a:tint val="50000"/>
+      </a:schemeClr>
+      <a:schemeClr val="accent3">
+        <a:tint val="50000"/>
+      </a:schemeClr>
+      <a:schemeClr val="accent4">
+        <a:tint val="50000"/>
+      </a:schemeClr>
+      <a:schemeClr val="accent5">
+        <a:tint val="50000"/>
+      </a:schemeClr>
+      <a:schemeClr val="accent6">
+        <a:tint val="50000"/>
+      </a:schemeClr>
+    </dgm:fillClrLst>
+    <dgm:linClrLst meth="repeat">
+      <a:schemeClr val="lt1"/>
+    </dgm:linClrLst>
+    <dgm:effectClrLst/>
+    <dgm:txLinClrLst/>
+    <dgm:txFillClrLst meth="repeat">
+      <a:schemeClr val="lt1"/>
+    </dgm:txFillClrLst>
+    <dgm:txEffectClrLst/>
+  </dgm:styleLbl>
+  <dgm:styleLbl name="alignImgPlace1">
+    <dgm:fillClrLst>
+      <a:schemeClr val="accent1">
+        <a:tint val="50000"/>
+      </a:schemeClr>
+      <a:schemeClr val="accent2">
+        <a:tint val="20000"/>
+      </a:schemeClr>
+    </dgm:fillClrLst>
+    <dgm:linClrLst meth="repeat">
+      <a:schemeClr val="lt1"/>
+    </dgm:linClrLst>
+    <dgm:effectClrLst/>
+    <dgm:txLinClrLst/>
+    <dgm:txFillClrLst meth="repeat">
+      <a:schemeClr val="lt1"/>
+    </dgm:txFillClrLst>
+    <dgm:txEffectClrLst/>
+  </dgm:styleLbl>
+  <dgm:styleLbl name="bgImgPlace1">
+    <dgm:fillClrLst>
+      <a:schemeClr val="accent1">
+        <a:tint val="50000"/>
+      </a:schemeClr>
+      <a:schemeClr val="accent2">
+        <a:tint val="20000"/>
+      </a:schemeClr>
+    </dgm:fillClrLst>
+    <dgm:linClrLst meth="repeat">
+      <a:schemeClr val="lt1"/>
+    </dgm:linClrLst>
+    <dgm:effectClrLst/>
+    <dgm:txLinClrLst/>
+    <dgm:txFillClrLst meth="repeat">
+      <a:schemeClr val="lt1"/>
+    </dgm:txFillClrLst>
+    <dgm:txEffectClrLst/>
+  </dgm:styleLbl>
+  <dgm:styleLbl name="sibTrans2D1">
+    <dgm:fillClrLst meth="repeat">
+      <a:schemeClr val="accent2"/>
+      <a:schemeClr val="accent3"/>
+      <a:schemeClr val="accent4"/>
+      <a:schemeClr val="accent5"/>
+      <a:schemeClr val="accent6"/>
+    </dgm:fillClrLst>
+    <dgm:linClrLst meth="cycle">
+      <a:schemeClr val="lt1"/>
+    </dgm:linClrLst>
+    <dgm:effectClrLst/>
+    <dgm:txLinClrLst/>
+    <dgm:txFillClrLst/>
+    <dgm:txEffectClrLst/>
+  </dgm:styleLbl>
+  <dgm:styleLbl name="fgSibTrans2D1">
+    <dgm:fillClrLst meth="repeat">
+      <a:schemeClr val="accent2"/>
+      <a:schemeClr val="accent3"/>
+      <a:schemeClr val="accent4"/>
+      <a:schemeClr val="accent5"/>
+      <a:schemeClr val="accent6"/>
+    </dgm:fillClrLst>
+    <dgm:linClrLst meth="cycle">
+      <a:schemeClr val="lt1"/>
+    </dgm:linClrLst>
+    <dgm:effectClrLst/>
+    <dgm:txLinClrLst/>
+    <dgm:txFillClrLst meth="repeat">
+      <a:schemeClr val="lt1"/>
+    </dgm:txFillClrLst>
+    <dgm:txEffectClrLst/>
+  </dgm:styleLbl>
+  <dgm:styleLbl name="bgSibTrans2D1">
+    <dgm:fillClrLst meth="repeat">
+      <a:schemeClr val="accent2"/>
+      <a:schemeClr val="accent3"/>
+      <a:schemeClr val="accent4"/>
+      <a:schemeClr val="accent5"/>
+      <a:schemeClr val="accent6"/>
+    </dgm:fillClrLst>
+    <dgm:linClrLst meth="cycle">
+      <a:schemeClr val="lt1"/>
+    </dgm:linClrLst>
+    <dgm:effectClrLst/>
+    <dgm:txLinClrLst/>
+    <dgm:txFillClrLst meth="repeat">
+      <a:schemeClr val="lt1"/>
+    </dgm:txFillClrLst>
+    <dgm:txEffectClrLst/>
+  </dgm:styleLbl>
+  <dgm:styleLbl name="sibTrans1D1">
+    <dgm:fillClrLst meth="repeat">
+      <a:schemeClr val="accent2"/>
+      <a:schemeClr val="accent3"/>
+      <a:schemeClr val="accent4"/>
+      <a:schemeClr val="accent5"/>
+      <a:schemeClr val="accent6"/>
+    </dgm:fillClrLst>
+    <dgm:linClrLst meth="repeat">
+      <a:schemeClr val="accent2"/>
+      <a:schemeClr val="accent3"/>
+      <a:schemeClr val="accent4"/>
+      <a:schemeClr val="accent5"/>
+      <a:schemeClr val="accent6"/>
+    </dgm:linClrLst>
+    <dgm:effectClrLst/>
+    <dgm:txLinClrLst/>
+    <dgm:txFillClrLst meth="repeat">
+      <a:schemeClr val="tx1"/>
+    </dgm:txFillClrLst>
+    <dgm:txEffectClrLst/>
+  </dgm:styleLbl>
+  <dgm:styleLbl name="callout">
+    <dgm:fillClrLst meth="repeat">
+      <a:schemeClr val="accent2"/>
+    </dgm:fillClrLst>
+    <dgm:linClrLst meth="repeat">
+      <a:schemeClr val="accent2">
+        <a:tint val="50000"/>
+      </a:schemeClr>
+    </dgm:linClrLst>
+    <dgm:effectClrLst/>
+    <dgm:txLinClrLst/>
+    <dgm:txFillClrLst meth="repeat">
+      <a:schemeClr val="tx1"/>
+    </dgm:txFillClrLst>
+    <dgm:txEffectClrLst/>
+  </dgm:styleLbl>
+  <dgm:styleLbl name="asst0">
+    <dgm:fillClrLst meth="repeat">
+      <a:schemeClr val="accent1"/>
+    </dgm:fillClrLst>
+    <dgm:linClrLst meth="repeat">
+      <a:schemeClr val="lt1"/>
+    </dgm:linClrLst>
+    <dgm:effectClrLst/>
+    <dgm:txLinClrLst/>
+    <dgm:txFillClrLst/>
+    <dgm:txEffectClrLst/>
+  </dgm:styleLbl>
+  <dgm:styleLbl name="asst1">
+    <dgm:fillClrLst meth="repeat">
+      <a:schemeClr val="accent2"/>
+    </dgm:fillClrLst>
+    <dgm:linClrLst meth="repeat">
+      <a:schemeClr val="lt1"/>
+    </dgm:linClrLst>
+    <dgm:effectClrLst/>
+    <dgm:txLinClrLst/>
+    <dgm:txFillClrLst/>
+    <dgm:txEffectClrLst/>
+  </dgm:styleLbl>
+  <dgm:styleLbl name="asst2">
+    <dgm:fillClrLst>
+      <a:schemeClr val="accent3"/>
+    </dgm:fillClrLst>
+    <dgm:linClrLst meth="repeat">
+      <a:schemeClr val="lt1"/>
+    </dgm:linClrLst>
+    <dgm:effectClrLst/>
+    <dgm:txLinClrLst/>
+    <dgm:txFillClrLst/>
+    <dgm:txEffectClrLst/>
+  </dgm:styleLbl>
+  <dgm:styleLbl name="asst3">
+    <dgm:fillClrLst>
+      <a:schemeClr val="accent4"/>
+    </dgm:fillClrLst>
+    <dgm:linClrLst meth="repeat">
+      <a:schemeClr val="lt1"/>
+    </dgm:linClrLst>
+    <dgm:effectClrLst/>
+    <dgm:txLinClrLst/>
+    <dgm:txFillClrLst/>
+    <dgm:txEffectClrLst/>
+  </dgm:styleLbl>
+  <dgm:styleLbl name="asst4">
+    <dgm:fillClrLst>
+      <a:schemeClr val="accent5"/>
+    </dgm:fillClrLst>
+    <dgm:linClrLst meth="repeat">
+      <a:schemeClr val="lt1"/>
+    </dgm:linClrLst>
+    <dgm:effectClrLst/>
+    <dgm:txLinClrLst/>
+    <dgm:txFillClrLst/>
+    <dgm:txEffectClrLst/>
+  </dgm:styleLbl>
+  <dgm:styleLbl name="parChTrans2D1">
+    <dgm:fillClrLst meth="repeat">
+      <a:schemeClr val="accent2"/>
+    </dgm:fillClrLst>
+    <dgm:linClrLst meth="repeat">
+      <a:schemeClr val="lt1"/>
+    </dgm:linClrLst>
+    <dgm:effectClrLst/>
+    <dgm:txLinClrLst/>
+    <dgm:txFillClrLst meth="repeat">
+      <a:schemeClr val="lt1"/>
+    </dgm:txFillClrLst>
+    <dgm:txEffectClrLst/>
+  </dgm:styleLbl>
+  <dgm:styleLbl name="parChTrans2D2">
+    <dgm:fillClrLst meth="repeat">
+      <a:schemeClr val="accent3"/>
+    </dgm:fillClrLst>
+    <dgm:linClrLst meth="repeat">
+      <a:schemeClr val="lt1"/>
+    </dgm:linClrLst>
+    <dgm:effectClrLst/>
+    <dgm:txLinClrLst/>
+    <dgm:txFillClrLst/>
+    <dgm:txEffectClrLst/>
+  </dgm:styleLbl>
+  <dgm:styleLbl name="parChTrans2D3">
+    <dgm:fillClrLst meth="repeat">
+      <a:schemeClr val="accent4"/>
+    </dgm:fillClrLst>
+    <dgm:linClrLst meth="repeat">
+      <a:schemeClr val="lt1"/>
+    </dgm:linClrLst>
+    <dgm:effectClrLst/>
+    <dgm:txLinClrLst/>
+    <dgm:txFillClrLst/>
+    <dgm:txEffectClrLst/>
+  </dgm:styleLbl>
+  <dgm:styleLbl name="parChTrans2D4">
+    <dgm:fillClrLst meth="repeat">
+      <a:schemeClr val="accent5"/>
+    </dgm:fillClrLst>
+    <dgm:linClrLst meth="repeat">
+      <a:schemeClr val="lt1"/>
+    </dgm:linClrLst>
+    <dgm:effectClrLst/>
+    <dgm:txLinClrLst/>
+    <dgm:txFillClrLst meth="repeat">
+      <a:schemeClr val="lt1"/>
+    </dgm:txFillClrLst>
+    <dgm:txEffectClrLst/>
+  </dgm:styleLbl>
+  <dgm:styleLbl name="parChTrans1D1">
+    <dgm:fillClrLst meth="repeat">
+      <a:schemeClr val="accent2"/>
+    </dgm:fillClrLst>
+    <dgm:linClrLst meth="repeat">
+      <a:schemeClr val="accent1"/>
+    </dgm:linClrLst>
+    <dgm:effectClrLst/>
+    <dgm:txLinClrLst/>
+    <dgm:txFillClrLst meth="repeat">
+      <a:schemeClr val="tx1"/>
+    </dgm:txFillClrLst>
+    <dgm:txEffectClrLst/>
+  </dgm:styleLbl>
+  <dgm:styleLbl name="parChTrans1D2">
+    <dgm:fillClrLst meth="repeat">
+      <a:schemeClr val="accent3">
+        <a:tint val="90000"/>
+      </a:schemeClr>
+    </dgm:fillClrLst>
+    <dgm:linClrLst meth="repeat">
+      <a:schemeClr val="accent2"/>
+    </dgm:linClrLst>
+    <dgm:effectClrLst/>
+    <dgm:txLinClrLst/>
+    <dgm:txFillClrLst meth="repeat">
+      <a:schemeClr val="tx1"/>
+    </dgm:txFillClrLst>
+    <dgm:txEffectClrLst/>
+  </dgm:styleLbl>
+  <dgm:styleLbl name="parChTrans1D3">
+    <dgm:fillClrLst meth="repeat">
+      <a:schemeClr val="accent4">
+        <a:tint val="70000"/>
+      </a:schemeClr>
+    </dgm:fillClrLst>
+    <dgm:linClrLst meth="repeat">
+      <a:schemeClr val="accent3"/>
+    </dgm:linClrLst>
+    <dgm:effectClrLst/>
+    <dgm:txLinClrLst/>
+    <dgm:txFillClrLst meth="repeat">
+      <a:schemeClr val="tx1"/>
+    </dgm:txFillClrLst>
+    <dgm:txEffectClrLst/>
+  </dgm:styleLbl>
+  <dgm:styleLbl name="parChTrans1D4">
+    <dgm:fillClrLst meth="repeat">
+      <a:schemeClr val="accent5">
+        <a:tint val="50000"/>
+      </a:schemeClr>
+    </dgm:fillClrLst>
+    <dgm:linClrLst meth="repeat">
+      <a:schemeClr val="accent4"/>
+    </dgm:linClrLst>
+    <dgm:effectClrLst/>
+    <dgm:txLinClrLst/>
+    <dgm:txFillClrLst meth="repeat">
+      <a:schemeClr val="tx1"/>
+    </dgm:txFillClrLst>
+    <dgm:txEffectClrLst/>
+  </dgm:styleLbl>
+  <dgm:styleLbl name="fgAcc1">
+    <dgm:fillClrLst meth="repeat">
+      <a:schemeClr val="lt1">
+        <a:alpha val="90000"/>
+      </a:schemeClr>
+    </dgm:fillClrLst>
+    <dgm:linClrLst meth="repeat">
+      <a:schemeClr val="accent2"/>
+      <a:schemeClr val="accent3"/>
+      <a:schemeClr val="accent4"/>
+      <a:schemeClr val="accent5"/>
+      <a:schemeClr val="accent6"/>
+    </dgm:linClrLst>
+    <dgm:effectClrLst/>
+    <dgm:txLinClrLst/>
+    <dgm:txFillClrLst meth="repeat">
+      <a:schemeClr val="dk1"/>
+    </dgm:txFillClrLst>
+    <dgm:txEffectClrLst/>
+  </dgm:styleLbl>
+  <dgm:styleLbl name="conFgAcc1">
+    <dgm:fillClrLst meth="repeat">
+      <a:schemeClr val="lt1">
+        <a:alpha val="90000"/>
+      </a:schemeClr>
+    </dgm:fillClrLst>
+    <dgm:linClrLst meth="repeat">
+      <a:schemeClr val="accent2"/>
+      <a:schemeClr val="accent3"/>
+      <a:schemeClr val="accent4"/>
+      <a:schemeClr val="accent5"/>
+      <a:schemeClr val="accent6"/>
+    </dgm:linClrLst>
+    <dgm:effectClrLst/>
+    <dgm:txLinClrLst/>
+    <dgm:txFillClrLst meth="repeat">
+      <a:schemeClr val="dk1"/>
+    </dgm:txFillClrLst>
+    <dgm:txEffectClrLst/>
+  </dgm:styleLbl>
+  <dgm:styleLbl name="alignAcc1">
+    <dgm:fillClrLst meth="repeat">
+      <a:schemeClr val="lt1">
+        <a:alpha val="90000"/>
+      </a:schemeClr>
+    </dgm:fillClrLst>
+    <dgm:linClrLst meth="repeat">
+      <a:schemeClr val="accent2"/>
+      <a:schemeClr val="accent3"/>
+      <a:schemeClr val="accent4"/>
+      <a:schemeClr val="accent5"/>
+      <a:schemeClr val="accent6"/>
+    </dgm:linClrLst>
+    <dgm:effectClrLst/>
+    <dgm:txLinClrLst/>
+    <dgm:txFillClrLst meth="repeat">
+      <a:schemeClr val="dk1"/>
+    </dgm:txFillClrLst>
+    <dgm:txEffectClrLst/>
+  </dgm:styleLbl>
+  <dgm:styleLbl name="trAlignAcc1">
+    <dgm:fillClrLst meth="repeat">
+      <a:schemeClr val="lt1">
+        <a:alpha val="40000"/>
+      </a:schemeClr>
+    </dgm:fillClrLst>
+    <dgm:linClrLst meth="repeat">
+      <a:schemeClr val="accent1"/>
+    </dgm:linClrLst>
+    <dgm:effectClrLst/>
+    <dgm:txLinClrLst/>
+    <dgm:txFillClrLst meth="repeat">
+      <a:schemeClr val="dk1"/>
+    </dgm:txFillClrLst>
+    <dgm:txEffectClrLst/>
+  </dgm:styleLbl>
+  <dgm:styleLbl name="bgAcc1">
+    <dgm:fillClrLst meth="repeat">
+      <a:schemeClr val="lt1">
+        <a:alpha val="90000"/>
+      </a:schemeClr>
+    </dgm:fillClrLst>
+    <dgm:linClrLst meth="repeat">
+      <a:schemeClr val="accent2"/>
+      <a:schemeClr val="accent3"/>
+      <a:schemeClr val="accent4"/>
+      <a:schemeClr val="accent5"/>
+      <a:schemeClr val="accent6"/>
+    </dgm:linClrLst>
+    <dgm:effectClrLst/>
+    <dgm:txLinClrLst/>
+    <dgm:txFillClrLst meth="repeat">
+      <a:schemeClr val="dk1"/>
+    </dgm:txFillClrLst>
+    <dgm:txEffectClrLst/>
+  </dgm:styleLbl>
+  <dgm:styleLbl name="solidFgAcc1">
+    <dgm:fillClrLst meth="repeat">
+      <a:schemeClr val="lt1"/>
+    </dgm:fillClrLst>
+    <dgm:linClrLst meth="repeat">
+      <a:schemeClr val="accent2"/>
+      <a:schemeClr val="accent3"/>
+      <a:schemeClr val="accent4"/>
+      <a:schemeClr val="accent5"/>
+      <a:schemeClr val="accent6"/>
+    </dgm:linClrLst>
+    <dgm:effectClrLst/>
+    <dgm:txLinClrLst/>
+    <dgm:txFillClrLst meth="repeat">
+      <a:schemeClr val="dk1"/>
+    </dgm:txFillClrLst>
+    <dgm:txEffectClrLst/>
+  </dgm:styleLbl>
+  <dgm:styleLbl name="solidAlignAcc1">
+    <dgm:fillClrLst meth="repeat">
+      <a:schemeClr val="lt1"/>
+    </dgm:fillClrLst>
+    <dgm:linClrLst meth="repeat">
+      <a:schemeClr val="accent2"/>
+      <a:schemeClr val="accent3"/>
+      <a:schemeClr val="accent4"/>
+      <a:schemeClr val="accent5"/>
+      <a:schemeClr val="accent6"/>
+    </dgm:linClrLst>
+    <dgm:effectClrLst/>
+    <dgm:txLinClrLst/>
+    <dgm:txFillClrLst meth="repeat">
+      <a:schemeClr val="dk1"/>
+    </dgm:txFillClrLst>
+    <dgm:txEffectClrLst/>
+  </dgm:styleLbl>
+  <dgm:styleLbl name="solidBgAcc1">
+    <dgm:fillClrLst meth="repeat">
+      <a:schemeClr val="lt1"/>
+    </dgm:fillClrLst>
+    <dgm:linClrLst meth="repeat">
+      <a:schemeClr val="accent2"/>
+      <a:schemeClr val="accent3"/>
+      <a:schemeClr val="accent4"/>
+      <a:schemeClr val="accent5"/>
+      <a:schemeClr val="accent6"/>
+    </dgm:linClrLst>
+    <dgm:effectClrLst/>
+    <dgm:txLinClrLst/>
+    <dgm:txFillClrLst meth="repeat">
+      <a:schemeClr val="dk1"/>
+    </dgm:txFillClrLst>
+    <dgm:txEffectClrLst/>
+  </dgm:styleLbl>
+  <dgm:styleLbl name="fgAccFollowNode1">
+    <dgm:fillClrLst meth="repeat">
+      <a:schemeClr val="accent2">
+        <a:tint val="40000"/>
+        <a:alpha val="90000"/>
+      </a:schemeClr>
+      <a:schemeClr val="accent3">
+        <a:tint val="40000"/>
+        <a:alpha val="90000"/>
+      </a:schemeClr>
+      <a:schemeClr val="accent4">
+        <a:tint val="40000"/>
+        <a:alpha val="90000"/>
+      </a:schemeClr>
+      <a:schemeClr val="accent5">
+        <a:tint val="40000"/>
+        <a:alpha val="90000"/>
+      </a:schemeClr>
+      <a:schemeClr val="accent6">
+        <a:tint val="40000"/>
+        <a:alpha val="90000"/>
+      </a:schemeClr>
+    </dgm:fillClrLst>
+    <dgm:linClrLst meth="repeat">
+      <a:schemeClr val="accent2">
+        <a:tint val="40000"/>
+        <a:alpha val="90000"/>
+      </a:schemeClr>
+      <a:schemeClr val="accent3">
+        <a:tint val="40000"/>
+        <a:alpha val="90000"/>
+      </a:schemeClr>
+      <a:schemeClr val="accent4">
+        <a:tint val="40000"/>
+        <a:alpha val="90000"/>
+      </a:schemeClr>
+      <a:schemeClr val="accent5">
+        <a:tint val="40000"/>
+        <a:alpha val="90000"/>
+      </a:schemeClr>
+      <a:schemeClr val="accent6">
+        <a:tint val="40000"/>
+        <a:alpha val="90000"/>
+      </a:schemeClr>
+    </dgm:linClrLst>
+    <dgm:effectClrLst/>
+    <dgm:txLinClrLst/>
+    <dgm:txFillClrLst meth="repeat">
+      <a:schemeClr val="dk1"/>
+    </dgm:txFillClrLst>
+    <dgm:txEffectClrLst/>
+  </dgm:styleLbl>
+  <dgm:styleLbl name="alignAccFollowNode1">
+    <dgm:fillClrLst meth="repeat">
+      <a:schemeClr val="accent2">
+        <a:tint val="40000"/>
+        <a:alpha val="90000"/>
+      </a:schemeClr>
+      <a:schemeClr val="accent3">
+        <a:tint val="40000"/>
+        <a:alpha val="90000"/>
+      </a:schemeClr>
+      <a:schemeClr val="accent4">
+        <a:tint val="40000"/>
+        <a:alpha val="90000"/>
+      </a:schemeClr>
+      <a:schemeClr val="accent5">
+        <a:tint val="40000"/>
+        <a:alpha val="90000"/>
+      </a:schemeClr>
+      <a:schemeClr val="accent6">
+        <a:tint val="40000"/>
+        <a:alpha val="90000"/>
+      </a:schemeClr>
+    </dgm:fillClrLst>
+    <dgm:linClrLst meth="repeat">
+      <a:schemeClr val="accent2">
+        <a:tint val="40000"/>
+        <a:alpha val="90000"/>
+      </a:schemeClr>
+      <a:schemeClr val="accent3">
+        <a:tint val="40000"/>
+        <a:alpha val="90000"/>
+      </a:schemeClr>
+      <a:schemeClr val="accent4">
+        <a:tint val="40000"/>
+        <a:alpha val="90000"/>
+      </a:schemeClr>
+      <a:schemeClr val="accent5">
+        <a:tint val="40000"/>
+        <a:alpha val="90000"/>
+      </a:schemeClr>
+      <a:schemeClr val="accent6">
+        <a:tint val="40000"/>
+        <a:alpha val="90000"/>
+      </a:schemeClr>
+    </dgm:linClrLst>
+    <dgm:effectClrLst/>
+    <dgm:txLinClrLst/>
+    <dgm:txFillClrLst meth="repeat">
+      <a:schemeClr val="dk1"/>
+    </dgm:txFillClrLst>
+    <dgm:txEffectClrLst/>
+  </dgm:styleLbl>
+  <dgm:styleLbl name="bgAccFollowNode1">
+    <dgm:fillClrLst meth="repeat">
+      <a:schemeClr val="accent2">
+        <a:tint val="40000"/>
+        <a:alpha val="90000"/>
+      </a:schemeClr>
+      <a:schemeClr val="accent3">
+        <a:tint val="40000"/>
+        <a:alpha val="90000"/>
+      </a:schemeClr>
+      <a:schemeClr val="accent4">
+        <a:tint val="40000"/>
+        <a:alpha val="90000"/>
+      </a:schemeClr>
+      <a:schemeClr val="accent5">
+        <a:tint val="40000"/>
+        <a:alpha val="90000"/>
+      </a:schemeClr>
+      <a:schemeClr val="accent6">
+        <a:tint val="40000"/>
+        <a:alpha val="90000"/>
+      </a:schemeClr>
+    </dgm:fillClrLst>
+    <dgm:linClrLst meth="repeat">
+      <a:schemeClr val="accent2">
+        <a:tint val="40000"/>
+        <a:alpha val="90000"/>
+      </a:schemeClr>
+      <a:schemeClr val="accent3">
+        <a:tint val="40000"/>
+        <a:alpha val="90000"/>
+      </a:schemeClr>
+      <a:schemeClr val="accent4">
+        <a:tint val="40000"/>
+        <a:alpha val="90000"/>
+      </a:schemeClr>
+      <a:schemeClr val="accent5">
+        <a:tint val="40000"/>
+        <a:alpha val="90000"/>
+      </a:schemeClr>
+      <a:schemeClr val="accent6">
+        <a:tint val="40000"/>
+        <a:alpha val="90000"/>
+      </a:schemeClr>
+    </dgm:linClrLst>
+    <dgm:effectClrLst/>
+    <dgm:txLinClrLst/>
+    <dgm:txFillClrLst meth="repeat">
+      <a:schemeClr val="dk1"/>
+    </dgm:txFillClrLst>
+    <dgm:txEffectClrLst/>
+  </dgm:styleLbl>
+  <dgm:styleLbl name="fgAcc0">
+    <dgm:fillClrLst meth="repeat">
+      <a:schemeClr val="lt1">
+        <a:alpha val="90000"/>
+      </a:schemeClr>
+    </dgm:fillClrLst>
+    <dgm:linClrLst>
+      <a:schemeClr val="accent1"/>
+    </dgm:linClrLst>
+    <dgm:effectClrLst/>
+    <dgm:txLinClrLst/>
+    <dgm:txFillClrLst meth="repeat">
+      <a:schemeClr val="dk1"/>
+    </dgm:txFillClrLst>
+    <dgm:txEffectClrLst/>
+  </dgm:styleLbl>
+  <dgm:styleLbl name="fgAcc2">
+    <dgm:fillClrLst meth="repeat">
+      <a:schemeClr val="lt1">
+        <a:alpha val="90000"/>
+      </a:schemeClr>
+    </dgm:fillClrLst>
+    <dgm:linClrLst>
+      <a:schemeClr val="accent2"/>
+    </dgm:linClrLst>
+    <dgm:effectClrLst/>
+    <dgm:txLinClrLst/>
+    <dgm:txFillClrLst meth="repeat">
+      <a:schemeClr val="dk1"/>
+    </dgm:txFillClrLst>
+    <dgm:txEffectClrLst/>
+  </dgm:styleLbl>
+  <dgm:styleLbl name="fgAcc3">
+    <dgm:fillClrLst meth="repeat">
+      <a:schemeClr val="lt1">
+        <a:alpha val="90000"/>
+      </a:schemeClr>
+    </dgm:fillClrLst>
+    <dgm:linClrLst>
+      <a:schemeClr val="accent3"/>
+    </dgm:linClrLst>
+    <dgm:effectClrLst/>
+    <dgm:txLinClrLst/>
+    <dgm:txFillClrLst meth="repeat">
+      <a:schemeClr val="dk1"/>
+    </dgm:txFillClrLst>
+    <dgm:txEffectClrLst/>
+  </dgm:styleLbl>
+  <dgm:styleLbl name="fgAcc4">
+    <dgm:fillClrLst meth="repeat">
+      <a:schemeClr val="lt1">
+        <a:alpha val="90000"/>
+      </a:schemeClr>
+    </dgm:fillClrLst>
+    <dgm:linClrLst>
+      <a:schemeClr val="accent4"/>
+    </dgm:linClrLst>
+    <dgm:effectClrLst/>
+    <dgm:txLinClrLst/>
+    <dgm:txFillClrLst meth="repeat">
+      <a:schemeClr val="dk1"/>
+    </dgm:txFillClrLst>
+    <dgm:txEffectClrLst/>
+  </dgm:styleLbl>
+  <dgm:styleLbl name="bgShp">
+    <dgm:fillClrLst meth="repeat">
+      <a:schemeClr val="accent2">
+        <a:tint val="40000"/>
+      </a:schemeClr>
+    </dgm:fillClrLst>
+    <dgm:linClrLst meth="repeat">
+      <a:schemeClr val="dk1"/>
+    </dgm:linClrLst>
+    <dgm:effectClrLst/>
+    <dgm:txLinClrLst/>
+    <dgm:txFillClrLst meth="repeat">
+      <a:schemeClr val="dk1"/>
+    </dgm:txFillClrLst>
+    <dgm:txEffectClrLst/>
+  </dgm:styleLbl>
+  <dgm:styleLbl name="dkBgShp">
+    <dgm:fillClrLst meth="repeat">
+      <a:schemeClr val="accent2">
+        <a:shade val="90000"/>
+      </a:schemeClr>
+    </dgm:fillClrLst>
+    <dgm:linClrLst meth="repeat">
+      <a:schemeClr val="dk1"/>
+    </dgm:linClrLst>
+    <dgm:effectClrLst/>
+    <dgm:txLinClrLst/>
+    <dgm:txFillClrLst meth="repeat">
+      <a:schemeClr val="lt1"/>
+    </dgm:txFillClrLst>
+    <dgm:txEffectClrLst/>
+  </dgm:styleLbl>
+  <dgm:styleLbl name="trBgShp">
+    <dgm:fillClrLst meth="repeat">
+      <a:schemeClr val="accent1">
+        <a:tint val="50000"/>
+        <a:alpha val="40000"/>
+      </a:schemeClr>
+    </dgm:fillClrLst>
+    <dgm:linClrLst meth="repeat">
+      <a:schemeClr val="accent2"/>
+    </dgm:linClrLst>
+    <dgm:effectClrLst/>
+    <dgm:txLinClrLst/>
+    <dgm:txFillClrLst meth="repeat">
+      <a:schemeClr val="lt1"/>
+    </dgm:txFillClrLst>
+    <dgm:txEffectClrLst/>
+  </dgm:styleLbl>
+  <dgm:styleLbl name="fgShp">
+    <dgm:fillClrLst meth="repeat">
+      <a:schemeClr val="accent2">
+        <a:tint val="40000"/>
+      </a:schemeClr>
+    </dgm:fillClrLst>
+    <dgm:linClrLst meth="repeat">
+      <a:schemeClr val="lt1"/>
+    </dgm:linClrLst>
+    <dgm:effectClrLst/>
+    <dgm:txLinClrLst/>
+    <dgm:txFillClrLst meth="repeat">
+      <a:schemeClr val="dk1"/>
+    </dgm:txFillClrLst>
+    <dgm:txEffectClrLst/>
+  </dgm:styleLbl>
+  <dgm:styleLbl name="revTx">
+    <dgm:fillClrLst meth="repeat">
+      <a:schemeClr val="lt1">
+        <a:alpha val="0"/>
+      </a:schemeClr>
+    </dgm:fillClrLst>
+    <dgm:linClrLst meth="repeat">
+      <a:schemeClr val="dk1">
+        <a:alpha val="0"/>
+      </a:schemeClr>
+    </dgm:linClrLst>
+    <dgm:effectClrLst/>
+    <dgm:txLinClrLst/>
+    <dgm:txFillClrLst meth="repeat">
+      <a:schemeClr val="tx1"/>
+    </dgm:txFillClrLst>
+    <dgm:txEffectClrLst/>
+  </dgm:styleLbl>
+</dgm:colorsDef>
+</file>
+
+<file path=ppt/diagrams/colors8.xml><?xml version="1.0" encoding="utf-8"?>
 <dgm:colorsDef xmlns:dgm="http://schemas.openxmlformats.org/drawingml/2006/diagram" xmlns:a="http://schemas.openxmlformats.org/drawingml/2006/main" uniqueId="urn:microsoft.com/office/officeart/2005/8/colors/colorful1">
   <dgm:title val=""/>
   <dgm:desc val=""/>
@@ -7195,6 +9035,241 @@
     </dgm:pt>
     <dgm:pt modelId="{41CC284F-587A-4F1F-BB8C-249E90069C32}" type="pres">
       <dgm:prSet presAssocID="{CAECA857-E535-4D78-B50C-2257AADA35E9}" presName="bgRect" presStyleLbl="alignNode1" presStyleIdx="0" presStyleCnt="1"/>
+      <dgm:spPr/>
+    </dgm:pt>
+    <dgm:pt modelId="{5FF67DEB-0300-4BC1-9207-120A47A1267A}" type="pres">
+      <dgm:prSet presAssocID="{7FE03244-F29D-4687-965D-AB35EADC4948}" presName="sibTransNodeRect" presStyleLbl="alignNode1" presStyleIdx="0" presStyleCnt="1">
+        <dgm:presLayoutVars>
+          <dgm:chMax val="0"/>
+          <dgm:bulletEnabled val="1"/>
+        </dgm:presLayoutVars>
+      </dgm:prSet>
+      <dgm:spPr/>
+    </dgm:pt>
+    <dgm:pt modelId="{9655C0F3-B483-4511-8C6A-711A1553B37F}" type="pres">
+      <dgm:prSet presAssocID="{CAECA857-E535-4D78-B50C-2257AADA35E9}" presName="nodeRect" presStyleLbl="alignNode1" presStyleIdx="0" presStyleCnt="1">
+        <dgm:presLayoutVars>
+          <dgm:bulletEnabled val="1"/>
+        </dgm:presLayoutVars>
+      </dgm:prSet>
+      <dgm:spPr/>
+    </dgm:pt>
+  </dgm:ptLst>
+  <dgm:cxnLst>
+    <dgm:cxn modelId="{0439566F-A180-439C-8FAE-14E400EF2DCF}" type="presOf" srcId="{8AA20905-3954-474B-A606-562BCA026DC1}" destId="{579698BD-D232-4926-8D7B-29A69B90858B}" srcOrd="0" destOrd="0" presId="urn:microsoft.com/office/officeart/2016/7/layout/LinearBlockProcessNumbered"/>
+    <dgm:cxn modelId="{78F035CC-1ADC-42C4-8945-F5C5A0DB195C}" type="presOf" srcId="{CAECA857-E535-4D78-B50C-2257AADA35E9}" destId="{41CC284F-587A-4F1F-BB8C-249E90069C32}" srcOrd="0" destOrd="0" presId="urn:microsoft.com/office/officeart/2016/7/layout/LinearBlockProcessNumbered"/>
+    <dgm:cxn modelId="{11170DD9-5A9D-4F8B-956D-5C4D486085B1}" srcId="{8AA20905-3954-474B-A606-562BCA026DC1}" destId="{CAECA857-E535-4D78-B50C-2257AADA35E9}" srcOrd="0" destOrd="0" parTransId="{B20E17B0-932D-4F7B-92FB-FC08D8EF4F65}" sibTransId="{7FE03244-F29D-4687-965D-AB35EADC4948}"/>
+    <dgm:cxn modelId="{9474E4FA-FEA4-408B-844B-56F2BD5EADD7}" type="presOf" srcId="{CAECA857-E535-4D78-B50C-2257AADA35E9}" destId="{9655C0F3-B483-4511-8C6A-711A1553B37F}" srcOrd="1" destOrd="0" presId="urn:microsoft.com/office/officeart/2016/7/layout/LinearBlockProcessNumbered"/>
+    <dgm:cxn modelId="{809420FE-895D-4AC5-9C1C-0895A45D237B}" type="presOf" srcId="{7FE03244-F29D-4687-965D-AB35EADC4948}" destId="{5FF67DEB-0300-4BC1-9207-120A47A1267A}" srcOrd="0" destOrd="0" presId="urn:microsoft.com/office/officeart/2016/7/layout/LinearBlockProcessNumbered"/>
+    <dgm:cxn modelId="{68D324D1-994F-4C96-945C-DBBEEE5A6725}" type="presParOf" srcId="{579698BD-D232-4926-8D7B-29A69B90858B}" destId="{76043CD9-6574-40B5-B4C2-9465D4508527}" srcOrd="0" destOrd="0" presId="urn:microsoft.com/office/officeart/2016/7/layout/LinearBlockProcessNumbered"/>
+    <dgm:cxn modelId="{C5234BB4-AC3B-471D-B7A6-A882E6ED6062}" type="presParOf" srcId="{76043CD9-6574-40B5-B4C2-9465D4508527}" destId="{41CC284F-587A-4F1F-BB8C-249E90069C32}" srcOrd="0" destOrd="0" presId="urn:microsoft.com/office/officeart/2016/7/layout/LinearBlockProcessNumbered"/>
+    <dgm:cxn modelId="{9CAF950B-C885-4309-A244-B4081A87140C}" type="presParOf" srcId="{76043CD9-6574-40B5-B4C2-9465D4508527}" destId="{5FF67DEB-0300-4BC1-9207-120A47A1267A}" srcOrd="1" destOrd="0" presId="urn:microsoft.com/office/officeart/2016/7/layout/LinearBlockProcessNumbered"/>
+    <dgm:cxn modelId="{D17F55B6-C727-4220-87CC-B413E74E093A}" type="presParOf" srcId="{76043CD9-6574-40B5-B4C2-9465D4508527}" destId="{9655C0F3-B483-4511-8C6A-711A1553B37F}" srcOrd="2" destOrd="0" presId="urn:microsoft.com/office/officeart/2016/7/layout/LinearBlockProcessNumbered"/>
+  </dgm:cxnLst>
+  <dgm:bg/>
+  <dgm:whole/>
+  <dgm:extLst>
+    <a:ext uri="http://schemas.microsoft.com/office/drawing/2008/diagram">
+      <dsp:dataModelExt xmlns:dsp="http://schemas.microsoft.com/office/drawing/2008/diagram" relId="rId7" minVer="http://schemas.openxmlformats.org/drawingml/2006/diagram"/>
+    </a:ext>
+  </dgm:extLst>
+</dgm:dataModel>
+</file>
+
+<file path=ppt/diagrams/data7.xml><?xml version="1.0" encoding="utf-8"?>
+<dgm:dataModel xmlns:dgm="http://schemas.openxmlformats.org/drawingml/2006/diagram" xmlns:a="http://schemas.openxmlformats.org/drawingml/2006/main">
+  <dgm:ptLst>
+    <dgm:pt modelId="{8AA20905-3954-474B-A606-562BCA026DC1}" type="doc">
+      <dgm:prSet loTypeId="urn:microsoft.com/office/officeart/2016/7/layout/LinearBlockProcessNumbered" loCatId="process" qsTypeId="urn:microsoft.com/office/officeart/2005/8/quickstyle/simple3" qsCatId="simple" csTypeId="urn:microsoft.com/office/officeart/2005/8/colors/colorful1" csCatId="colorful" phldr="1"/>
+      <dgm:spPr/>
+      <dgm:t>
+        <a:bodyPr/>
+        <a:lstStyle/>
+        <a:p>
+          <a:endParaRPr lang="en-US"/>
+        </a:p>
+      </dgm:t>
+    </dgm:pt>
+    <dgm:pt modelId="{CAECA857-E535-4D78-B50C-2257AADA35E9}">
+      <dgm:prSet/>
+      <dgm:spPr/>
+      <dgm:t>
+        <a:bodyPr/>
+        <a:lstStyle/>
+        <a:p>
+          <a:r>
+            <a:rPr lang="en-US" b="0" dirty="0"/>
+            <a:t>Considering how profitable this project can be, I would like to suggest moving forward with it.</a:t>
+          </a:r>
+        </a:p>
+        <a:p>
+          <a:r>
+            <a:rPr lang="en-US" b="0" dirty="0"/>
+            <a:t>• While making a movie, the documentary genre should be taken into consideration first, then the comedic and dramatic genres. Additionally, since the production budget has a direct impact on both domestic and worldwide gross earnings, I would advise giving it careful thought.</a:t>
+          </a:r>
+          <a:endParaRPr lang="en-US" cap="none" dirty="0"/>
+        </a:p>
+      </dgm:t>
+    </dgm:pt>
+    <dgm:pt modelId="{B20E17B0-932D-4F7B-92FB-FC08D8EF4F65}" type="parTrans" cxnId="{11170DD9-5A9D-4F8B-956D-5C4D486085B1}">
+      <dgm:prSet/>
+      <dgm:spPr/>
+      <dgm:t>
+        <a:bodyPr/>
+        <a:lstStyle/>
+        <a:p>
+          <a:endParaRPr lang="en-US"/>
+        </a:p>
+      </dgm:t>
+    </dgm:pt>
+    <dgm:pt modelId="{7FE03244-F29D-4687-965D-AB35EADC4948}" type="sibTrans" cxnId="{11170DD9-5A9D-4F8B-956D-5C4D486085B1}">
+      <dgm:prSet phldrT="01" phldr="0"/>
+      <dgm:spPr/>
+      <dgm:t>
+        <a:bodyPr/>
+        <a:lstStyle/>
+        <a:p>
+          <a:r>
+            <a:rPr lang="en-US"/>
+            <a:t>01</a:t>
+          </a:r>
+          <a:endParaRPr lang="en-US" dirty="0"/>
+        </a:p>
+      </dgm:t>
+    </dgm:pt>
+    <dgm:pt modelId="{579698BD-D232-4926-8D7B-29A69B90858B}" type="pres">
+      <dgm:prSet presAssocID="{8AA20905-3954-474B-A606-562BCA026DC1}" presName="Name0" presStyleCnt="0">
+        <dgm:presLayoutVars>
+          <dgm:animLvl val="lvl"/>
+          <dgm:resizeHandles val="exact"/>
+        </dgm:presLayoutVars>
+      </dgm:prSet>
+      <dgm:spPr/>
+    </dgm:pt>
+    <dgm:pt modelId="{76043CD9-6574-40B5-B4C2-9465D4508527}" type="pres">
+      <dgm:prSet presAssocID="{CAECA857-E535-4D78-B50C-2257AADA35E9}" presName="compositeNode" presStyleCnt="0">
+        <dgm:presLayoutVars>
+          <dgm:bulletEnabled val="1"/>
+        </dgm:presLayoutVars>
+      </dgm:prSet>
+      <dgm:spPr/>
+    </dgm:pt>
+    <dgm:pt modelId="{41CC284F-587A-4F1F-BB8C-249E90069C32}" type="pres">
+      <dgm:prSet presAssocID="{CAECA857-E535-4D78-B50C-2257AADA35E9}" presName="bgRect" presStyleLbl="alignNode1" presStyleIdx="0" presStyleCnt="1"/>
+      <dgm:spPr/>
+    </dgm:pt>
+    <dgm:pt modelId="{5FF67DEB-0300-4BC1-9207-120A47A1267A}" type="pres">
+      <dgm:prSet presAssocID="{7FE03244-F29D-4687-965D-AB35EADC4948}" presName="sibTransNodeRect" presStyleLbl="alignNode1" presStyleIdx="0" presStyleCnt="1">
+        <dgm:presLayoutVars>
+          <dgm:chMax val="0"/>
+          <dgm:bulletEnabled val="1"/>
+        </dgm:presLayoutVars>
+      </dgm:prSet>
+      <dgm:spPr/>
+    </dgm:pt>
+    <dgm:pt modelId="{9655C0F3-B483-4511-8C6A-711A1553B37F}" type="pres">
+      <dgm:prSet presAssocID="{CAECA857-E535-4D78-B50C-2257AADA35E9}" presName="nodeRect" presStyleLbl="alignNode1" presStyleIdx="0" presStyleCnt="1">
+        <dgm:presLayoutVars>
+          <dgm:bulletEnabled val="1"/>
+        </dgm:presLayoutVars>
+      </dgm:prSet>
+      <dgm:spPr/>
+    </dgm:pt>
+  </dgm:ptLst>
+  <dgm:cxnLst>
+    <dgm:cxn modelId="{0439566F-A180-439C-8FAE-14E400EF2DCF}" type="presOf" srcId="{8AA20905-3954-474B-A606-562BCA026DC1}" destId="{579698BD-D232-4926-8D7B-29A69B90858B}" srcOrd="0" destOrd="0" presId="urn:microsoft.com/office/officeart/2016/7/layout/LinearBlockProcessNumbered"/>
+    <dgm:cxn modelId="{78F035CC-1ADC-42C4-8945-F5C5A0DB195C}" type="presOf" srcId="{CAECA857-E535-4D78-B50C-2257AADA35E9}" destId="{41CC284F-587A-4F1F-BB8C-249E90069C32}" srcOrd="0" destOrd="0" presId="urn:microsoft.com/office/officeart/2016/7/layout/LinearBlockProcessNumbered"/>
+    <dgm:cxn modelId="{11170DD9-5A9D-4F8B-956D-5C4D486085B1}" srcId="{8AA20905-3954-474B-A606-562BCA026DC1}" destId="{CAECA857-E535-4D78-B50C-2257AADA35E9}" srcOrd="0" destOrd="0" parTransId="{B20E17B0-932D-4F7B-92FB-FC08D8EF4F65}" sibTransId="{7FE03244-F29D-4687-965D-AB35EADC4948}"/>
+    <dgm:cxn modelId="{9474E4FA-FEA4-408B-844B-56F2BD5EADD7}" type="presOf" srcId="{CAECA857-E535-4D78-B50C-2257AADA35E9}" destId="{9655C0F3-B483-4511-8C6A-711A1553B37F}" srcOrd="1" destOrd="0" presId="urn:microsoft.com/office/officeart/2016/7/layout/LinearBlockProcessNumbered"/>
+    <dgm:cxn modelId="{809420FE-895D-4AC5-9C1C-0895A45D237B}" type="presOf" srcId="{7FE03244-F29D-4687-965D-AB35EADC4948}" destId="{5FF67DEB-0300-4BC1-9207-120A47A1267A}" srcOrd="0" destOrd="0" presId="urn:microsoft.com/office/officeart/2016/7/layout/LinearBlockProcessNumbered"/>
+    <dgm:cxn modelId="{68D324D1-994F-4C96-945C-DBBEEE5A6725}" type="presParOf" srcId="{579698BD-D232-4926-8D7B-29A69B90858B}" destId="{76043CD9-6574-40B5-B4C2-9465D4508527}" srcOrd="0" destOrd="0" presId="urn:microsoft.com/office/officeart/2016/7/layout/LinearBlockProcessNumbered"/>
+    <dgm:cxn modelId="{C5234BB4-AC3B-471D-B7A6-A882E6ED6062}" type="presParOf" srcId="{76043CD9-6574-40B5-B4C2-9465D4508527}" destId="{41CC284F-587A-4F1F-BB8C-249E90069C32}" srcOrd="0" destOrd="0" presId="urn:microsoft.com/office/officeart/2016/7/layout/LinearBlockProcessNumbered"/>
+    <dgm:cxn modelId="{9CAF950B-C885-4309-A244-B4081A87140C}" type="presParOf" srcId="{76043CD9-6574-40B5-B4C2-9465D4508527}" destId="{5FF67DEB-0300-4BC1-9207-120A47A1267A}" srcOrd="1" destOrd="0" presId="urn:microsoft.com/office/officeart/2016/7/layout/LinearBlockProcessNumbered"/>
+    <dgm:cxn modelId="{D17F55B6-C727-4220-87CC-B413E74E093A}" type="presParOf" srcId="{76043CD9-6574-40B5-B4C2-9465D4508527}" destId="{9655C0F3-B483-4511-8C6A-711A1553B37F}" srcOrd="2" destOrd="0" presId="urn:microsoft.com/office/officeart/2016/7/layout/LinearBlockProcessNumbered"/>
+  </dgm:cxnLst>
+  <dgm:bg/>
+  <dgm:whole/>
+  <dgm:extLst>
+    <a:ext uri="http://schemas.microsoft.com/office/drawing/2008/diagram">
+      <dsp:dataModelExt xmlns:dsp="http://schemas.microsoft.com/office/drawing/2008/diagram" relId="rId7" minVer="http://schemas.openxmlformats.org/drawingml/2006/diagram"/>
+    </a:ext>
+  </dgm:extLst>
+</dgm:dataModel>
+</file>
+
+<file path=ppt/diagrams/data8.xml><?xml version="1.0" encoding="utf-8"?>
+<dgm:dataModel xmlns:dgm="http://schemas.openxmlformats.org/drawingml/2006/diagram" xmlns:a="http://schemas.openxmlformats.org/drawingml/2006/main">
+  <dgm:ptLst>
+    <dgm:pt modelId="{8AA20905-3954-474B-A606-562BCA026DC1}" type="doc">
+      <dgm:prSet loTypeId="urn:microsoft.com/office/officeart/2016/7/layout/LinearBlockProcessNumbered" loCatId="process" qsTypeId="urn:microsoft.com/office/officeart/2005/8/quickstyle/simple3" qsCatId="simple" csTypeId="urn:microsoft.com/office/officeart/2005/8/colors/colorful1" csCatId="colorful" phldr="1"/>
+      <dgm:spPr/>
+      <dgm:t>
+        <a:bodyPr/>
+        <a:lstStyle/>
+        <a:p>
+          <a:endParaRPr lang="en-US"/>
+        </a:p>
+      </dgm:t>
+    </dgm:pt>
+    <dgm:pt modelId="{CAECA857-E535-4D78-B50C-2257AADA35E9}">
+      <dgm:prSet custT="1"/>
+      <dgm:spPr/>
+      <dgm:t>
+        <a:bodyPr/>
+        <a:lstStyle/>
+        <a:p>
+          <a:pPr algn="ctr"/>
+          <a:r>
+            <a:rPr lang="en-US" sz="6000" b="1" i="1" cap="none" dirty="0"/>
+            <a:t>THANKYOU…….</a:t>
+          </a:r>
+        </a:p>
+      </dgm:t>
+    </dgm:pt>
+    <dgm:pt modelId="{B20E17B0-932D-4F7B-92FB-FC08D8EF4F65}" type="parTrans" cxnId="{11170DD9-5A9D-4F8B-956D-5C4D486085B1}">
+      <dgm:prSet/>
+      <dgm:spPr/>
+      <dgm:t>
+        <a:bodyPr/>
+        <a:lstStyle/>
+        <a:p>
+          <a:endParaRPr lang="en-US"/>
+        </a:p>
+      </dgm:t>
+    </dgm:pt>
+    <dgm:pt modelId="{7FE03244-F29D-4687-965D-AB35EADC4948}" type="sibTrans" cxnId="{11170DD9-5A9D-4F8B-956D-5C4D486085B1}">
+      <dgm:prSet phldrT="01" phldr="0"/>
+      <dgm:spPr/>
+      <dgm:t>
+        <a:bodyPr/>
+        <a:lstStyle/>
+        <a:p>
+          <a:r>
+            <a:rPr lang="en-US" dirty="0"/>
+            <a:t>01</a:t>
+          </a:r>
+        </a:p>
+      </dgm:t>
+    </dgm:pt>
+    <dgm:pt modelId="{579698BD-D232-4926-8D7B-29A69B90858B}" type="pres">
+      <dgm:prSet presAssocID="{8AA20905-3954-474B-A606-562BCA026DC1}" presName="Name0" presStyleCnt="0">
+        <dgm:presLayoutVars>
+          <dgm:animLvl val="lvl"/>
+          <dgm:resizeHandles val="exact"/>
+        </dgm:presLayoutVars>
+      </dgm:prSet>
+      <dgm:spPr/>
+    </dgm:pt>
+    <dgm:pt modelId="{76043CD9-6574-40B5-B4C2-9465D4508527}" type="pres">
+      <dgm:prSet presAssocID="{CAECA857-E535-4D78-B50C-2257AADA35E9}" presName="compositeNode" presStyleCnt="0">
+        <dgm:presLayoutVars>
+          <dgm:bulletEnabled val="1"/>
+        </dgm:presLayoutVars>
+      </dgm:prSet>
+      <dgm:spPr/>
+    </dgm:pt>
+    <dgm:pt modelId="{41CC284F-587A-4F1F-BB8C-249E90069C32}" type="pres">
+      <dgm:prSet presAssocID="{CAECA857-E535-4D78-B50C-2257AADA35E9}" presName="bgRect" presStyleLbl="alignNode1" presStyleIdx="0" presStyleCnt="1" custLinFactNeighborX="98"/>
       <dgm:spPr/>
     </dgm:pt>
     <dgm:pt modelId="{5FF67DEB-0300-4BC1-9207-120A47A1267A}" type="pres">
@@ -9741,6 +11816,364 @@
 </dsp:drawing>
 </file>
 
+<file path=ppt/diagrams/drawing7.xml><?xml version="1.0" encoding="utf-8"?>
+<dsp:drawing xmlns:dgm="http://schemas.openxmlformats.org/drawingml/2006/diagram" xmlns:dsp="http://schemas.microsoft.com/office/drawing/2008/diagram" xmlns:a="http://schemas.openxmlformats.org/drawingml/2006/main">
+  <dsp:spTree>
+    <dsp:nvGrpSpPr>
+      <dsp:cNvPr id="0" name=""/>
+      <dsp:cNvGrpSpPr/>
+    </dsp:nvGrpSpPr>
+    <dsp:grpSpPr/>
+    <dsp:sp modelId="{41CC284F-587A-4F1F-BB8C-249E90069C32}">
+      <dsp:nvSpPr>
+        <dsp:cNvPr id="0" name=""/>
+        <dsp:cNvSpPr/>
+      </dsp:nvSpPr>
+      <dsp:spPr>
+        <a:xfrm>
+          <a:off x="0" y="0"/>
+          <a:ext cx="10353675" cy="3714750"/>
+        </a:xfrm>
+        <a:prstGeom prst="rect">
+          <a:avLst/>
+        </a:prstGeom>
+        <a:gradFill rotWithShape="0">
+          <a:gsLst>
+            <a:gs pos="0">
+              <a:schemeClr val="accent2">
+                <a:hueOff val="0"/>
+                <a:satOff val="0"/>
+                <a:lumOff val="0"/>
+                <a:alphaOff val="0"/>
+                <a:tint val="60000"/>
+                <a:lumMod val="110000"/>
+              </a:schemeClr>
+            </a:gs>
+            <a:gs pos="100000">
+              <a:schemeClr val="accent2">
+                <a:hueOff val="0"/>
+                <a:satOff val="0"/>
+                <a:lumOff val="0"/>
+                <a:alphaOff val="0"/>
+                <a:tint val="88000"/>
+              </a:schemeClr>
+            </a:gs>
+          </a:gsLst>
+          <a:lin ang="5400000" scaled="0"/>
+        </a:gradFill>
+        <a:ln w="9525" cap="rnd" cmpd="sng" algn="ctr">
+          <a:solidFill>
+            <a:schemeClr val="accent2">
+              <a:hueOff val="0"/>
+              <a:satOff val="0"/>
+              <a:lumOff val="0"/>
+              <a:alphaOff val="0"/>
+            </a:schemeClr>
+          </a:solidFill>
+          <a:prstDash val="solid"/>
+        </a:ln>
+        <a:effectLst/>
+      </dsp:spPr>
+      <dsp:style>
+        <a:lnRef idx="1">
+          <a:scrgbClr r="0" g="0" b="0"/>
+        </a:lnRef>
+        <a:fillRef idx="2">
+          <a:scrgbClr r="0" g="0" b="0"/>
+        </a:fillRef>
+        <a:effectRef idx="1">
+          <a:scrgbClr r="0" g="0" b="0"/>
+        </a:effectRef>
+        <a:fontRef idx="minor">
+          <a:schemeClr val="dk1"/>
+        </a:fontRef>
+      </dsp:style>
+      <dsp:txBody>
+        <a:bodyPr spcFirstLastPara="0" vert="horz" wrap="square" lIns="1022713" tIns="0" rIns="1022713" bIns="330200" numCol="1" spcCol="1270" anchor="t" anchorCtr="0">
+          <a:noAutofit/>
+        </a:bodyPr>
+        <a:lstStyle/>
+        <a:p>
+          <a:pPr marL="0" lvl="0" indent="0" algn="l" defTabSz="933450">
+            <a:lnSpc>
+              <a:spcPct val="90000"/>
+            </a:lnSpc>
+            <a:spcBef>
+              <a:spcPct val="0"/>
+            </a:spcBef>
+            <a:spcAft>
+              <a:spcPct val="35000"/>
+            </a:spcAft>
+            <a:buNone/>
+          </a:pPr>
+          <a:r>
+            <a:rPr lang="en-US" sz="2100" b="0" kern="1200" dirty="0"/>
+            <a:t>Considering how profitable this project can be, I would like to suggest moving forward with it.</a:t>
+          </a:r>
+        </a:p>
+        <a:p>
+          <a:pPr marL="0" lvl="0" indent="0" algn="l" defTabSz="933450">
+            <a:lnSpc>
+              <a:spcPct val="90000"/>
+            </a:lnSpc>
+            <a:spcBef>
+              <a:spcPct val="0"/>
+            </a:spcBef>
+            <a:spcAft>
+              <a:spcPct val="35000"/>
+            </a:spcAft>
+            <a:buNone/>
+          </a:pPr>
+          <a:r>
+            <a:rPr lang="en-US" sz="2100" b="0" kern="1200" dirty="0"/>
+            <a:t>• While making a movie, the documentary genre should be taken into consideration first, then the comedic and dramatic genres. Additionally, since the production budget has a direct impact on both domestic and worldwide gross earnings, I would advise giving it careful thought.</a:t>
+          </a:r>
+          <a:endParaRPr lang="en-US" sz="2100" kern="1200" cap="none" dirty="0"/>
+        </a:p>
+      </dsp:txBody>
+      <dsp:txXfrm>
+        <a:off x="0" y="1485900"/>
+        <a:ext cx="10353675" cy="2228850"/>
+      </dsp:txXfrm>
+    </dsp:sp>
+    <dsp:sp modelId="{5FF67DEB-0300-4BC1-9207-120A47A1267A}">
+      <dsp:nvSpPr>
+        <dsp:cNvPr id="0" name=""/>
+        <dsp:cNvSpPr/>
+      </dsp:nvSpPr>
+      <dsp:spPr>
+        <a:xfrm>
+          <a:off x="0" y="0"/>
+          <a:ext cx="10353675" cy="1485900"/>
+        </a:xfrm>
+        <a:prstGeom prst="rect">
+          <a:avLst/>
+        </a:prstGeom>
+        <a:noFill/>
+        <a:ln w="9525" cap="rnd" cmpd="sng" algn="ctr">
+          <a:noFill/>
+          <a:prstDash val="solid"/>
+        </a:ln>
+        <a:effectLst/>
+        <a:sp3d/>
+      </dsp:spPr>
+      <dsp:style>
+        <a:lnRef idx="1">
+          <a:scrgbClr r="0" g="0" b="0"/>
+        </a:lnRef>
+        <a:fillRef idx="2">
+          <a:scrgbClr r="0" g="0" b="0"/>
+        </a:fillRef>
+        <a:effectRef idx="1">
+          <a:scrgbClr r="0" g="0" b="0"/>
+        </a:effectRef>
+        <a:fontRef idx="minor">
+          <a:schemeClr val="dk1"/>
+        </a:fontRef>
+      </dsp:style>
+      <dsp:txBody>
+        <a:bodyPr spcFirstLastPara="0" vert="horz" wrap="square" lIns="1022713" tIns="165100" rIns="1022713" bIns="165100" numCol="1" spcCol="1270" anchor="ctr" anchorCtr="0">
+          <a:noAutofit/>
+        </a:bodyPr>
+        <a:lstStyle/>
+        <a:p>
+          <a:pPr marL="0" lvl="0" indent="0" algn="l" defTabSz="2933700">
+            <a:lnSpc>
+              <a:spcPct val="90000"/>
+            </a:lnSpc>
+            <a:spcBef>
+              <a:spcPct val="0"/>
+            </a:spcBef>
+            <a:spcAft>
+              <a:spcPct val="35000"/>
+            </a:spcAft>
+            <a:buNone/>
+          </a:pPr>
+          <a:r>
+            <a:rPr lang="en-US" sz="6600" kern="1200"/>
+            <a:t>01</a:t>
+          </a:r>
+          <a:endParaRPr lang="en-US" sz="6600" kern="1200" dirty="0"/>
+        </a:p>
+      </dsp:txBody>
+      <dsp:txXfrm>
+        <a:off x="0" y="0"/>
+        <a:ext cx="10353675" cy="1485900"/>
+      </dsp:txXfrm>
+    </dsp:sp>
+  </dsp:spTree>
+</dsp:drawing>
+</file>
+
+<file path=ppt/diagrams/drawing8.xml><?xml version="1.0" encoding="utf-8"?>
+<dsp:drawing xmlns:dgm="http://schemas.openxmlformats.org/drawingml/2006/diagram" xmlns:dsp="http://schemas.microsoft.com/office/drawing/2008/diagram" xmlns:a="http://schemas.openxmlformats.org/drawingml/2006/main">
+  <dsp:spTree>
+    <dsp:nvGrpSpPr>
+      <dsp:cNvPr id="0" name=""/>
+      <dsp:cNvGrpSpPr/>
+    </dsp:nvGrpSpPr>
+    <dsp:grpSpPr/>
+    <dsp:sp modelId="{41CC284F-587A-4F1F-BB8C-249E90069C32}">
+      <dsp:nvSpPr>
+        <dsp:cNvPr id="0" name=""/>
+        <dsp:cNvSpPr/>
+      </dsp:nvSpPr>
+      <dsp:spPr>
+        <a:xfrm>
+          <a:off x="0" y="0"/>
+          <a:ext cx="10353675" cy="4818742"/>
+        </a:xfrm>
+        <a:prstGeom prst="rect">
+          <a:avLst/>
+        </a:prstGeom>
+        <a:gradFill rotWithShape="0">
+          <a:gsLst>
+            <a:gs pos="0">
+              <a:schemeClr val="accent2">
+                <a:hueOff val="0"/>
+                <a:satOff val="0"/>
+                <a:lumOff val="0"/>
+                <a:alphaOff val="0"/>
+                <a:tint val="60000"/>
+                <a:lumMod val="110000"/>
+              </a:schemeClr>
+            </a:gs>
+            <a:gs pos="100000">
+              <a:schemeClr val="accent2">
+                <a:hueOff val="0"/>
+                <a:satOff val="0"/>
+                <a:lumOff val="0"/>
+                <a:alphaOff val="0"/>
+                <a:tint val="88000"/>
+              </a:schemeClr>
+            </a:gs>
+          </a:gsLst>
+          <a:lin ang="5400000" scaled="0"/>
+        </a:gradFill>
+        <a:ln w="9525" cap="rnd" cmpd="sng" algn="ctr">
+          <a:solidFill>
+            <a:schemeClr val="accent2">
+              <a:hueOff val="0"/>
+              <a:satOff val="0"/>
+              <a:lumOff val="0"/>
+              <a:alphaOff val="0"/>
+            </a:schemeClr>
+          </a:solidFill>
+          <a:prstDash val="solid"/>
+        </a:ln>
+        <a:effectLst/>
+      </dsp:spPr>
+      <dsp:style>
+        <a:lnRef idx="1">
+          <a:scrgbClr r="0" g="0" b="0"/>
+        </a:lnRef>
+        <a:fillRef idx="2">
+          <a:scrgbClr r="0" g="0" b="0"/>
+        </a:fillRef>
+        <a:effectRef idx="1">
+          <a:scrgbClr r="0" g="0" b="0"/>
+        </a:effectRef>
+        <a:fontRef idx="minor">
+          <a:schemeClr val="dk1"/>
+        </a:fontRef>
+      </dsp:style>
+      <dsp:txBody>
+        <a:bodyPr spcFirstLastPara="0" vert="horz" wrap="square" lIns="1022713" tIns="0" rIns="1022713" bIns="330200" numCol="1" spcCol="1270" anchor="t" anchorCtr="0">
+          <a:noAutofit/>
+        </a:bodyPr>
+        <a:lstStyle/>
+        <a:p>
+          <a:pPr marL="0" lvl="0" indent="0" algn="ctr" defTabSz="2667000">
+            <a:lnSpc>
+              <a:spcPct val="90000"/>
+            </a:lnSpc>
+            <a:spcBef>
+              <a:spcPct val="0"/>
+            </a:spcBef>
+            <a:spcAft>
+              <a:spcPct val="35000"/>
+            </a:spcAft>
+            <a:buNone/>
+          </a:pPr>
+          <a:r>
+            <a:rPr lang="en-US" sz="6000" b="1" i="1" kern="1200" cap="none" dirty="0"/>
+            <a:t>THANKYOU…….</a:t>
+          </a:r>
+        </a:p>
+      </dsp:txBody>
+      <dsp:txXfrm>
+        <a:off x="0" y="1927497"/>
+        <a:ext cx="10353675" cy="2891245"/>
+      </dsp:txXfrm>
+    </dsp:sp>
+    <dsp:sp modelId="{5FF67DEB-0300-4BC1-9207-120A47A1267A}">
+      <dsp:nvSpPr>
+        <dsp:cNvPr id="0" name=""/>
+        <dsp:cNvSpPr/>
+      </dsp:nvSpPr>
+      <dsp:spPr>
+        <a:xfrm>
+          <a:off x="0" y="0"/>
+          <a:ext cx="10353675" cy="1927497"/>
+        </a:xfrm>
+        <a:prstGeom prst="rect">
+          <a:avLst/>
+        </a:prstGeom>
+        <a:noFill/>
+        <a:ln w="9525" cap="rnd" cmpd="sng" algn="ctr">
+          <a:noFill/>
+          <a:prstDash val="solid"/>
+        </a:ln>
+        <a:effectLst/>
+        <a:sp3d/>
+      </dsp:spPr>
+      <dsp:style>
+        <a:lnRef idx="1">
+          <a:scrgbClr r="0" g="0" b="0"/>
+        </a:lnRef>
+        <a:fillRef idx="2">
+          <a:scrgbClr r="0" g="0" b="0"/>
+        </a:fillRef>
+        <a:effectRef idx="1">
+          <a:scrgbClr r="0" g="0" b="0"/>
+        </a:effectRef>
+        <a:fontRef idx="minor">
+          <a:schemeClr val="dk1"/>
+        </a:fontRef>
+      </dsp:style>
+      <dsp:txBody>
+        <a:bodyPr spcFirstLastPara="0" vert="horz" wrap="square" lIns="1022713" tIns="165100" rIns="1022713" bIns="165100" numCol="1" spcCol="1270" anchor="ctr" anchorCtr="0">
+          <a:noAutofit/>
+        </a:bodyPr>
+        <a:lstStyle/>
+        <a:p>
+          <a:pPr marL="0" lvl="0" indent="0" algn="l" defTabSz="2933700">
+            <a:lnSpc>
+              <a:spcPct val="90000"/>
+            </a:lnSpc>
+            <a:spcBef>
+              <a:spcPct val="0"/>
+            </a:spcBef>
+            <a:spcAft>
+              <a:spcPct val="35000"/>
+            </a:spcAft>
+            <a:buNone/>
+          </a:pPr>
+          <a:r>
+            <a:rPr lang="en-US" sz="6600" kern="1200" dirty="0"/>
+            <a:t>01</a:t>
+          </a:r>
+        </a:p>
+      </dsp:txBody>
+      <dsp:txXfrm>
+        <a:off x="0" y="0"/>
+        <a:ext cx="10353675" cy="1927497"/>
+      </dsp:txXfrm>
+    </dsp:sp>
+  </dsp:spTree>
+</dsp:drawing>
+</file>
+
 <file path=ppt/diagrams/layout1.xml><?xml version="1.0" encoding="utf-8"?>
 <dgm:layoutDef xmlns:dgm="http://schemas.openxmlformats.org/drawingml/2006/diagram" xmlns:a="http://schemas.openxmlformats.org/drawingml/2006/main" uniqueId="urn:microsoft.com/office/officeart/2016/7/layout/LinearBlockProcessNumbered">
   <dgm:title val="Linear Block Process Numbered"/>
@@ -11337,6 +13770,538 @@
 </dgm:layoutDef>
 </file>
 
+<file path=ppt/diagrams/layout7.xml><?xml version="1.0" encoding="utf-8"?>
+<dgm:layoutDef xmlns:dgm="http://schemas.openxmlformats.org/drawingml/2006/diagram" xmlns:a="http://schemas.openxmlformats.org/drawingml/2006/main" uniqueId="urn:microsoft.com/office/officeart/2016/7/layout/LinearBlockProcessNumbered">
+  <dgm:title val="Linear Block Process Numbered"/>
+  <dgm:desc val="Used to show a progression; a timeline; sequential steps in a task, process, or workflow; or to emphasize movement or direction. Automatic numbers have been introduced to show the steps of the process. Level 1 text and Level 2 text both appears in a rectangle."/>
+  <dgm:catLst>
+    <dgm:cat type="process" pri="500"/>
+  </dgm:catLst>
+  <dgm:sampData>
+    <dgm:dataModel>
+      <dgm:ptLst>
+        <dgm:pt modelId="0" type="doc"/>
+        <dgm:pt modelId="1">
+          <dgm:prSet phldr="1"/>
+        </dgm:pt>
+        <dgm:pt modelId="11">
+          <dgm:prSet phldr="1"/>
+        </dgm:pt>
+        <dgm:pt modelId="2">
+          <dgm:prSet phldr="1"/>
+        </dgm:pt>
+        <dgm:pt modelId="21">
+          <dgm:prSet phldr="1"/>
+        </dgm:pt>
+        <dgm:pt modelId="3">
+          <dgm:prSet phldr="1"/>
+        </dgm:pt>
+        <dgm:pt modelId="31">
+          <dgm:prSet phldr="1"/>
+        </dgm:pt>
+        <dgm:pt modelId="101" type="sibTrans" cxnId="4">
+          <dgm:prSet phldrT="1"/>
+          <dgm:t>
+            <a:bodyPr/>
+            <a:lstStyle/>
+            <a:p>
+              <a:r>
+                <a:t>01</a:t>
+              </a:r>
+            </a:p>
+          </dgm:t>
+        </dgm:pt>
+        <dgm:pt modelId="201" type="sibTrans" cxnId="5">
+          <dgm:prSet phldrT="2"/>
+          <dgm:t>
+            <a:bodyPr/>
+            <a:lstStyle/>
+            <a:p>
+              <a:r>
+                <a:t>02</a:t>
+              </a:r>
+            </a:p>
+          </dgm:t>
+        </dgm:pt>
+        <dgm:pt modelId="301" type="sibTrans" cxnId="6">
+          <dgm:prSet phldrT="3"/>
+          <dgm:t>
+            <a:bodyPr/>
+            <a:lstStyle/>
+            <a:p>
+              <a:r>
+                <a:t>03</a:t>
+              </a:r>
+            </a:p>
+          </dgm:t>
+        </dgm:pt>
+      </dgm:ptLst>
+      <dgm:cxnLst>
+        <dgm:cxn modelId="4" srcId="0" destId="1" srcOrd="0" destOrd="0" sibTransId="101"/>
+        <dgm:cxn modelId="5" srcId="0" destId="2" srcOrd="1" destOrd="0" sibTransId="201"/>
+        <dgm:cxn modelId="6" srcId="0" destId="3" srcOrd="2" destOrd="0" sibTransId="301"/>
+        <dgm:cxn modelId="13" srcId="1" destId="11" srcOrd="0" destOrd="0"/>
+        <dgm:cxn modelId="23" srcId="2" destId="21" srcOrd="0" destOrd="0"/>
+        <dgm:cxn modelId="33" srcId="3" destId="31" srcOrd="0" destOrd="0"/>
+      </dgm:cxnLst>
+      <dgm:bg/>
+      <dgm:whole/>
+    </dgm:dataModel>
+  </dgm:sampData>
+  <dgm:styleData>
+    <dgm:dataModel>
+      <dgm:ptLst>
+        <dgm:pt modelId="0" type="doc"/>
+        <dgm:pt modelId="1"/>
+        <dgm:pt modelId="11"/>
+        <dgm:pt modelId="2"/>
+        <dgm:pt modelId="21"/>
+      </dgm:ptLst>
+      <dgm:cxnLst>
+        <dgm:cxn modelId="4" srcId="0" destId="1" srcOrd="0" destOrd="0"/>
+        <dgm:cxn modelId="5" srcId="0" destId="2" srcOrd="1" destOrd="0"/>
+        <dgm:cxn modelId="13" srcId="1" destId="11" srcOrd="0" destOrd="0"/>
+        <dgm:cxn modelId="23" srcId="2" destId="21" srcOrd="0" destOrd="0"/>
+      </dgm:cxnLst>
+      <dgm:bg/>
+      <dgm:whole/>
+    </dgm:dataModel>
+  </dgm:styleData>
+  <dgm:clrData>
+    <dgm:dataModel>
+      <dgm:ptLst>
+        <dgm:pt modelId="0" type="doc"/>
+        <dgm:pt modelId="1"/>
+        <dgm:pt modelId="11"/>
+        <dgm:pt modelId="2"/>
+        <dgm:pt modelId="21"/>
+        <dgm:pt modelId="3"/>
+        <dgm:pt modelId="31"/>
+        <dgm:pt modelId="4"/>
+        <dgm:pt modelId="41"/>
+      </dgm:ptLst>
+      <dgm:cxnLst>
+        <dgm:cxn modelId="5" srcId="0" destId="1" srcOrd="0" destOrd="0"/>
+        <dgm:cxn modelId="6" srcId="0" destId="2" srcOrd="1" destOrd="0"/>
+        <dgm:cxn modelId="7" srcId="0" destId="3" srcOrd="2" destOrd="0"/>
+        <dgm:cxn modelId="8" srcId="0" destId="4" srcOrd="3" destOrd="0"/>
+        <dgm:cxn modelId="13" srcId="1" destId="11" srcOrd="0" destOrd="0"/>
+        <dgm:cxn modelId="23" srcId="2" destId="21" srcOrd="0" destOrd="0"/>
+        <dgm:cxn modelId="33" srcId="3" destId="31" srcOrd="0" destOrd="0"/>
+        <dgm:cxn modelId="43" srcId="4" destId="41" srcOrd="0" destOrd="0"/>
+      </dgm:cxnLst>
+      <dgm:bg/>
+      <dgm:whole/>
+    </dgm:dataModel>
+  </dgm:clrData>
+  <dgm:layoutNode name="Name0">
+    <dgm:varLst>
+      <dgm:animLvl val="lvl"/>
+      <dgm:resizeHandles val="exact"/>
+    </dgm:varLst>
+    <dgm:alg type="lin">
+      <dgm:param type="linDir" val="fromL"/>
+      <dgm:param type="nodeVertAlign" val="t"/>
+    </dgm:alg>
+    <dgm:shape xmlns:r="http://schemas.openxmlformats.org/officeDocument/2006/relationships" r:blip="">
+      <dgm:adjLst/>
+    </dgm:shape>
+    <dgm:presOf/>
+    <dgm:constrLst>
+      <dgm:constr type="h" for="ch" forName="compositeNode" refType="h"/>
+      <dgm:constr type="w" for="ch" forName="compositeNode" refType="w"/>
+      <dgm:constr type="w" for="des" forName="simulatedConn" refType="w" refFor="ch" refForName="compositeNode" fact="0.15"/>
+      <dgm:constr type="h" for="des" forName="simulatedConn" refType="w" refFor="des" refForName="simulatedConn"/>
+      <dgm:constr type="h" for="des" forName="vSp1" refType="w" refFor="ch" refForName="compositeNode" fact="0.8"/>
+      <dgm:constr type="h" for="des" forName="vSp2" refType="w" refFor="ch" refForName="compositeNode" fact="0.07"/>
+      <dgm:constr type="w" for="ch" forName="vProcSp" refType="w" refFor="des" refForName="simulatedConn" op="equ"/>
+      <dgm:constr type="h" for="ch" forName="vProcSp" refType="h" refFor="ch" refForName="compositeNode" op="equ"/>
+      <dgm:constr type="w" for="ch" forName="sibTrans" refType="w" refFor="ch" refForName="compositeNode" fact="0.08"/>
+      <dgm:constr type="primFontSz" for="des" forName="sibTransNodeRect" op="equ"/>
+      <dgm:constr type="primFontSz" for="des" forName="nodeRect" op="equ"/>
+    </dgm:constrLst>
+    <dgm:ruleLst/>
+    <dgm:forEach name="Name4" axis="ch" ptType="node">
+      <dgm:layoutNode name="compositeNode">
+        <dgm:varLst>
+          <dgm:bulletEnabled val="1"/>
+        </dgm:varLst>
+        <dgm:alg type="composite"/>
+        <dgm:constrLst>
+          <dgm:constr type="h" refType="w" op="lte" fact="1.2"/>
+          <dgm:constr type="w" for="ch" forName="bgRect" refType="w"/>
+          <dgm:constr type="h" for="ch" forName="bgRect" refType="h"/>
+          <dgm:constr type="t" for="ch" forName="bgRect"/>
+          <dgm:constr type="l" for="ch" forName="bgRect"/>
+          <dgm:constr type="w" for="ch" forName="sibTransNodeRect" refType="w" refFor="ch" refForName="bgRect"/>
+          <dgm:constr type="h" for="ch" forName="sibTransNodeRect" refType="h" refFor="ch" refForName="bgRect" fact="0.4"/>
+          <dgm:constr type="t" for="ch" forName="sibTransNodeRect"/>
+          <dgm:constr type="l" for="ch" forName="sibTransNodeRect"/>
+          <dgm:constr type="r" for="ch" forName="nodeRect" refType="r" refFor="ch" refForName="bgRect"/>
+          <dgm:constr type="h" for="ch" forName="nodeRect" refType="h" refFor="ch" refForName="bgRect" fact="0.6"/>
+          <dgm:constr type="t" for="ch" forName="nodeRect" refType="b" refFor="ch" refForName="sibTransNodeRect"/>
+          <dgm:constr type="l" for="ch" forName="nodeRect" refType="l" refFor="ch" refForName="bgRect"/>
+        </dgm:constrLst>
+        <dgm:ruleLst>
+          <dgm:rule type="w" for="ch" forName="nodeRect" val="NaN" fact="NaN" max="30"/>
+        </dgm:ruleLst>
+        <dgm:layoutNode name="bgRect" styleLbl="alignNode1">
+          <dgm:alg type="sp"/>
+          <dgm:shape xmlns:r="http://schemas.openxmlformats.org/officeDocument/2006/relationships" type="rect" r:blip="">
+            <dgm:adjLst>
+              <dgm:adj idx="1" val="0.05"/>
+            </dgm:adjLst>
+          </dgm:shape>
+          <dgm:presOf axis="self"/>
+          <dgm:constrLst/>
+          <dgm:ruleLst/>
+        </dgm:layoutNode>
+        <dgm:forEach name="Name19" axis="followSib" ptType="sibTrans" hideLastTrans="0" cnt="1">
+          <dgm:layoutNode name="sibTransNodeRect" styleLbl="alignNode1">
+            <dgm:varLst>
+              <dgm:chMax val="0"/>
+              <dgm:bulletEnabled val="1"/>
+            </dgm:varLst>
+            <dgm:presOf axis="self"/>
+            <dgm:alg type="tx">
+              <dgm:param type="parTxLTRAlign" val="l"/>
+              <dgm:param type="parTxRTLAlign" val="l"/>
+            </dgm:alg>
+            <dgm:shape xmlns:r="http://schemas.openxmlformats.org/officeDocument/2006/relationships" type="rect" r:blip="" hideGeom="1">
+              <dgm:adjLst/>
+            </dgm:shape>
+            <dgm:constrLst>
+              <dgm:constr type="primFontSz" val="66"/>
+              <dgm:constr type="tMarg" val="13"/>
+              <dgm:constr type="lMarg" refType="w" fact="0.28"/>
+              <dgm:constr type="rMarg" refType="w" fact="0.28"/>
+              <dgm:constr type="bMarg" val="13"/>
+            </dgm:constrLst>
+            <dgm:ruleLst>
+              <dgm:rule type="primFontSz" val="14" fact="NaN" max="NaN"/>
+              <dgm:rule type="tMarg" val="13" fact="NaN" max="NaN"/>
+            </dgm:ruleLst>
+          </dgm:layoutNode>
+        </dgm:forEach>
+        <dgm:layoutNode name="nodeRect" styleLbl="alignNode1" moveWith="bgRect">
+          <dgm:varLst>
+            <dgm:bulletEnabled val="1"/>
+          </dgm:varLst>
+          <dgm:alg type="tx">
+            <dgm:param type="parTxLTRAlign" val="l"/>
+            <dgm:param type="parTxRTLAlign" val="r"/>
+            <dgm:param type="txAnchorVert" val="t"/>
+            <dgm:param type="stBulletLvl" val="2"/>
+          </dgm:alg>
+          <dgm:shape xmlns:r="http://schemas.openxmlformats.org/officeDocument/2006/relationships" type="rect" r:blip="" hideGeom="1">
+            <dgm:adjLst/>
+          </dgm:shape>
+          <dgm:presOf axis="desOrSelf" ptType="node"/>
+          <dgm:constrLst>
+            <dgm:constr type="primFontSz" val="26"/>
+            <dgm:constr type="tMarg"/>
+            <dgm:constr type="lMarg" refType="w" fact="0.28"/>
+            <dgm:constr type="rMarg" refType="w" fact="0.28"/>
+            <dgm:constr type="bMarg" val="26"/>
+          </dgm:constrLst>
+          <dgm:ruleLst>
+            <dgm:rule type="primFontSz" val="11" fact="NaN" max="NaN"/>
+          </dgm:ruleLst>
+        </dgm:layoutNode>
+      </dgm:layoutNode>
+      <dgm:forEach name="Name14" axis="followSib" ptType="sibTrans" cnt="1">
+        <dgm:layoutNode name="sibTrans">
+          <dgm:alg type="sp"/>
+          <dgm:shape xmlns:r="http://schemas.openxmlformats.org/officeDocument/2006/relationships" r:blip="">
+            <dgm:adjLst/>
+          </dgm:shape>
+          <dgm:presOf/>
+          <dgm:constrLst/>
+          <dgm:ruleLst/>
+        </dgm:layoutNode>
+      </dgm:forEach>
+    </dgm:forEach>
+  </dgm:layoutNode>
+  <dgm:extLst>
+    <a:ext uri="{4F341089-5ED1-44EC-B178-C955D00A3D55}">
+      <dgm1611:autoBuNodeInfoLst xmlns:dgm1611="http://schemas.microsoft.com/office/drawing/2016/11/diagram">
+        <dgm1611:autoBuNodeInfo lvl="1" ptType="sibTrans">
+          <dgm1611:buPr prefix="" leadZeros="1">
+            <a:buAutoNum type="arabicParenBoth"/>
+          </dgm1611:buPr>
+        </dgm1611:autoBuNodeInfo>
+      </dgm1611:autoBuNodeInfoLst>
+    </a:ext>
+  </dgm:extLst>
+</dgm:layoutDef>
+</file>
+
+<file path=ppt/diagrams/layout8.xml><?xml version="1.0" encoding="utf-8"?>
+<dgm:layoutDef xmlns:dgm="http://schemas.openxmlformats.org/drawingml/2006/diagram" xmlns:a="http://schemas.openxmlformats.org/drawingml/2006/main" uniqueId="urn:microsoft.com/office/officeart/2016/7/layout/LinearBlockProcessNumbered">
+  <dgm:title val="Linear Block Process Numbered"/>
+  <dgm:desc val="Used to show a progression; a timeline; sequential steps in a task, process, or workflow; or to emphasize movement or direction. Automatic numbers have been introduced to show the steps of the process. Level 1 text and Level 2 text both appears in a rectangle."/>
+  <dgm:catLst>
+    <dgm:cat type="process" pri="500"/>
+  </dgm:catLst>
+  <dgm:sampData>
+    <dgm:dataModel>
+      <dgm:ptLst>
+        <dgm:pt modelId="0" type="doc"/>
+        <dgm:pt modelId="1">
+          <dgm:prSet phldr="1"/>
+        </dgm:pt>
+        <dgm:pt modelId="11">
+          <dgm:prSet phldr="1"/>
+        </dgm:pt>
+        <dgm:pt modelId="2">
+          <dgm:prSet phldr="1"/>
+        </dgm:pt>
+        <dgm:pt modelId="21">
+          <dgm:prSet phldr="1"/>
+        </dgm:pt>
+        <dgm:pt modelId="3">
+          <dgm:prSet phldr="1"/>
+        </dgm:pt>
+        <dgm:pt modelId="31">
+          <dgm:prSet phldr="1"/>
+        </dgm:pt>
+        <dgm:pt modelId="101" type="sibTrans" cxnId="4">
+          <dgm:prSet phldrT="1"/>
+          <dgm:t>
+            <a:bodyPr/>
+            <a:lstStyle/>
+            <a:p>
+              <a:r>
+                <a:t>01</a:t>
+              </a:r>
+            </a:p>
+          </dgm:t>
+        </dgm:pt>
+        <dgm:pt modelId="201" type="sibTrans" cxnId="5">
+          <dgm:prSet phldrT="2"/>
+          <dgm:t>
+            <a:bodyPr/>
+            <a:lstStyle/>
+            <a:p>
+              <a:r>
+                <a:t>02</a:t>
+              </a:r>
+            </a:p>
+          </dgm:t>
+        </dgm:pt>
+        <dgm:pt modelId="301" type="sibTrans" cxnId="6">
+          <dgm:prSet phldrT="3"/>
+          <dgm:t>
+            <a:bodyPr/>
+            <a:lstStyle/>
+            <a:p>
+              <a:r>
+                <a:t>03</a:t>
+              </a:r>
+            </a:p>
+          </dgm:t>
+        </dgm:pt>
+      </dgm:ptLst>
+      <dgm:cxnLst>
+        <dgm:cxn modelId="4" srcId="0" destId="1" srcOrd="0" destOrd="0" sibTransId="101"/>
+        <dgm:cxn modelId="5" srcId="0" destId="2" srcOrd="1" destOrd="0" sibTransId="201"/>
+        <dgm:cxn modelId="6" srcId="0" destId="3" srcOrd="2" destOrd="0" sibTransId="301"/>
+        <dgm:cxn modelId="13" srcId="1" destId="11" srcOrd="0" destOrd="0"/>
+        <dgm:cxn modelId="23" srcId="2" destId="21" srcOrd="0" destOrd="0"/>
+        <dgm:cxn modelId="33" srcId="3" destId="31" srcOrd="0" destOrd="0"/>
+      </dgm:cxnLst>
+      <dgm:bg/>
+      <dgm:whole/>
+    </dgm:dataModel>
+  </dgm:sampData>
+  <dgm:styleData>
+    <dgm:dataModel>
+      <dgm:ptLst>
+        <dgm:pt modelId="0" type="doc"/>
+        <dgm:pt modelId="1"/>
+        <dgm:pt modelId="11"/>
+        <dgm:pt modelId="2"/>
+        <dgm:pt modelId="21"/>
+      </dgm:ptLst>
+      <dgm:cxnLst>
+        <dgm:cxn modelId="4" srcId="0" destId="1" srcOrd="0" destOrd="0"/>
+        <dgm:cxn modelId="5" srcId="0" destId="2" srcOrd="1" destOrd="0"/>
+        <dgm:cxn modelId="13" srcId="1" destId="11" srcOrd="0" destOrd="0"/>
+        <dgm:cxn modelId="23" srcId="2" destId="21" srcOrd="0" destOrd="0"/>
+      </dgm:cxnLst>
+      <dgm:bg/>
+      <dgm:whole/>
+    </dgm:dataModel>
+  </dgm:styleData>
+  <dgm:clrData>
+    <dgm:dataModel>
+      <dgm:ptLst>
+        <dgm:pt modelId="0" type="doc"/>
+        <dgm:pt modelId="1"/>
+        <dgm:pt modelId="11"/>
+        <dgm:pt modelId="2"/>
+        <dgm:pt modelId="21"/>
+        <dgm:pt modelId="3"/>
+        <dgm:pt modelId="31"/>
+        <dgm:pt modelId="4"/>
+        <dgm:pt modelId="41"/>
+      </dgm:ptLst>
+      <dgm:cxnLst>
+        <dgm:cxn modelId="5" srcId="0" destId="1" srcOrd="0" destOrd="0"/>
+        <dgm:cxn modelId="6" srcId="0" destId="2" srcOrd="1" destOrd="0"/>
+        <dgm:cxn modelId="7" srcId="0" destId="3" srcOrd="2" destOrd="0"/>
+        <dgm:cxn modelId="8" srcId="0" destId="4" srcOrd="3" destOrd="0"/>
+        <dgm:cxn modelId="13" srcId="1" destId="11" srcOrd="0" destOrd="0"/>
+        <dgm:cxn modelId="23" srcId="2" destId="21" srcOrd="0" destOrd="0"/>
+        <dgm:cxn modelId="33" srcId="3" destId="31" srcOrd="0" destOrd="0"/>
+        <dgm:cxn modelId="43" srcId="4" destId="41" srcOrd="0" destOrd="0"/>
+      </dgm:cxnLst>
+      <dgm:bg/>
+      <dgm:whole/>
+    </dgm:dataModel>
+  </dgm:clrData>
+  <dgm:layoutNode name="Name0">
+    <dgm:varLst>
+      <dgm:animLvl val="lvl"/>
+      <dgm:resizeHandles val="exact"/>
+    </dgm:varLst>
+    <dgm:alg type="lin">
+      <dgm:param type="linDir" val="fromL"/>
+      <dgm:param type="nodeVertAlign" val="t"/>
+    </dgm:alg>
+    <dgm:shape xmlns:r="http://schemas.openxmlformats.org/officeDocument/2006/relationships" r:blip="">
+      <dgm:adjLst/>
+    </dgm:shape>
+    <dgm:presOf/>
+    <dgm:constrLst>
+      <dgm:constr type="h" for="ch" forName="compositeNode" refType="h"/>
+      <dgm:constr type="w" for="ch" forName="compositeNode" refType="w"/>
+      <dgm:constr type="w" for="des" forName="simulatedConn" refType="w" refFor="ch" refForName="compositeNode" fact="0.15"/>
+      <dgm:constr type="h" for="des" forName="simulatedConn" refType="w" refFor="des" refForName="simulatedConn"/>
+      <dgm:constr type="h" for="des" forName="vSp1" refType="w" refFor="ch" refForName="compositeNode" fact="0.8"/>
+      <dgm:constr type="h" for="des" forName="vSp2" refType="w" refFor="ch" refForName="compositeNode" fact="0.07"/>
+      <dgm:constr type="w" for="ch" forName="vProcSp" refType="w" refFor="des" refForName="simulatedConn" op="equ"/>
+      <dgm:constr type="h" for="ch" forName="vProcSp" refType="h" refFor="ch" refForName="compositeNode" op="equ"/>
+      <dgm:constr type="w" for="ch" forName="sibTrans" refType="w" refFor="ch" refForName="compositeNode" fact="0.08"/>
+      <dgm:constr type="primFontSz" for="des" forName="sibTransNodeRect" op="equ"/>
+      <dgm:constr type="primFontSz" for="des" forName="nodeRect" op="equ"/>
+    </dgm:constrLst>
+    <dgm:ruleLst/>
+    <dgm:forEach name="Name4" axis="ch" ptType="node">
+      <dgm:layoutNode name="compositeNode">
+        <dgm:varLst>
+          <dgm:bulletEnabled val="1"/>
+        </dgm:varLst>
+        <dgm:alg type="composite"/>
+        <dgm:constrLst>
+          <dgm:constr type="h" refType="w" op="lte" fact="1.2"/>
+          <dgm:constr type="w" for="ch" forName="bgRect" refType="w"/>
+          <dgm:constr type="h" for="ch" forName="bgRect" refType="h"/>
+          <dgm:constr type="t" for="ch" forName="bgRect"/>
+          <dgm:constr type="l" for="ch" forName="bgRect"/>
+          <dgm:constr type="w" for="ch" forName="sibTransNodeRect" refType="w" refFor="ch" refForName="bgRect"/>
+          <dgm:constr type="h" for="ch" forName="sibTransNodeRect" refType="h" refFor="ch" refForName="bgRect" fact="0.4"/>
+          <dgm:constr type="t" for="ch" forName="sibTransNodeRect"/>
+          <dgm:constr type="l" for="ch" forName="sibTransNodeRect"/>
+          <dgm:constr type="r" for="ch" forName="nodeRect" refType="r" refFor="ch" refForName="bgRect"/>
+          <dgm:constr type="h" for="ch" forName="nodeRect" refType="h" refFor="ch" refForName="bgRect" fact="0.6"/>
+          <dgm:constr type="t" for="ch" forName="nodeRect" refType="b" refFor="ch" refForName="sibTransNodeRect"/>
+          <dgm:constr type="l" for="ch" forName="nodeRect" refType="l" refFor="ch" refForName="bgRect"/>
+        </dgm:constrLst>
+        <dgm:ruleLst>
+          <dgm:rule type="w" for="ch" forName="nodeRect" val="NaN" fact="NaN" max="30"/>
+        </dgm:ruleLst>
+        <dgm:layoutNode name="bgRect" styleLbl="alignNode1">
+          <dgm:alg type="sp"/>
+          <dgm:shape xmlns:r="http://schemas.openxmlformats.org/officeDocument/2006/relationships" type="rect" r:blip="">
+            <dgm:adjLst>
+              <dgm:adj idx="1" val="0.05"/>
+            </dgm:adjLst>
+          </dgm:shape>
+          <dgm:presOf axis="self"/>
+          <dgm:constrLst/>
+          <dgm:ruleLst/>
+        </dgm:layoutNode>
+        <dgm:forEach name="Name19" axis="followSib" ptType="sibTrans" hideLastTrans="0" cnt="1">
+          <dgm:layoutNode name="sibTransNodeRect" styleLbl="alignNode1">
+            <dgm:varLst>
+              <dgm:chMax val="0"/>
+              <dgm:bulletEnabled val="1"/>
+            </dgm:varLst>
+            <dgm:presOf axis="self"/>
+            <dgm:alg type="tx">
+              <dgm:param type="parTxLTRAlign" val="l"/>
+              <dgm:param type="parTxRTLAlign" val="l"/>
+            </dgm:alg>
+            <dgm:shape xmlns:r="http://schemas.openxmlformats.org/officeDocument/2006/relationships" type="rect" r:blip="" hideGeom="1">
+              <dgm:adjLst/>
+            </dgm:shape>
+            <dgm:constrLst>
+              <dgm:constr type="primFontSz" val="66"/>
+              <dgm:constr type="tMarg" val="13"/>
+              <dgm:constr type="lMarg" refType="w" fact="0.28"/>
+              <dgm:constr type="rMarg" refType="w" fact="0.28"/>
+              <dgm:constr type="bMarg" val="13"/>
+            </dgm:constrLst>
+            <dgm:ruleLst>
+              <dgm:rule type="primFontSz" val="14" fact="NaN" max="NaN"/>
+              <dgm:rule type="tMarg" val="13" fact="NaN" max="NaN"/>
+            </dgm:ruleLst>
+          </dgm:layoutNode>
+        </dgm:forEach>
+        <dgm:layoutNode name="nodeRect" styleLbl="alignNode1" moveWith="bgRect">
+          <dgm:varLst>
+            <dgm:bulletEnabled val="1"/>
+          </dgm:varLst>
+          <dgm:alg type="tx">
+            <dgm:param type="parTxLTRAlign" val="l"/>
+            <dgm:param type="parTxRTLAlign" val="r"/>
+            <dgm:param type="txAnchorVert" val="t"/>
+            <dgm:param type="stBulletLvl" val="2"/>
+          </dgm:alg>
+          <dgm:shape xmlns:r="http://schemas.openxmlformats.org/officeDocument/2006/relationships" type="rect" r:blip="" hideGeom="1">
+            <dgm:adjLst/>
+          </dgm:shape>
+          <dgm:presOf axis="desOrSelf" ptType="node"/>
+          <dgm:constrLst>
+            <dgm:constr type="primFontSz" val="26"/>
+            <dgm:constr type="tMarg"/>
+            <dgm:constr type="lMarg" refType="w" fact="0.28"/>
+            <dgm:constr type="rMarg" refType="w" fact="0.28"/>
+            <dgm:constr type="bMarg" val="26"/>
+          </dgm:constrLst>
+          <dgm:ruleLst>
+            <dgm:rule type="primFontSz" val="11" fact="NaN" max="NaN"/>
+          </dgm:ruleLst>
+        </dgm:layoutNode>
+      </dgm:layoutNode>
+      <dgm:forEach name="Name14" axis="followSib" ptType="sibTrans" cnt="1">
+        <dgm:layoutNode name="sibTrans">
+          <dgm:alg type="sp"/>
+          <dgm:shape xmlns:r="http://schemas.openxmlformats.org/officeDocument/2006/relationships" r:blip="">
+            <dgm:adjLst/>
+          </dgm:shape>
+          <dgm:presOf/>
+          <dgm:constrLst/>
+          <dgm:ruleLst/>
+        </dgm:layoutNode>
+      </dgm:forEach>
+    </dgm:forEach>
+  </dgm:layoutNode>
+  <dgm:extLst>
+    <a:ext uri="{4F341089-5ED1-44EC-B178-C955D00A3D55}">
+      <dgm1611:autoBuNodeInfoLst xmlns:dgm1611="http://schemas.microsoft.com/office/drawing/2016/11/diagram">
+        <dgm1611:autoBuNodeInfo lvl="1" ptType="sibTrans">
+          <dgm1611:buPr prefix="" leadZeros="1">
+            <a:buAutoNum type="arabicParenBoth"/>
+          </dgm1611:buPr>
+        </dgm1611:autoBuNodeInfo>
+      </dgm1611:autoBuNodeInfoLst>
+    </a:ext>
+  </dgm:extLst>
+</dgm:layoutDef>
+</file>
+
 <file path=ppt/diagrams/quickStyle1.xml><?xml version="1.0" encoding="utf-8"?>
 <dgm:styleDef xmlns:dgm="http://schemas.openxmlformats.org/drawingml/2006/diagram" xmlns:a="http://schemas.openxmlformats.org/drawingml/2006/main" uniqueId="urn:microsoft.com/office/officeart/2005/8/quickstyle/simple1">
   <dgm:title val=""/>
@@ -17513,6 +20478,2126 @@
         <a:scrgbClr r="0" g="0" b="0"/>
       </a:fillRef>
       <a:effectRef idx="0">
+        <a:scrgbClr r="0" g="0" b="0"/>
+      </a:effectRef>
+      <a:fontRef idx="minor"/>
+    </dgm:style>
+  </dgm:styleLbl>
+  <dgm:styleLbl name="revTx">
+    <dgm:scene3d>
+      <a:camera prst="orthographicFront"/>
+      <a:lightRig rig="threePt" dir="t"/>
+    </dgm:scene3d>
+    <dgm:sp3d/>
+    <dgm:txPr/>
+    <dgm:style>
+      <a:lnRef idx="0">
+        <a:scrgbClr r="0" g="0" b="0"/>
+      </a:lnRef>
+      <a:fillRef idx="0">
+        <a:scrgbClr r="0" g="0" b="0"/>
+      </a:fillRef>
+      <a:effectRef idx="0">
+        <a:scrgbClr r="0" g="0" b="0"/>
+      </a:effectRef>
+      <a:fontRef idx="minor"/>
+    </dgm:style>
+  </dgm:styleLbl>
+</dgm:styleDef>
+</file>
+
+<file path=ppt/diagrams/quickStyle7.xml><?xml version="1.0" encoding="utf-8"?>
+<dgm:styleDef xmlns:dgm="http://schemas.openxmlformats.org/drawingml/2006/diagram" xmlns:a="http://schemas.openxmlformats.org/drawingml/2006/main" uniqueId="urn:microsoft.com/office/officeart/2005/8/quickstyle/simple3">
+  <dgm:title val=""/>
+  <dgm:desc val=""/>
+  <dgm:catLst>
+    <dgm:cat type="simple" pri="10300"/>
+  </dgm:catLst>
+  <dgm:scene3d>
+    <a:camera prst="orthographicFront"/>
+    <a:lightRig rig="threePt" dir="t"/>
+  </dgm:scene3d>
+  <dgm:styleLbl name="node0">
+    <dgm:scene3d>
+      <a:camera prst="orthographicFront"/>
+      <a:lightRig rig="flat" dir="t"/>
+    </dgm:scene3d>
+    <dgm:sp3d prstMaterial="dkEdge">
+      <a:bevelT w="8200" h="38100"/>
+    </dgm:sp3d>
+    <dgm:txPr/>
+    <dgm:style>
+      <a:lnRef idx="0">
+        <a:scrgbClr r="0" g="0" b="0"/>
+      </a:lnRef>
+      <a:fillRef idx="2">
+        <a:scrgbClr r="0" g="0" b="0"/>
+      </a:fillRef>
+      <a:effectRef idx="1">
+        <a:scrgbClr r="0" g="0" b="0"/>
+      </a:effectRef>
+      <a:fontRef idx="minor">
+        <a:schemeClr val="dk1"/>
+      </a:fontRef>
+    </dgm:style>
+  </dgm:styleLbl>
+  <dgm:styleLbl name="lnNode1">
+    <dgm:scene3d>
+      <a:camera prst="orthographicFront"/>
+      <a:lightRig rig="flat" dir="t"/>
+    </dgm:scene3d>
+    <dgm:sp3d prstMaterial="dkEdge">
+      <a:bevelT w="8200" h="38100"/>
+    </dgm:sp3d>
+    <dgm:txPr/>
+    <dgm:style>
+      <a:lnRef idx="1">
+        <a:scrgbClr r="0" g="0" b="0"/>
+      </a:lnRef>
+      <a:fillRef idx="2">
+        <a:scrgbClr r="0" g="0" b="0"/>
+      </a:fillRef>
+      <a:effectRef idx="0">
+        <a:scrgbClr r="0" g="0" b="0"/>
+      </a:effectRef>
+      <a:fontRef idx="minor">
+        <a:schemeClr val="dk1"/>
+      </a:fontRef>
+    </dgm:style>
+  </dgm:styleLbl>
+  <dgm:styleLbl name="vennNode1">
+    <dgm:scene3d>
+      <a:camera prst="orthographicFront"/>
+      <a:lightRig rig="flat" dir="t"/>
+    </dgm:scene3d>
+    <dgm:sp3d prstMaterial="dkEdge">
+      <a:bevelT w="8200" h="38100"/>
+    </dgm:sp3d>
+    <dgm:txPr/>
+    <dgm:style>
+      <a:lnRef idx="0">
+        <a:scrgbClr r="0" g="0" b="0"/>
+      </a:lnRef>
+      <a:fillRef idx="2">
+        <a:scrgbClr r="0" g="0" b="0"/>
+      </a:fillRef>
+      <a:effectRef idx="0">
+        <a:scrgbClr r="0" g="0" b="0"/>
+      </a:effectRef>
+      <a:fontRef idx="minor">
+        <a:schemeClr val="tx1"/>
+      </a:fontRef>
+    </dgm:style>
+  </dgm:styleLbl>
+  <dgm:styleLbl name="alignNode1">
+    <dgm:scene3d>
+      <a:camera prst="orthographicFront"/>
+      <a:lightRig rig="threePt" dir="t"/>
+    </dgm:scene3d>
+    <dgm:sp3d/>
+    <dgm:txPr/>
+    <dgm:style>
+      <a:lnRef idx="1">
+        <a:scrgbClr r="0" g="0" b="0"/>
+      </a:lnRef>
+      <a:fillRef idx="2">
+        <a:scrgbClr r="0" g="0" b="0"/>
+      </a:fillRef>
+      <a:effectRef idx="1">
+        <a:scrgbClr r="0" g="0" b="0"/>
+      </a:effectRef>
+      <a:fontRef idx="minor">
+        <a:schemeClr val="dk1"/>
+      </a:fontRef>
+    </dgm:style>
+  </dgm:styleLbl>
+  <dgm:styleLbl name="node1">
+    <dgm:scene3d>
+      <a:camera prst="orthographicFront"/>
+      <a:lightRig rig="flat" dir="t"/>
+    </dgm:scene3d>
+    <dgm:sp3d prstMaterial="dkEdge">
+      <a:bevelT w="8200" h="38100"/>
+    </dgm:sp3d>
+    <dgm:txPr/>
+    <dgm:style>
+      <a:lnRef idx="0">
+        <a:scrgbClr r="0" g="0" b="0"/>
+      </a:lnRef>
+      <a:fillRef idx="2">
+        <a:scrgbClr r="0" g="0" b="0"/>
+      </a:fillRef>
+      <a:effectRef idx="1">
+        <a:scrgbClr r="0" g="0" b="0"/>
+      </a:effectRef>
+      <a:fontRef idx="minor">
+        <a:schemeClr val="dk1"/>
+      </a:fontRef>
+    </dgm:style>
+  </dgm:styleLbl>
+  <dgm:styleLbl name="node2">
+    <dgm:scene3d>
+      <a:camera prst="orthographicFront"/>
+      <a:lightRig rig="flat" dir="t"/>
+    </dgm:scene3d>
+    <dgm:sp3d prstMaterial="dkEdge">
+      <a:bevelT w="8200" h="38100"/>
+    </dgm:sp3d>
+    <dgm:txPr/>
+    <dgm:style>
+      <a:lnRef idx="0">
+        <a:scrgbClr r="0" g="0" b="0"/>
+      </a:lnRef>
+      <a:fillRef idx="2">
+        <a:scrgbClr r="0" g="0" b="0"/>
+      </a:fillRef>
+      <a:effectRef idx="1">
+        <a:scrgbClr r="0" g="0" b="0"/>
+      </a:effectRef>
+      <a:fontRef idx="minor">
+        <a:schemeClr val="dk1"/>
+      </a:fontRef>
+    </dgm:style>
+  </dgm:styleLbl>
+  <dgm:styleLbl name="node3">
+    <dgm:scene3d>
+      <a:camera prst="orthographicFront"/>
+      <a:lightRig rig="flat" dir="t"/>
+    </dgm:scene3d>
+    <dgm:sp3d prstMaterial="dkEdge">
+      <a:bevelT w="8200" h="38100"/>
+    </dgm:sp3d>
+    <dgm:txPr/>
+    <dgm:style>
+      <a:lnRef idx="0">
+        <a:scrgbClr r="0" g="0" b="0"/>
+      </a:lnRef>
+      <a:fillRef idx="2">
+        <a:scrgbClr r="0" g="0" b="0"/>
+      </a:fillRef>
+      <a:effectRef idx="1">
+        <a:scrgbClr r="0" g="0" b="0"/>
+      </a:effectRef>
+      <a:fontRef idx="minor">
+        <a:schemeClr val="dk1"/>
+      </a:fontRef>
+    </dgm:style>
+  </dgm:styleLbl>
+  <dgm:styleLbl name="node4">
+    <dgm:scene3d>
+      <a:camera prst="orthographicFront"/>
+      <a:lightRig rig="flat" dir="t"/>
+    </dgm:scene3d>
+    <dgm:sp3d prstMaterial="dkEdge">
+      <a:bevelT w="8200" h="38100"/>
+    </dgm:sp3d>
+    <dgm:txPr/>
+    <dgm:style>
+      <a:lnRef idx="0">
+        <a:scrgbClr r="0" g="0" b="0"/>
+      </a:lnRef>
+      <a:fillRef idx="2">
+        <a:scrgbClr r="0" g="0" b="0"/>
+      </a:fillRef>
+      <a:effectRef idx="1">
+        <a:scrgbClr r="0" g="0" b="0"/>
+      </a:effectRef>
+      <a:fontRef idx="minor">
+        <a:schemeClr val="dk1"/>
+      </a:fontRef>
+    </dgm:style>
+  </dgm:styleLbl>
+  <dgm:styleLbl name="fgImgPlace1">
+    <dgm:scene3d>
+      <a:camera prst="orthographicFront"/>
+      <a:lightRig rig="threePt" dir="t"/>
+    </dgm:scene3d>
+    <dgm:sp3d/>
+    <dgm:txPr/>
+    <dgm:style>
+      <a:lnRef idx="1">
+        <a:scrgbClr r="0" g="0" b="0"/>
+      </a:lnRef>
+      <a:fillRef idx="1">
+        <a:scrgbClr r="0" g="0" b="0"/>
+      </a:fillRef>
+      <a:effectRef idx="1">
+        <a:scrgbClr r="0" g="0" b="0"/>
+      </a:effectRef>
+      <a:fontRef idx="minor"/>
+    </dgm:style>
+  </dgm:styleLbl>
+  <dgm:styleLbl name="alignImgPlace1">
+    <dgm:scene3d>
+      <a:camera prst="orthographicFront"/>
+      <a:lightRig rig="threePt" dir="t"/>
+    </dgm:scene3d>
+    <dgm:sp3d/>
+    <dgm:txPr/>
+    <dgm:style>
+      <a:lnRef idx="1">
+        <a:scrgbClr r="0" g="0" b="0"/>
+      </a:lnRef>
+      <a:fillRef idx="1">
+        <a:scrgbClr r="0" g="0" b="0"/>
+      </a:fillRef>
+      <a:effectRef idx="1">
+        <a:scrgbClr r="0" g="0" b="0"/>
+      </a:effectRef>
+      <a:fontRef idx="minor"/>
+    </dgm:style>
+  </dgm:styleLbl>
+  <dgm:styleLbl name="bgImgPlace1">
+    <dgm:scene3d>
+      <a:camera prst="orthographicFront"/>
+      <a:lightRig rig="threePt" dir="t"/>
+    </dgm:scene3d>
+    <dgm:sp3d/>
+    <dgm:txPr/>
+    <dgm:style>
+      <a:lnRef idx="1">
+        <a:scrgbClr r="0" g="0" b="0"/>
+      </a:lnRef>
+      <a:fillRef idx="1">
+        <a:scrgbClr r="0" g="0" b="0"/>
+      </a:fillRef>
+      <a:effectRef idx="1">
+        <a:scrgbClr r="0" g="0" b="0"/>
+      </a:effectRef>
+      <a:fontRef idx="minor"/>
+    </dgm:style>
+  </dgm:styleLbl>
+  <dgm:styleLbl name="sibTrans2D1">
+    <dgm:scene3d>
+      <a:camera prst="orthographicFront"/>
+      <a:lightRig rig="threePt" dir="t"/>
+    </dgm:scene3d>
+    <dgm:sp3d/>
+    <dgm:txPr/>
+    <dgm:style>
+      <a:lnRef idx="0">
+        <a:scrgbClr r="0" g="0" b="0"/>
+      </a:lnRef>
+      <a:fillRef idx="2">
+        <a:scrgbClr r="0" g="0" b="0"/>
+      </a:fillRef>
+      <a:effectRef idx="1">
+        <a:scrgbClr r="0" g="0" b="0"/>
+      </a:effectRef>
+      <a:fontRef idx="minor">
+        <a:schemeClr val="dk1"/>
+      </a:fontRef>
+    </dgm:style>
+  </dgm:styleLbl>
+  <dgm:styleLbl name="fgSibTrans2D1">
+    <dgm:scene3d>
+      <a:camera prst="orthographicFront"/>
+      <a:lightRig rig="threePt" dir="t"/>
+    </dgm:scene3d>
+    <dgm:sp3d/>
+    <dgm:txPr/>
+    <dgm:style>
+      <a:lnRef idx="0">
+        <a:scrgbClr r="0" g="0" b="0"/>
+      </a:lnRef>
+      <a:fillRef idx="2">
+        <a:scrgbClr r="0" g="0" b="0"/>
+      </a:fillRef>
+      <a:effectRef idx="1">
+        <a:scrgbClr r="0" g="0" b="0"/>
+      </a:effectRef>
+      <a:fontRef idx="minor">
+        <a:schemeClr val="dk1"/>
+      </a:fontRef>
+    </dgm:style>
+  </dgm:styleLbl>
+  <dgm:styleLbl name="bgSibTrans2D1">
+    <dgm:scene3d>
+      <a:camera prst="orthographicFront"/>
+      <a:lightRig rig="threePt" dir="t"/>
+    </dgm:scene3d>
+    <dgm:sp3d/>
+    <dgm:txPr/>
+    <dgm:style>
+      <a:lnRef idx="0">
+        <a:scrgbClr r="0" g="0" b="0"/>
+      </a:lnRef>
+      <a:fillRef idx="2">
+        <a:scrgbClr r="0" g="0" b="0"/>
+      </a:fillRef>
+      <a:effectRef idx="1">
+        <a:scrgbClr r="0" g="0" b="0"/>
+      </a:effectRef>
+      <a:fontRef idx="minor">
+        <a:schemeClr val="dk1"/>
+      </a:fontRef>
+    </dgm:style>
+  </dgm:styleLbl>
+  <dgm:styleLbl name="sibTrans1D1">
+    <dgm:scene3d>
+      <a:camera prst="orthographicFront"/>
+      <a:lightRig rig="threePt" dir="t"/>
+    </dgm:scene3d>
+    <dgm:sp3d/>
+    <dgm:txPr/>
+    <dgm:style>
+      <a:lnRef idx="1">
+        <a:scrgbClr r="0" g="0" b="0"/>
+      </a:lnRef>
+      <a:fillRef idx="0">
+        <a:scrgbClr r="0" g="0" b="0"/>
+      </a:fillRef>
+      <a:effectRef idx="0">
+        <a:scrgbClr r="0" g="0" b="0"/>
+      </a:effectRef>
+      <a:fontRef idx="minor"/>
+    </dgm:style>
+  </dgm:styleLbl>
+  <dgm:styleLbl name="callout">
+    <dgm:scene3d>
+      <a:camera prst="orthographicFront"/>
+      <a:lightRig rig="threePt" dir="t"/>
+    </dgm:scene3d>
+    <dgm:sp3d/>
+    <dgm:txPr/>
+    <dgm:style>
+      <a:lnRef idx="1">
+        <a:scrgbClr r="0" g="0" b="0"/>
+      </a:lnRef>
+      <a:fillRef idx="2">
+        <a:scrgbClr r="0" g="0" b="0"/>
+      </a:fillRef>
+      <a:effectRef idx="1">
+        <a:scrgbClr r="0" g="0" b="0"/>
+      </a:effectRef>
+      <a:fontRef idx="minor"/>
+    </dgm:style>
+  </dgm:styleLbl>
+  <dgm:styleLbl name="asst0">
+    <dgm:scene3d>
+      <a:camera prst="orthographicFront"/>
+      <a:lightRig rig="flat" dir="t"/>
+    </dgm:scene3d>
+    <dgm:sp3d prstMaterial="dkEdge">
+      <a:bevelT w="8200" h="38100"/>
+    </dgm:sp3d>
+    <dgm:txPr/>
+    <dgm:style>
+      <a:lnRef idx="0">
+        <a:scrgbClr r="0" g="0" b="0"/>
+      </a:lnRef>
+      <a:fillRef idx="2">
+        <a:scrgbClr r="0" g="0" b="0"/>
+      </a:fillRef>
+      <a:effectRef idx="1">
+        <a:scrgbClr r="0" g="0" b="0"/>
+      </a:effectRef>
+      <a:fontRef idx="minor">
+        <a:schemeClr val="dk1"/>
+      </a:fontRef>
+    </dgm:style>
+  </dgm:styleLbl>
+  <dgm:styleLbl name="asst1">
+    <dgm:scene3d>
+      <a:camera prst="orthographicFront"/>
+      <a:lightRig rig="flat" dir="t"/>
+    </dgm:scene3d>
+    <dgm:sp3d prstMaterial="dkEdge">
+      <a:bevelT w="8200" h="38100"/>
+    </dgm:sp3d>
+    <dgm:txPr/>
+    <dgm:style>
+      <a:lnRef idx="0">
+        <a:scrgbClr r="0" g="0" b="0"/>
+      </a:lnRef>
+      <a:fillRef idx="2">
+        <a:scrgbClr r="0" g="0" b="0"/>
+      </a:fillRef>
+      <a:effectRef idx="1">
+        <a:scrgbClr r="0" g="0" b="0"/>
+      </a:effectRef>
+      <a:fontRef idx="minor">
+        <a:schemeClr val="dk1"/>
+      </a:fontRef>
+    </dgm:style>
+  </dgm:styleLbl>
+  <dgm:styleLbl name="asst2">
+    <dgm:scene3d>
+      <a:camera prst="orthographicFront"/>
+      <a:lightRig rig="flat" dir="t"/>
+    </dgm:scene3d>
+    <dgm:sp3d prstMaterial="dkEdge">
+      <a:bevelT w="8200" h="38100"/>
+    </dgm:sp3d>
+    <dgm:txPr/>
+    <dgm:style>
+      <a:lnRef idx="0">
+        <a:scrgbClr r="0" g="0" b="0"/>
+      </a:lnRef>
+      <a:fillRef idx="2">
+        <a:scrgbClr r="0" g="0" b="0"/>
+      </a:fillRef>
+      <a:effectRef idx="1">
+        <a:scrgbClr r="0" g="0" b="0"/>
+      </a:effectRef>
+      <a:fontRef idx="minor">
+        <a:schemeClr val="dk1"/>
+      </a:fontRef>
+    </dgm:style>
+  </dgm:styleLbl>
+  <dgm:styleLbl name="asst3">
+    <dgm:scene3d>
+      <a:camera prst="orthographicFront"/>
+      <a:lightRig rig="flat" dir="t"/>
+    </dgm:scene3d>
+    <dgm:sp3d prstMaterial="dkEdge">
+      <a:bevelT w="8200" h="38100"/>
+    </dgm:sp3d>
+    <dgm:txPr/>
+    <dgm:style>
+      <a:lnRef idx="0">
+        <a:scrgbClr r="0" g="0" b="0"/>
+      </a:lnRef>
+      <a:fillRef idx="2">
+        <a:scrgbClr r="0" g="0" b="0"/>
+      </a:fillRef>
+      <a:effectRef idx="1">
+        <a:scrgbClr r="0" g="0" b="0"/>
+      </a:effectRef>
+      <a:fontRef idx="minor">
+        <a:schemeClr val="dk1"/>
+      </a:fontRef>
+    </dgm:style>
+  </dgm:styleLbl>
+  <dgm:styleLbl name="asst4">
+    <dgm:scene3d>
+      <a:camera prst="orthographicFront"/>
+      <a:lightRig rig="flat" dir="t"/>
+    </dgm:scene3d>
+    <dgm:sp3d prstMaterial="dkEdge">
+      <a:bevelT w="8200" h="38100"/>
+    </dgm:sp3d>
+    <dgm:txPr/>
+    <dgm:style>
+      <a:lnRef idx="0">
+        <a:scrgbClr r="0" g="0" b="0"/>
+      </a:lnRef>
+      <a:fillRef idx="2">
+        <a:scrgbClr r="0" g="0" b="0"/>
+      </a:fillRef>
+      <a:effectRef idx="1">
+        <a:scrgbClr r="0" g="0" b="0"/>
+      </a:effectRef>
+      <a:fontRef idx="minor">
+        <a:schemeClr val="dk1"/>
+      </a:fontRef>
+    </dgm:style>
+  </dgm:styleLbl>
+  <dgm:styleLbl name="parChTrans2D1">
+    <dgm:scene3d>
+      <a:camera prst="orthographicFront"/>
+      <a:lightRig rig="threePt" dir="t"/>
+    </dgm:scene3d>
+    <dgm:sp3d/>
+    <dgm:txPr/>
+    <dgm:style>
+      <a:lnRef idx="1">
+        <a:scrgbClr r="0" g="0" b="0"/>
+      </a:lnRef>
+      <a:fillRef idx="2">
+        <a:scrgbClr r="0" g="0" b="0"/>
+      </a:fillRef>
+      <a:effectRef idx="1">
+        <a:scrgbClr r="0" g="0" b="0"/>
+      </a:effectRef>
+      <a:fontRef idx="minor">
+        <a:schemeClr val="dk1"/>
+      </a:fontRef>
+    </dgm:style>
+  </dgm:styleLbl>
+  <dgm:styleLbl name="parChTrans2D2">
+    <dgm:scene3d>
+      <a:camera prst="orthographicFront"/>
+      <a:lightRig rig="threePt" dir="t"/>
+    </dgm:scene3d>
+    <dgm:sp3d/>
+    <dgm:txPr/>
+    <dgm:style>
+      <a:lnRef idx="1">
+        <a:scrgbClr r="0" g="0" b="0"/>
+      </a:lnRef>
+      <a:fillRef idx="2">
+        <a:scrgbClr r="0" g="0" b="0"/>
+      </a:fillRef>
+      <a:effectRef idx="1">
+        <a:scrgbClr r="0" g="0" b="0"/>
+      </a:effectRef>
+      <a:fontRef idx="minor">
+        <a:schemeClr val="dk1"/>
+      </a:fontRef>
+    </dgm:style>
+  </dgm:styleLbl>
+  <dgm:styleLbl name="parChTrans2D3">
+    <dgm:scene3d>
+      <a:camera prst="orthographicFront"/>
+      <a:lightRig rig="threePt" dir="t"/>
+    </dgm:scene3d>
+    <dgm:sp3d/>
+    <dgm:txPr/>
+    <dgm:style>
+      <a:lnRef idx="1">
+        <a:scrgbClr r="0" g="0" b="0"/>
+      </a:lnRef>
+      <a:fillRef idx="2">
+        <a:scrgbClr r="0" g="0" b="0"/>
+      </a:fillRef>
+      <a:effectRef idx="1">
+        <a:scrgbClr r="0" g="0" b="0"/>
+      </a:effectRef>
+      <a:fontRef idx="minor">
+        <a:schemeClr val="dk1"/>
+      </a:fontRef>
+    </dgm:style>
+  </dgm:styleLbl>
+  <dgm:styleLbl name="parChTrans2D4">
+    <dgm:scene3d>
+      <a:camera prst="orthographicFront"/>
+      <a:lightRig rig="threePt" dir="t"/>
+    </dgm:scene3d>
+    <dgm:sp3d/>
+    <dgm:txPr/>
+    <dgm:style>
+      <a:lnRef idx="1">
+        <a:scrgbClr r="0" g="0" b="0"/>
+      </a:lnRef>
+      <a:fillRef idx="2">
+        <a:scrgbClr r="0" g="0" b="0"/>
+      </a:fillRef>
+      <a:effectRef idx="1">
+        <a:scrgbClr r="0" g="0" b="0"/>
+      </a:effectRef>
+      <a:fontRef idx="minor">
+        <a:schemeClr val="dk1"/>
+      </a:fontRef>
+    </dgm:style>
+  </dgm:styleLbl>
+  <dgm:styleLbl name="parChTrans1D1">
+    <dgm:scene3d>
+      <a:camera prst="orthographicFront"/>
+      <a:lightRig rig="threePt" dir="t"/>
+    </dgm:scene3d>
+    <dgm:sp3d/>
+    <dgm:txPr/>
+    <dgm:style>
+      <a:lnRef idx="2">
+        <a:scrgbClr r="0" g="0" b="0"/>
+      </a:lnRef>
+      <a:fillRef idx="0">
+        <a:scrgbClr r="0" g="0" b="0"/>
+      </a:fillRef>
+      <a:effectRef idx="0">
+        <a:scrgbClr r="0" g="0" b="0"/>
+      </a:effectRef>
+      <a:fontRef idx="minor"/>
+    </dgm:style>
+  </dgm:styleLbl>
+  <dgm:styleLbl name="parChTrans1D2">
+    <dgm:scene3d>
+      <a:camera prst="orthographicFront"/>
+      <a:lightRig rig="threePt" dir="t"/>
+    </dgm:scene3d>
+    <dgm:sp3d/>
+    <dgm:txPr/>
+    <dgm:style>
+      <a:lnRef idx="2">
+        <a:scrgbClr r="0" g="0" b="0"/>
+      </a:lnRef>
+      <a:fillRef idx="0">
+        <a:scrgbClr r="0" g="0" b="0"/>
+      </a:fillRef>
+      <a:effectRef idx="0">
+        <a:scrgbClr r="0" g="0" b="0"/>
+      </a:effectRef>
+      <a:fontRef idx="minor"/>
+    </dgm:style>
+  </dgm:styleLbl>
+  <dgm:styleLbl name="parChTrans1D3">
+    <dgm:scene3d>
+      <a:camera prst="orthographicFront"/>
+      <a:lightRig rig="threePt" dir="t"/>
+    </dgm:scene3d>
+    <dgm:sp3d/>
+    <dgm:txPr/>
+    <dgm:style>
+      <a:lnRef idx="2">
+        <a:scrgbClr r="0" g="0" b="0"/>
+      </a:lnRef>
+      <a:fillRef idx="0">
+        <a:scrgbClr r="0" g="0" b="0"/>
+      </a:fillRef>
+      <a:effectRef idx="0">
+        <a:scrgbClr r="0" g="0" b="0"/>
+      </a:effectRef>
+      <a:fontRef idx="minor"/>
+    </dgm:style>
+  </dgm:styleLbl>
+  <dgm:styleLbl name="parChTrans1D4">
+    <dgm:scene3d>
+      <a:camera prst="orthographicFront"/>
+      <a:lightRig rig="threePt" dir="t"/>
+    </dgm:scene3d>
+    <dgm:sp3d/>
+    <dgm:txPr/>
+    <dgm:style>
+      <a:lnRef idx="2">
+        <a:scrgbClr r="0" g="0" b="0"/>
+      </a:lnRef>
+      <a:fillRef idx="0">
+        <a:scrgbClr r="0" g="0" b="0"/>
+      </a:fillRef>
+      <a:effectRef idx="0">
+        <a:scrgbClr r="0" g="0" b="0"/>
+      </a:effectRef>
+      <a:fontRef idx="minor"/>
+    </dgm:style>
+  </dgm:styleLbl>
+  <dgm:styleLbl name="fgAcc1">
+    <dgm:scene3d>
+      <a:camera prst="orthographicFront"/>
+      <a:lightRig rig="threePt" dir="t"/>
+    </dgm:scene3d>
+    <dgm:sp3d/>
+    <dgm:txPr/>
+    <dgm:style>
+      <a:lnRef idx="1">
+        <a:scrgbClr r="0" g="0" b="0"/>
+      </a:lnRef>
+      <a:fillRef idx="1">
+        <a:scrgbClr r="0" g="0" b="0"/>
+      </a:fillRef>
+      <a:effectRef idx="0">
+        <a:scrgbClr r="0" g="0" b="0"/>
+      </a:effectRef>
+      <a:fontRef idx="minor"/>
+    </dgm:style>
+  </dgm:styleLbl>
+  <dgm:styleLbl name="conFgAcc1">
+    <dgm:scene3d>
+      <a:camera prst="orthographicFront"/>
+      <a:lightRig rig="threePt" dir="t"/>
+    </dgm:scene3d>
+    <dgm:sp3d/>
+    <dgm:txPr/>
+    <dgm:style>
+      <a:lnRef idx="1">
+        <a:scrgbClr r="0" g="0" b="0"/>
+      </a:lnRef>
+      <a:fillRef idx="1">
+        <a:scrgbClr r="0" g="0" b="0"/>
+      </a:fillRef>
+      <a:effectRef idx="0">
+        <a:scrgbClr r="0" g="0" b="0"/>
+      </a:effectRef>
+      <a:fontRef idx="minor"/>
+    </dgm:style>
+  </dgm:styleLbl>
+  <dgm:styleLbl name="alignAcc1">
+    <dgm:scene3d>
+      <a:camera prst="orthographicFront"/>
+      <a:lightRig rig="threePt" dir="t"/>
+    </dgm:scene3d>
+    <dgm:sp3d/>
+    <dgm:txPr/>
+    <dgm:style>
+      <a:lnRef idx="1">
+        <a:scrgbClr r="0" g="0" b="0"/>
+      </a:lnRef>
+      <a:fillRef idx="1">
+        <a:scrgbClr r="0" g="0" b="0"/>
+      </a:fillRef>
+      <a:effectRef idx="0">
+        <a:scrgbClr r="0" g="0" b="0"/>
+      </a:effectRef>
+      <a:fontRef idx="minor"/>
+    </dgm:style>
+  </dgm:styleLbl>
+  <dgm:styleLbl name="trAlignAcc1">
+    <dgm:scene3d>
+      <a:camera prst="orthographicFront"/>
+      <a:lightRig rig="threePt" dir="t"/>
+    </dgm:scene3d>
+    <dgm:sp3d/>
+    <dgm:txPr/>
+    <dgm:style>
+      <a:lnRef idx="1">
+        <a:scrgbClr r="0" g="0" b="0"/>
+      </a:lnRef>
+      <a:fillRef idx="1">
+        <a:scrgbClr r="0" g="0" b="0"/>
+      </a:fillRef>
+      <a:effectRef idx="0">
+        <a:scrgbClr r="0" g="0" b="0"/>
+      </a:effectRef>
+      <a:fontRef idx="minor"/>
+    </dgm:style>
+  </dgm:styleLbl>
+  <dgm:styleLbl name="bgAcc1">
+    <dgm:scene3d>
+      <a:camera prst="orthographicFront"/>
+      <a:lightRig rig="threePt" dir="t"/>
+    </dgm:scene3d>
+    <dgm:sp3d/>
+    <dgm:txPr/>
+    <dgm:style>
+      <a:lnRef idx="1">
+        <a:scrgbClr r="0" g="0" b="0"/>
+      </a:lnRef>
+      <a:fillRef idx="1">
+        <a:scrgbClr r="0" g="0" b="0"/>
+      </a:fillRef>
+      <a:effectRef idx="0">
+        <a:scrgbClr r="0" g="0" b="0"/>
+      </a:effectRef>
+      <a:fontRef idx="minor"/>
+    </dgm:style>
+  </dgm:styleLbl>
+  <dgm:styleLbl name="solidFgAcc1">
+    <dgm:scene3d>
+      <a:camera prst="orthographicFront"/>
+      <a:lightRig rig="threePt" dir="t"/>
+    </dgm:scene3d>
+    <dgm:sp3d/>
+    <dgm:txPr/>
+    <dgm:style>
+      <a:lnRef idx="1">
+        <a:scrgbClr r="0" g="0" b="0"/>
+      </a:lnRef>
+      <a:fillRef idx="2">
+        <a:scrgbClr r="0" g="0" b="0"/>
+      </a:fillRef>
+      <a:effectRef idx="0">
+        <a:scrgbClr r="0" g="0" b="0"/>
+      </a:effectRef>
+      <a:fontRef idx="minor"/>
+    </dgm:style>
+  </dgm:styleLbl>
+  <dgm:styleLbl name="solidAlignAcc1">
+    <dgm:scene3d>
+      <a:camera prst="orthographicFront"/>
+      <a:lightRig rig="threePt" dir="t"/>
+    </dgm:scene3d>
+    <dgm:sp3d/>
+    <dgm:txPr/>
+    <dgm:style>
+      <a:lnRef idx="1">
+        <a:scrgbClr r="0" g="0" b="0"/>
+      </a:lnRef>
+      <a:fillRef idx="1">
+        <a:scrgbClr r="0" g="0" b="0"/>
+      </a:fillRef>
+      <a:effectRef idx="0">
+        <a:scrgbClr r="0" g="0" b="0"/>
+      </a:effectRef>
+      <a:fontRef idx="minor"/>
+    </dgm:style>
+  </dgm:styleLbl>
+  <dgm:styleLbl name="solidBgAcc1">
+    <dgm:scene3d>
+      <a:camera prst="orthographicFront"/>
+      <a:lightRig rig="threePt" dir="t"/>
+    </dgm:scene3d>
+    <dgm:sp3d/>
+    <dgm:txPr/>
+    <dgm:style>
+      <a:lnRef idx="1">
+        <a:scrgbClr r="0" g="0" b="0"/>
+      </a:lnRef>
+      <a:fillRef idx="1">
+        <a:scrgbClr r="0" g="0" b="0"/>
+      </a:fillRef>
+      <a:effectRef idx="0">
+        <a:scrgbClr r="0" g="0" b="0"/>
+      </a:effectRef>
+      <a:fontRef idx="minor"/>
+    </dgm:style>
+  </dgm:styleLbl>
+  <dgm:styleLbl name="fgAccFollowNode1">
+    <dgm:scene3d>
+      <a:camera prst="orthographicFront"/>
+      <a:lightRig rig="threePt" dir="t"/>
+    </dgm:scene3d>
+    <dgm:sp3d/>
+    <dgm:txPr/>
+    <dgm:style>
+      <a:lnRef idx="1">
+        <a:scrgbClr r="0" g="0" b="0"/>
+      </a:lnRef>
+      <a:fillRef idx="1">
+        <a:scrgbClr r="0" g="0" b="0"/>
+      </a:fillRef>
+      <a:effectRef idx="0">
+        <a:scrgbClr r="0" g="0" b="0"/>
+      </a:effectRef>
+      <a:fontRef idx="minor"/>
+    </dgm:style>
+  </dgm:styleLbl>
+  <dgm:styleLbl name="alignAccFollowNode1">
+    <dgm:scene3d>
+      <a:camera prst="orthographicFront"/>
+      <a:lightRig rig="threePt" dir="t"/>
+    </dgm:scene3d>
+    <dgm:sp3d/>
+    <dgm:txPr/>
+    <dgm:style>
+      <a:lnRef idx="1">
+        <a:scrgbClr r="0" g="0" b="0"/>
+      </a:lnRef>
+      <a:fillRef idx="1">
+        <a:scrgbClr r="0" g="0" b="0"/>
+      </a:fillRef>
+      <a:effectRef idx="0">
+        <a:scrgbClr r="0" g="0" b="0"/>
+      </a:effectRef>
+      <a:fontRef idx="minor"/>
+    </dgm:style>
+  </dgm:styleLbl>
+  <dgm:styleLbl name="bgAccFollowNode1">
+    <dgm:scene3d>
+      <a:camera prst="orthographicFront"/>
+      <a:lightRig rig="threePt" dir="t"/>
+    </dgm:scene3d>
+    <dgm:sp3d/>
+    <dgm:txPr/>
+    <dgm:style>
+      <a:lnRef idx="1">
+        <a:scrgbClr r="0" g="0" b="0"/>
+      </a:lnRef>
+      <a:fillRef idx="1">
+        <a:scrgbClr r="0" g="0" b="0"/>
+      </a:fillRef>
+      <a:effectRef idx="0">
+        <a:scrgbClr r="0" g="0" b="0"/>
+      </a:effectRef>
+      <a:fontRef idx="minor"/>
+    </dgm:style>
+  </dgm:styleLbl>
+  <dgm:styleLbl name="fgAcc0">
+    <dgm:scene3d>
+      <a:camera prst="orthographicFront"/>
+      <a:lightRig rig="threePt" dir="t"/>
+    </dgm:scene3d>
+    <dgm:sp3d/>
+    <dgm:txPr/>
+    <dgm:style>
+      <a:lnRef idx="1">
+        <a:scrgbClr r="0" g="0" b="0"/>
+      </a:lnRef>
+      <a:fillRef idx="1">
+        <a:scrgbClr r="0" g="0" b="0"/>
+      </a:fillRef>
+      <a:effectRef idx="0">
+        <a:scrgbClr r="0" g="0" b="0"/>
+      </a:effectRef>
+      <a:fontRef idx="minor"/>
+    </dgm:style>
+  </dgm:styleLbl>
+  <dgm:styleLbl name="fgAcc2">
+    <dgm:scene3d>
+      <a:camera prst="orthographicFront"/>
+      <a:lightRig rig="threePt" dir="t"/>
+    </dgm:scene3d>
+    <dgm:sp3d/>
+    <dgm:txPr/>
+    <dgm:style>
+      <a:lnRef idx="1">
+        <a:scrgbClr r="0" g="0" b="0"/>
+      </a:lnRef>
+      <a:fillRef idx="1">
+        <a:scrgbClr r="0" g="0" b="0"/>
+      </a:fillRef>
+      <a:effectRef idx="0">
+        <a:scrgbClr r="0" g="0" b="0"/>
+      </a:effectRef>
+      <a:fontRef idx="minor"/>
+    </dgm:style>
+  </dgm:styleLbl>
+  <dgm:styleLbl name="fgAcc3">
+    <dgm:scene3d>
+      <a:camera prst="orthographicFront"/>
+      <a:lightRig rig="threePt" dir="t"/>
+    </dgm:scene3d>
+    <dgm:sp3d/>
+    <dgm:txPr/>
+    <dgm:style>
+      <a:lnRef idx="1">
+        <a:scrgbClr r="0" g="0" b="0"/>
+      </a:lnRef>
+      <a:fillRef idx="1">
+        <a:scrgbClr r="0" g="0" b="0"/>
+      </a:fillRef>
+      <a:effectRef idx="0">
+        <a:scrgbClr r="0" g="0" b="0"/>
+      </a:effectRef>
+      <a:fontRef idx="minor"/>
+    </dgm:style>
+  </dgm:styleLbl>
+  <dgm:styleLbl name="fgAcc4">
+    <dgm:scene3d>
+      <a:camera prst="orthographicFront"/>
+      <a:lightRig rig="threePt" dir="t"/>
+    </dgm:scene3d>
+    <dgm:sp3d/>
+    <dgm:txPr/>
+    <dgm:style>
+      <a:lnRef idx="1">
+        <a:scrgbClr r="0" g="0" b="0"/>
+      </a:lnRef>
+      <a:fillRef idx="1">
+        <a:scrgbClr r="0" g="0" b="0"/>
+      </a:fillRef>
+      <a:effectRef idx="0">
+        <a:scrgbClr r="0" g="0" b="0"/>
+      </a:effectRef>
+      <a:fontRef idx="minor"/>
+    </dgm:style>
+  </dgm:styleLbl>
+  <dgm:styleLbl name="bgShp">
+    <dgm:scene3d>
+      <a:camera prst="orthographicFront"/>
+      <a:lightRig rig="threePt" dir="t"/>
+    </dgm:scene3d>
+    <dgm:sp3d/>
+    <dgm:txPr/>
+    <dgm:style>
+      <a:lnRef idx="0">
+        <a:scrgbClr r="0" g="0" b="0"/>
+      </a:lnRef>
+      <a:fillRef idx="1">
+        <a:scrgbClr r="0" g="0" b="0"/>
+      </a:fillRef>
+      <a:effectRef idx="1">
+        <a:scrgbClr r="0" g="0" b="0"/>
+      </a:effectRef>
+      <a:fontRef idx="minor"/>
+    </dgm:style>
+  </dgm:styleLbl>
+  <dgm:styleLbl name="dkBgShp">
+    <dgm:scene3d>
+      <a:camera prst="orthographicFront"/>
+      <a:lightRig rig="threePt" dir="t"/>
+    </dgm:scene3d>
+    <dgm:sp3d/>
+    <dgm:txPr/>
+    <dgm:style>
+      <a:lnRef idx="0">
+        <a:scrgbClr r="0" g="0" b="0"/>
+      </a:lnRef>
+      <a:fillRef idx="1">
+        <a:scrgbClr r="0" g="0" b="0"/>
+      </a:fillRef>
+      <a:effectRef idx="1">
+        <a:scrgbClr r="0" g="0" b="0"/>
+      </a:effectRef>
+      <a:fontRef idx="minor"/>
+    </dgm:style>
+  </dgm:styleLbl>
+  <dgm:styleLbl name="trBgShp">
+    <dgm:scene3d>
+      <a:camera prst="orthographicFront"/>
+      <a:lightRig rig="threePt" dir="t"/>
+    </dgm:scene3d>
+    <dgm:sp3d/>
+    <dgm:txPr/>
+    <dgm:style>
+      <a:lnRef idx="0">
+        <a:scrgbClr r="0" g="0" b="0"/>
+      </a:lnRef>
+      <a:fillRef idx="1">
+        <a:scrgbClr r="0" g="0" b="0"/>
+      </a:fillRef>
+      <a:effectRef idx="0">
+        <a:scrgbClr r="0" g="0" b="0"/>
+      </a:effectRef>
+      <a:fontRef idx="minor"/>
+    </dgm:style>
+  </dgm:styleLbl>
+  <dgm:styleLbl name="fgShp">
+    <dgm:scene3d>
+      <a:camera prst="orthographicFront"/>
+      <a:lightRig rig="flat" dir="t"/>
+    </dgm:scene3d>
+    <dgm:sp3d prstMaterial="dkEdge">
+      <a:bevelT w="8200" h="38100"/>
+    </dgm:sp3d>
+    <dgm:txPr/>
+    <dgm:style>
+      <a:lnRef idx="1">
+        <a:scrgbClr r="0" g="0" b="0"/>
+      </a:lnRef>
+      <a:fillRef idx="2">
+        <a:scrgbClr r="0" g="0" b="0"/>
+      </a:fillRef>
+      <a:effectRef idx="1">
+        <a:scrgbClr r="0" g="0" b="0"/>
+      </a:effectRef>
+      <a:fontRef idx="minor"/>
+    </dgm:style>
+  </dgm:styleLbl>
+  <dgm:styleLbl name="revTx">
+    <dgm:scene3d>
+      <a:camera prst="orthographicFront"/>
+      <a:lightRig rig="threePt" dir="t"/>
+    </dgm:scene3d>
+    <dgm:sp3d/>
+    <dgm:txPr/>
+    <dgm:style>
+      <a:lnRef idx="0">
+        <a:scrgbClr r="0" g="0" b="0"/>
+      </a:lnRef>
+      <a:fillRef idx="0">
+        <a:scrgbClr r="0" g="0" b="0"/>
+      </a:fillRef>
+      <a:effectRef idx="0">
+        <a:scrgbClr r="0" g="0" b="0"/>
+      </a:effectRef>
+      <a:fontRef idx="minor"/>
+    </dgm:style>
+  </dgm:styleLbl>
+</dgm:styleDef>
+</file>
+
+<file path=ppt/diagrams/quickStyle8.xml><?xml version="1.0" encoding="utf-8"?>
+<dgm:styleDef xmlns:dgm="http://schemas.openxmlformats.org/drawingml/2006/diagram" xmlns:a="http://schemas.openxmlformats.org/drawingml/2006/main" uniqueId="urn:microsoft.com/office/officeart/2005/8/quickstyle/simple3">
+  <dgm:title val=""/>
+  <dgm:desc val=""/>
+  <dgm:catLst>
+    <dgm:cat type="simple" pri="10300"/>
+  </dgm:catLst>
+  <dgm:scene3d>
+    <a:camera prst="orthographicFront"/>
+    <a:lightRig rig="threePt" dir="t"/>
+  </dgm:scene3d>
+  <dgm:styleLbl name="node0">
+    <dgm:scene3d>
+      <a:camera prst="orthographicFront"/>
+      <a:lightRig rig="flat" dir="t"/>
+    </dgm:scene3d>
+    <dgm:sp3d prstMaterial="dkEdge">
+      <a:bevelT w="8200" h="38100"/>
+    </dgm:sp3d>
+    <dgm:txPr/>
+    <dgm:style>
+      <a:lnRef idx="0">
+        <a:scrgbClr r="0" g="0" b="0"/>
+      </a:lnRef>
+      <a:fillRef idx="2">
+        <a:scrgbClr r="0" g="0" b="0"/>
+      </a:fillRef>
+      <a:effectRef idx="1">
+        <a:scrgbClr r="0" g="0" b="0"/>
+      </a:effectRef>
+      <a:fontRef idx="minor">
+        <a:schemeClr val="dk1"/>
+      </a:fontRef>
+    </dgm:style>
+  </dgm:styleLbl>
+  <dgm:styleLbl name="lnNode1">
+    <dgm:scene3d>
+      <a:camera prst="orthographicFront"/>
+      <a:lightRig rig="flat" dir="t"/>
+    </dgm:scene3d>
+    <dgm:sp3d prstMaterial="dkEdge">
+      <a:bevelT w="8200" h="38100"/>
+    </dgm:sp3d>
+    <dgm:txPr/>
+    <dgm:style>
+      <a:lnRef idx="1">
+        <a:scrgbClr r="0" g="0" b="0"/>
+      </a:lnRef>
+      <a:fillRef idx="2">
+        <a:scrgbClr r="0" g="0" b="0"/>
+      </a:fillRef>
+      <a:effectRef idx="0">
+        <a:scrgbClr r="0" g="0" b="0"/>
+      </a:effectRef>
+      <a:fontRef idx="minor">
+        <a:schemeClr val="dk1"/>
+      </a:fontRef>
+    </dgm:style>
+  </dgm:styleLbl>
+  <dgm:styleLbl name="vennNode1">
+    <dgm:scene3d>
+      <a:camera prst="orthographicFront"/>
+      <a:lightRig rig="flat" dir="t"/>
+    </dgm:scene3d>
+    <dgm:sp3d prstMaterial="dkEdge">
+      <a:bevelT w="8200" h="38100"/>
+    </dgm:sp3d>
+    <dgm:txPr/>
+    <dgm:style>
+      <a:lnRef idx="0">
+        <a:scrgbClr r="0" g="0" b="0"/>
+      </a:lnRef>
+      <a:fillRef idx="2">
+        <a:scrgbClr r="0" g="0" b="0"/>
+      </a:fillRef>
+      <a:effectRef idx="0">
+        <a:scrgbClr r="0" g="0" b="0"/>
+      </a:effectRef>
+      <a:fontRef idx="minor">
+        <a:schemeClr val="tx1"/>
+      </a:fontRef>
+    </dgm:style>
+  </dgm:styleLbl>
+  <dgm:styleLbl name="alignNode1">
+    <dgm:scene3d>
+      <a:camera prst="orthographicFront"/>
+      <a:lightRig rig="threePt" dir="t"/>
+    </dgm:scene3d>
+    <dgm:sp3d/>
+    <dgm:txPr/>
+    <dgm:style>
+      <a:lnRef idx="1">
+        <a:scrgbClr r="0" g="0" b="0"/>
+      </a:lnRef>
+      <a:fillRef idx="2">
+        <a:scrgbClr r="0" g="0" b="0"/>
+      </a:fillRef>
+      <a:effectRef idx="1">
+        <a:scrgbClr r="0" g="0" b="0"/>
+      </a:effectRef>
+      <a:fontRef idx="minor">
+        <a:schemeClr val="dk1"/>
+      </a:fontRef>
+    </dgm:style>
+  </dgm:styleLbl>
+  <dgm:styleLbl name="node1">
+    <dgm:scene3d>
+      <a:camera prst="orthographicFront"/>
+      <a:lightRig rig="flat" dir="t"/>
+    </dgm:scene3d>
+    <dgm:sp3d prstMaterial="dkEdge">
+      <a:bevelT w="8200" h="38100"/>
+    </dgm:sp3d>
+    <dgm:txPr/>
+    <dgm:style>
+      <a:lnRef idx="0">
+        <a:scrgbClr r="0" g="0" b="0"/>
+      </a:lnRef>
+      <a:fillRef idx="2">
+        <a:scrgbClr r="0" g="0" b="0"/>
+      </a:fillRef>
+      <a:effectRef idx="1">
+        <a:scrgbClr r="0" g="0" b="0"/>
+      </a:effectRef>
+      <a:fontRef idx="minor">
+        <a:schemeClr val="dk1"/>
+      </a:fontRef>
+    </dgm:style>
+  </dgm:styleLbl>
+  <dgm:styleLbl name="node2">
+    <dgm:scene3d>
+      <a:camera prst="orthographicFront"/>
+      <a:lightRig rig="flat" dir="t"/>
+    </dgm:scene3d>
+    <dgm:sp3d prstMaterial="dkEdge">
+      <a:bevelT w="8200" h="38100"/>
+    </dgm:sp3d>
+    <dgm:txPr/>
+    <dgm:style>
+      <a:lnRef idx="0">
+        <a:scrgbClr r="0" g="0" b="0"/>
+      </a:lnRef>
+      <a:fillRef idx="2">
+        <a:scrgbClr r="0" g="0" b="0"/>
+      </a:fillRef>
+      <a:effectRef idx="1">
+        <a:scrgbClr r="0" g="0" b="0"/>
+      </a:effectRef>
+      <a:fontRef idx="minor">
+        <a:schemeClr val="dk1"/>
+      </a:fontRef>
+    </dgm:style>
+  </dgm:styleLbl>
+  <dgm:styleLbl name="node3">
+    <dgm:scene3d>
+      <a:camera prst="orthographicFront"/>
+      <a:lightRig rig="flat" dir="t"/>
+    </dgm:scene3d>
+    <dgm:sp3d prstMaterial="dkEdge">
+      <a:bevelT w="8200" h="38100"/>
+    </dgm:sp3d>
+    <dgm:txPr/>
+    <dgm:style>
+      <a:lnRef idx="0">
+        <a:scrgbClr r="0" g="0" b="0"/>
+      </a:lnRef>
+      <a:fillRef idx="2">
+        <a:scrgbClr r="0" g="0" b="0"/>
+      </a:fillRef>
+      <a:effectRef idx="1">
+        <a:scrgbClr r="0" g="0" b="0"/>
+      </a:effectRef>
+      <a:fontRef idx="minor">
+        <a:schemeClr val="dk1"/>
+      </a:fontRef>
+    </dgm:style>
+  </dgm:styleLbl>
+  <dgm:styleLbl name="node4">
+    <dgm:scene3d>
+      <a:camera prst="orthographicFront"/>
+      <a:lightRig rig="flat" dir="t"/>
+    </dgm:scene3d>
+    <dgm:sp3d prstMaterial="dkEdge">
+      <a:bevelT w="8200" h="38100"/>
+    </dgm:sp3d>
+    <dgm:txPr/>
+    <dgm:style>
+      <a:lnRef idx="0">
+        <a:scrgbClr r="0" g="0" b="0"/>
+      </a:lnRef>
+      <a:fillRef idx="2">
+        <a:scrgbClr r="0" g="0" b="0"/>
+      </a:fillRef>
+      <a:effectRef idx="1">
+        <a:scrgbClr r="0" g="0" b="0"/>
+      </a:effectRef>
+      <a:fontRef idx="minor">
+        <a:schemeClr val="dk1"/>
+      </a:fontRef>
+    </dgm:style>
+  </dgm:styleLbl>
+  <dgm:styleLbl name="fgImgPlace1">
+    <dgm:scene3d>
+      <a:camera prst="orthographicFront"/>
+      <a:lightRig rig="threePt" dir="t"/>
+    </dgm:scene3d>
+    <dgm:sp3d/>
+    <dgm:txPr/>
+    <dgm:style>
+      <a:lnRef idx="1">
+        <a:scrgbClr r="0" g="0" b="0"/>
+      </a:lnRef>
+      <a:fillRef idx="1">
+        <a:scrgbClr r="0" g="0" b="0"/>
+      </a:fillRef>
+      <a:effectRef idx="1">
+        <a:scrgbClr r="0" g="0" b="0"/>
+      </a:effectRef>
+      <a:fontRef idx="minor"/>
+    </dgm:style>
+  </dgm:styleLbl>
+  <dgm:styleLbl name="alignImgPlace1">
+    <dgm:scene3d>
+      <a:camera prst="orthographicFront"/>
+      <a:lightRig rig="threePt" dir="t"/>
+    </dgm:scene3d>
+    <dgm:sp3d/>
+    <dgm:txPr/>
+    <dgm:style>
+      <a:lnRef idx="1">
+        <a:scrgbClr r="0" g="0" b="0"/>
+      </a:lnRef>
+      <a:fillRef idx="1">
+        <a:scrgbClr r="0" g="0" b="0"/>
+      </a:fillRef>
+      <a:effectRef idx="1">
+        <a:scrgbClr r="0" g="0" b="0"/>
+      </a:effectRef>
+      <a:fontRef idx="minor"/>
+    </dgm:style>
+  </dgm:styleLbl>
+  <dgm:styleLbl name="bgImgPlace1">
+    <dgm:scene3d>
+      <a:camera prst="orthographicFront"/>
+      <a:lightRig rig="threePt" dir="t"/>
+    </dgm:scene3d>
+    <dgm:sp3d/>
+    <dgm:txPr/>
+    <dgm:style>
+      <a:lnRef idx="1">
+        <a:scrgbClr r="0" g="0" b="0"/>
+      </a:lnRef>
+      <a:fillRef idx="1">
+        <a:scrgbClr r="0" g="0" b="0"/>
+      </a:fillRef>
+      <a:effectRef idx="1">
+        <a:scrgbClr r="0" g="0" b="0"/>
+      </a:effectRef>
+      <a:fontRef idx="minor"/>
+    </dgm:style>
+  </dgm:styleLbl>
+  <dgm:styleLbl name="sibTrans2D1">
+    <dgm:scene3d>
+      <a:camera prst="orthographicFront"/>
+      <a:lightRig rig="threePt" dir="t"/>
+    </dgm:scene3d>
+    <dgm:sp3d/>
+    <dgm:txPr/>
+    <dgm:style>
+      <a:lnRef idx="0">
+        <a:scrgbClr r="0" g="0" b="0"/>
+      </a:lnRef>
+      <a:fillRef idx="2">
+        <a:scrgbClr r="0" g="0" b="0"/>
+      </a:fillRef>
+      <a:effectRef idx="1">
+        <a:scrgbClr r="0" g="0" b="0"/>
+      </a:effectRef>
+      <a:fontRef idx="minor">
+        <a:schemeClr val="dk1"/>
+      </a:fontRef>
+    </dgm:style>
+  </dgm:styleLbl>
+  <dgm:styleLbl name="fgSibTrans2D1">
+    <dgm:scene3d>
+      <a:camera prst="orthographicFront"/>
+      <a:lightRig rig="threePt" dir="t"/>
+    </dgm:scene3d>
+    <dgm:sp3d/>
+    <dgm:txPr/>
+    <dgm:style>
+      <a:lnRef idx="0">
+        <a:scrgbClr r="0" g="0" b="0"/>
+      </a:lnRef>
+      <a:fillRef idx="2">
+        <a:scrgbClr r="0" g="0" b="0"/>
+      </a:fillRef>
+      <a:effectRef idx="1">
+        <a:scrgbClr r="0" g="0" b="0"/>
+      </a:effectRef>
+      <a:fontRef idx="minor">
+        <a:schemeClr val="dk1"/>
+      </a:fontRef>
+    </dgm:style>
+  </dgm:styleLbl>
+  <dgm:styleLbl name="bgSibTrans2D1">
+    <dgm:scene3d>
+      <a:camera prst="orthographicFront"/>
+      <a:lightRig rig="threePt" dir="t"/>
+    </dgm:scene3d>
+    <dgm:sp3d/>
+    <dgm:txPr/>
+    <dgm:style>
+      <a:lnRef idx="0">
+        <a:scrgbClr r="0" g="0" b="0"/>
+      </a:lnRef>
+      <a:fillRef idx="2">
+        <a:scrgbClr r="0" g="0" b="0"/>
+      </a:fillRef>
+      <a:effectRef idx="1">
+        <a:scrgbClr r="0" g="0" b="0"/>
+      </a:effectRef>
+      <a:fontRef idx="minor">
+        <a:schemeClr val="dk1"/>
+      </a:fontRef>
+    </dgm:style>
+  </dgm:styleLbl>
+  <dgm:styleLbl name="sibTrans1D1">
+    <dgm:scene3d>
+      <a:camera prst="orthographicFront"/>
+      <a:lightRig rig="threePt" dir="t"/>
+    </dgm:scene3d>
+    <dgm:sp3d/>
+    <dgm:txPr/>
+    <dgm:style>
+      <a:lnRef idx="1">
+        <a:scrgbClr r="0" g="0" b="0"/>
+      </a:lnRef>
+      <a:fillRef idx="0">
+        <a:scrgbClr r="0" g="0" b="0"/>
+      </a:fillRef>
+      <a:effectRef idx="0">
+        <a:scrgbClr r="0" g="0" b="0"/>
+      </a:effectRef>
+      <a:fontRef idx="minor"/>
+    </dgm:style>
+  </dgm:styleLbl>
+  <dgm:styleLbl name="callout">
+    <dgm:scene3d>
+      <a:camera prst="orthographicFront"/>
+      <a:lightRig rig="threePt" dir="t"/>
+    </dgm:scene3d>
+    <dgm:sp3d/>
+    <dgm:txPr/>
+    <dgm:style>
+      <a:lnRef idx="1">
+        <a:scrgbClr r="0" g="0" b="0"/>
+      </a:lnRef>
+      <a:fillRef idx="2">
+        <a:scrgbClr r="0" g="0" b="0"/>
+      </a:fillRef>
+      <a:effectRef idx="1">
+        <a:scrgbClr r="0" g="0" b="0"/>
+      </a:effectRef>
+      <a:fontRef idx="minor"/>
+    </dgm:style>
+  </dgm:styleLbl>
+  <dgm:styleLbl name="asst0">
+    <dgm:scene3d>
+      <a:camera prst="orthographicFront"/>
+      <a:lightRig rig="flat" dir="t"/>
+    </dgm:scene3d>
+    <dgm:sp3d prstMaterial="dkEdge">
+      <a:bevelT w="8200" h="38100"/>
+    </dgm:sp3d>
+    <dgm:txPr/>
+    <dgm:style>
+      <a:lnRef idx="0">
+        <a:scrgbClr r="0" g="0" b="0"/>
+      </a:lnRef>
+      <a:fillRef idx="2">
+        <a:scrgbClr r="0" g="0" b="0"/>
+      </a:fillRef>
+      <a:effectRef idx="1">
+        <a:scrgbClr r="0" g="0" b="0"/>
+      </a:effectRef>
+      <a:fontRef idx="minor">
+        <a:schemeClr val="dk1"/>
+      </a:fontRef>
+    </dgm:style>
+  </dgm:styleLbl>
+  <dgm:styleLbl name="asst1">
+    <dgm:scene3d>
+      <a:camera prst="orthographicFront"/>
+      <a:lightRig rig="flat" dir="t"/>
+    </dgm:scene3d>
+    <dgm:sp3d prstMaterial="dkEdge">
+      <a:bevelT w="8200" h="38100"/>
+    </dgm:sp3d>
+    <dgm:txPr/>
+    <dgm:style>
+      <a:lnRef idx="0">
+        <a:scrgbClr r="0" g="0" b="0"/>
+      </a:lnRef>
+      <a:fillRef idx="2">
+        <a:scrgbClr r="0" g="0" b="0"/>
+      </a:fillRef>
+      <a:effectRef idx="1">
+        <a:scrgbClr r="0" g="0" b="0"/>
+      </a:effectRef>
+      <a:fontRef idx="minor">
+        <a:schemeClr val="dk1"/>
+      </a:fontRef>
+    </dgm:style>
+  </dgm:styleLbl>
+  <dgm:styleLbl name="asst2">
+    <dgm:scene3d>
+      <a:camera prst="orthographicFront"/>
+      <a:lightRig rig="flat" dir="t"/>
+    </dgm:scene3d>
+    <dgm:sp3d prstMaterial="dkEdge">
+      <a:bevelT w="8200" h="38100"/>
+    </dgm:sp3d>
+    <dgm:txPr/>
+    <dgm:style>
+      <a:lnRef idx="0">
+        <a:scrgbClr r="0" g="0" b="0"/>
+      </a:lnRef>
+      <a:fillRef idx="2">
+        <a:scrgbClr r="0" g="0" b="0"/>
+      </a:fillRef>
+      <a:effectRef idx="1">
+        <a:scrgbClr r="0" g="0" b="0"/>
+      </a:effectRef>
+      <a:fontRef idx="minor">
+        <a:schemeClr val="dk1"/>
+      </a:fontRef>
+    </dgm:style>
+  </dgm:styleLbl>
+  <dgm:styleLbl name="asst3">
+    <dgm:scene3d>
+      <a:camera prst="orthographicFront"/>
+      <a:lightRig rig="flat" dir="t"/>
+    </dgm:scene3d>
+    <dgm:sp3d prstMaterial="dkEdge">
+      <a:bevelT w="8200" h="38100"/>
+    </dgm:sp3d>
+    <dgm:txPr/>
+    <dgm:style>
+      <a:lnRef idx="0">
+        <a:scrgbClr r="0" g="0" b="0"/>
+      </a:lnRef>
+      <a:fillRef idx="2">
+        <a:scrgbClr r="0" g="0" b="0"/>
+      </a:fillRef>
+      <a:effectRef idx="1">
+        <a:scrgbClr r="0" g="0" b="0"/>
+      </a:effectRef>
+      <a:fontRef idx="minor">
+        <a:schemeClr val="dk1"/>
+      </a:fontRef>
+    </dgm:style>
+  </dgm:styleLbl>
+  <dgm:styleLbl name="asst4">
+    <dgm:scene3d>
+      <a:camera prst="orthographicFront"/>
+      <a:lightRig rig="flat" dir="t"/>
+    </dgm:scene3d>
+    <dgm:sp3d prstMaterial="dkEdge">
+      <a:bevelT w="8200" h="38100"/>
+    </dgm:sp3d>
+    <dgm:txPr/>
+    <dgm:style>
+      <a:lnRef idx="0">
+        <a:scrgbClr r="0" g="0" b="0"/>
+      </a:lnRef>
+      <a:fillRef idx="2">
+        <a:scrgbClr r="0" g="0" b="0"/>
+      </a:fillRef>
+      <a:effectRef idx="1">
+        <a:scrgbClr r="0" g="0" b="0"/>
+      </a:effectRef>
+      <a:fontRef idx="minor">
+        <a:schemeClr val="dk1"/>
+      </a:fontRef>
+    </dgm:style>
+  </dgm:styleLbl>
+  <dgm:styleLbl name="parChTrans2D1">
+    <dgm:scene3d>
+      <a:camera prst="orthographicFront"/>
+      <a:lightRig rig="threePt" dir="t"/>
+    </dgm:scene3d>
+    <dgm:sp3d/>
+    <dgm:txPr/>
+    <dgm:style>
+      <a:lnRef idx="1">
+        <a:scrgbClr r="0" g="0" b="0"/>
+      </a:lnRef>
+      <a:fillRef idx="2">
+        <a:scrgbClr r="0" g="0" b="0"/>
+      </a:fillRef>
+      <a:effectRef idx="1">
+        <a:scrgbClr r="0" g="0" b="0"/>
+      </a:effectRef>
+      <a:fontRef idx="minor">
+        <a:schemeClr val="dk1"/>
+      </a:fontRef>
+    </dgm:style>
+  </dgm:styleLbl>
+  <dgm:styleLbl name="parChTrans2D2">
+    <dgm:scene3d>
+      <a:camera prst="orthographicFront"/>
+      <a:lightRig rig="threePt" dir="t"/>
+    </dgm:scene3d>
+    <dgm:sp3d/>
+    <dgm:txPr/>
+    <dgm:style>
+      <a:lnRef idx="1">
+        <a:scrgbClr r="0" g="0" b="0"/>
+      </a:lnRef>
+      <a:fillRef idx="2">
+        <a:scrgbClr r="0" g="0" b="0"/>
+      </a:fillRef>
+      <a:effectRef idx="1">
+        <a:scrgbClr r="0" g="0" b="0"/>
+      </a:effectRef>
+      <a:fontRef idx="minor">
+        <a:schemeClr val="dk1"/>
+      </a:fontRef>
+    </dgm:style>
+  </dgm:styleLbl>
+  <dgm:styleLbl name="parChTrans2D3">
+    <dgm:scene3d>
+      <a:camera prst="orthographicFront"/>
+      <a:lightRig rig="threePt" dir="t"/>
+    </dgm:scene3d>
+    <dgm:sp3d/>
+    <dgm:txPr/>
+    <dgm:style>
+      <a:lnRef idx="1">
+        <a:scrgbClr r="0" g="0" b="0"/>
+      </a:lnRef>
+      <a:fillRef idx="2">
+        <a:scrgbClr r="0" g="0" b="0"/>
+      </a:fillRef>
+      <a:effectRef idx="1">
+        <a:scrgbClr r="0" g="0" b="0"/>
+      </a:effectRef>
+      <a:fontRef idx="minor">
+        <a:schemeClr val="dk1"/>
+      </a:fontRef>
+    </dgm:style>
+  </dgm:styleLbl>
+  <dgm:styleLbl name="parChTrans2D4">
+    <dgm:scene3d>
+      <a:camera prst="orthographicFront"/>
+      <a:lightRig rig="threePt" dir="t"/>
+    </dgm:scene3d>
+    <dgm:sp3d/>
+    <dgm:txPr/>
+    <dgm:style>
+      <a:lnRef idx="1">
+        <a:scrgbClr r="0" g="0" b="0"/>
+      </a:lnRef>
+      <a:fillRef idx="2">
+        <a:scrgbClr r="0" g="0" b="0"/>
+      </a:fillRef>
+      <a:effectRef idx="1">
+        <a:scrgbClr r="0" g="0" b="0"/>
+      </a:effectRef>
+      <a:fontRef idx="minor">
+        <a:schemeClr val="dk1"/>
+      </a:fontRef>
+    </dgm:style>
+  </dgm:styleLbl>
+  <dgm:styleLbl name="parChTrans1D1">
+    <dgm:scene3d>
+      <a:camera prst="orthographicFront"/>
+      <a:lightRig rig="threePt" dir="t"/>
+    </dgm:scene3d>
+    <dgm:sp3d/>
+    <dgm:txPr/>
+    <dgm:style>
+      <a:lnRef idx="2">
+        <a:scrgbClr r="0" g="0" b="0"/>
+      </a:lnRef>
+      <a:fillRef idx="0">
+        <a:scrgbClr r="0" g="0" b="0"/>
+      </a:fillRef>
+      <a:effectRef idx="0">
+        <a:scrgbClr r="0" g="0" b="0"/>
+      </a:effectRef>
+      <a:fontRef idx="minor"/>
+    </dgm:style>
+  </dgm:styleLbl>
+  <dgm:styleLbl name="parChTrans1D2">
+    <dgm:scene3d>
+      <a:camera prst="orthographicFront"/>
+      <a:lightRig rig="threePt" dir="t"/>
+    </dgm:scene3d>
+    <dgm:sp3d/>
+    <dgm:txPr/>
+    <dgm:style>
+      <a:lnRef idx="2">
+        <a:scrgbClr r="0" g="0" b="0"/>
+      </a:lnRef>
+      <a:fillRef idx="0">
+        <a:scrgbClr r="0" g="0" b="0"/>
+      </a:fillRef>
+      <a:effectRef idx="0">
+        <a:scrgbClr r="0" g="0" b="0"/>
+      </a:effectRef>
+      <a:fontRef idx="minor"/>
+    </dgm:style>
+  </dgm:styleLbl>
+  <dgm:styleLbl name="parChTrans1D3">
+    <dgm:scene3d>
+      <a:camera prst="orthographicFront"/>
+      <a:lightRig rig="threePt" dir="t"/>
+    </dgm:scene3d>
+    <dgm:sp3d/>
+    <dgm:txPr/>
+    <dgm:style>
+      <a:lnRef idx="2">
+        <a:scrgbClr r="0" g="0" b="0"/>
+      </a:lnRef>
+      <a:fillRef idx="0">
+        <a:scrgbClr r="0" g="0" b="0"/>
+      </a:fillRef>
+      <a:effectRef idx="0">
+        <a:scrgbClr r="0" g="0" b="0"/>
+      </a:effectRef>
+      <a:fontRef idx="minor"/>
+    </dgm:style>
+  </dgm:styleLbl>
+  <dgm:styleLbl name="parChTrans1D4">
+    <dgm:scene3d>
+      <a:camera prst="orthographicFront"/>
+      <a:lightRig rig="threePt" dir="t"/>
+    </dgm:scene3d>
+    <dgm:sp3d/>
+    <dgm:txPr/>
+    <dgm:style>
+      <a:lnRef idx="2">
+        <a:scrgbClr r="0" g="0" b="0"/>
+      </a:lnRef>
+      <a:fillRef idx="0">
+        <a:scrgbClr r="0" g="0" b="0"/>
+      </a:fillRef>
+      <a:effectRef idx="0">
+        <a:scrgbClr r="0" g="0" b="0"/>
+      </a:effectRef>
+      <a:fontRef idx="minor"/>
+    </dgm:style>
+  </dgm:styleLbl>
+  <dgm:styleLbl name="fgAcc1">
+    <dgm:scene3d>
+      <a:camera prst="orthographicFront"/>
+      <a:lightRig rig="threePt" dir="t"/>
+    </dgm:scene3d>
+    <dgm:sp3d/>
+    <dgm:txPr/>
+    <dgm:style>
+      <a:lnRef idx="1">
+        <a:scrgbClr r="0" g="0" b="0"/>
+      </a:lnRef>
+      <a:fillRef idx="1">
+        <a:scrgbClr r="0" g="0" b="0"/>
+      </a:fillRef>
+      <a:effectRef idx="0">
+        <a:scrgbClr r="0" g="0" b="0"/>
+      </a:effectRef>
+      <a:fontRef idx="minor"/>
+    </dgm:style>
+  </dgm:styleLbl>
+  <dgm:styleLbl name="conFgAcc1">
+    <dgm:scene3d>
+      <a:camera prst="orthographicFront"/>
+      <a:lightRig rig="threePt" dir="t"/>
+    </dgm:scene3d>
+    <dgm:sp3d/>
+    <dgm:txPr/>
+    <dgm:style>
+      <a:lnRef idx="1">
+        <a:scrgbClr r="0" g="0" b="0"/>
+      </a:lnRef>
+      <a:fillRef idx="1">
+        <a:scrgbClr r="0" g="0" b="0"/>
+      </a:fillRef>
+      <a:effectRef idx="0">
+        <a:scrgbClr r="0" g="0" b="0"/>
+      </a:effectRef>
+      <a:fontRef idx="minor"/>
+    </dgm:style>
+  </dgm:styleLbl>
+  <dgm:styleLbl name="alignAcc1">
+    <dgm:scene3d>
+      <a:camera prst="orthographicFront"/>
+      <a:lightRig rig="threePt" dir="t"/>
+    </dgm:scene3d>
+    <dgm:sp3d/>
+    <dgm:txPr/>
+    <dgm:style>
+      <a:lnRef idx="1">
+        <a:scrgbClr r="0" g="0" b="0"/>
+      </a:lnRef>
+      <a:fillRef idx="1">
+        <a:scrgbClr r="0" g="0" b="0"/>
+      </a:fillRef>
+      <a:effectRef idx="0">
+        <a:scrgbClr r="0" g="0" b="0"/>
+      </a:effectRef>
+      <a:fontRef idx="minor"/>
+    </dgm:style>
+  </dgm:styleLbl>
+  <dgm:styleLbl name="trAlignAcc1">
+    <dgm:scene3d>
+      <a:camera prst="orthographicFront"/>
+      <a:lightRig rig="threePt" dir="t"/>
+    </dgm:scene3d>
+    <dgm:sp3d/>
+    <dgm:txPr/>
+    <dgm:style>
+      <a:lnRef idx="1">
+        <a:scrgbClr r="0" g="0" b="0"/>
+      </a:lnRef>
+      <a:fillRef idx="1">
+        <a:scrgbClr r="0" g="0" b="0"/>
+      </a:fillRef>
+      <a:effectRef idx="0">
+        <a:scrgbClr r="0" g="0" b="0"/>
+      </a:effectRef>
+      <a:fontRef idx="minor"/>
+    </dgm:style>
+  </dgm:styleLbl>
+  <dgm:styleLbl name="bgAcc1">
+    <dgm:scene3d>
+      <a:camera prst="orthographicFront"/>
+      <a:lightRig rig="threePt" dir="t"/>
+    </dgm:scene3d>
+    <dgm:sp3d/>
+    <dgm:txPr/>
+    <dgm:style>
+      <a:lnRef idx="1">
+        <a:scrgbClr r="0" g="0" b="0"/>
+      </a:lnRef>
+      <a:fillRef idx="1">
+        <a:scrgbClr r="0" g="0" b="0"/>
+      </a:fillRef>
+      <a:effectRef idx="0">
+        <a:scrgbClr r="0" g="0" b="0"/>
+      </a:effectRef>
+      <a:fontRef idx="minor"/>
+    </dgm:style>
+  </dgm:styleLbl>
+  <dgm:styleLbl name="solidFgAcc1">
+    <dgm:scene3d>
+      <a:camera prst="orthographicFront"/>
+      <a:lightRig rig="threePt" dir="t"/>
+    </dgm:scene3d>
+    <dgm:sp3d/>
+    <dgm:txPr/>
+    <dgm:style>
+      <a:lnRef idx="1">
+        <a:scrgbClr r="0" g="0" b="0"/>
+      </a:lnRef>
+      <a:fillRef idx="2">
+        <a:scrgbClr r="0" g="0" b="0"/>
+      </a:fillRef>
+      <a:effectRef idx="0">
+        <a:scrgbClr r="0" g="0" b="0"/>
+      </a:effectRef>
+      <a:fontRef idx="minor"/>
+    </dgm:style>
+  </dgm:styleLbl>
+  <dgm:styleLbl name="solidAlignAcc1">
+    <dgm:scene3d>
+      <a:camera prst="orthographicFront"/>
+      <a:lightRig rig="threePt" dir="t"/>
+    </dgm:scene3d>
+    <dgm:sp3d/>
+    <dgm:txPr/>
+    <dgm:style>
+      <a:lnRef idx="1">
+        <a:scrgbClr r="0" g="0" b="0"/>
+      </a:lnRef>
+      <a:fillRef idx="1">
+        <a:scrgbClr r="0" g="0" b="0"/>
+      </a:fillRef>
+      <a:effectRef idx="0">
+        <a:scrgbClr r="0" g="0" b="0"/>
+      </a:effectRef>
+      <a:fontRef idx="minor"/>
+    </dgm:style>
+  </dgm:styleLbl>
+  <dgm:styleLbl name="solidBgAcc1">
+    <dgm:scene3d>
+      <a:camera prst="orthographicFront"/>
+      <a:lightRig rig="threePt" dir="t"/>
+    </dgm:scene3d>
+    <dgm:sp3d/>
+    <dgm:txPr/>
+    <dgm:style>
+      <a:lnRef idx="1">
+        <a:scrgbClr r="0" g="0" b="0"/>
+      </a:lnRef>
+      <a:fillRef idx="1">
+        <a:scrgbClr r="0" g="0" b="0"/>
+      </a:fillRef>
+      <a:effectRef idx="0">
+        <a:scrgbClr r="0" g="0" b="0"/>
+      </a:effectRef>
+      <a:fontRef idx="minor"/>
+    </dgm:style>
+  </dgm:styleLbl>
+  <dgm:styleLbl name="fgAccFollowNode1">
+    <dgm:scene3d>
+      <a:camera prst="orthographicFront"/>
+      <a:lightRig rig="threePt" dir="t"/>
+    </dgm:scene3d>
+    <dgm:sp3d/>
+    <dgm:txPr/>
+    <dgm:style>
+      <a:lnRef idx="1">
+        <a:scrgbClr r="0" g="0" b="0"/>
+      </a:lnRef>
+      <a:fillRef idx="1">
+        <a:scrgbClr r="0" g="0" b="0"/>
+      </a:fillRef>
+      <a:effectRef idx="0">
+        <a:scrgbClr r="0" g="0" b="0"/>
+      </a:effectRef>
+      <a:fontRef idx="minor"/>
+    </dgm:style>
+  </dgm:styleLbl>
+  <dgm:styleLbl name="alignAccFollowNode1">
+    <dgm:scene3d>
+      <a:camera prst="orthographicFront"/>
+      <a:lightRig rig="threePt" dir="t"/>
+    </dgm:scene3d>
+    <dgm:sp3d/>
+    <dgm:txPr/>
+    <dgm:style>
+      <a:lnRef idx="1">
+        <a:scrgbClr r="0" g="0" b="0"/>
+      </a:lnRef>
+      <a:fillRef idx="1">
+        <a:scrgbClr r="0" g="0" b="0"/>
+      </a:fillRef>
+      <a:effectRef idx="0">
+        <a:scrgbClr r="0" g="0" b="0"/>
+      </a:effectRef>
+      <a:fontRef idx="minor"/>
+    </dgm:style>
+  </dgm:styleLbl>
+  <dgm:styleLbl name="bgAccFollowNode1">
+    <dgm:scene3d>
+      <a:camera prst="orthographicFront"/>
+      <a:lightRig rig="threePt" dir="t"/>
+    </dgm:scene3d>
+    <dgm:sp3d/>
+    <dgm:txPr/>
+    <dgm:style>
+      <a:lnRef idx="1">
+        <a:scrgbClr r="0" g="0" b="0"/>
+      </a:lnRef>
+      <a:fillRef idx="1">
+        <a:scrgbClr r="0" g="0" b="0"/>
+      </a:fillRef>
+      <a:effectRef idx="0">
+        <a:scrgbClr r="0" g="0" b="0"/>
+      </a:effectRef>
+      <a:fontRef idx="minor"/>
+    </dgm:style>
+  </dgm:styleLbl>
+  <dgm:styleLbl name="fgAcc0">
+    <dgm:scene3d>
+      <a:camera prst="orthographicFront"/>
+      <a:lightRig rig="threePt" dir="t"/>
+    </dgm:scene3d>
+    <dgm:sp3d/>
+    <dgm:txPr/>
+    <dgm:style>
+      <a:lnRef idx="1">
+        <a:scrgbClr r="0" g="0" b="0"/>
+      </a:lnRef>
+      <a:fillRef idx="1">
+        <a:scrgbClr r="0" g="0" b="0"/>
+      </a:fillRef>
+      <a:effectRef idx="0">
+        <a:scrgbClr r="0" g="0" b="0"/>
+      </a:effectRef>
+      <a:fontRef idx="minor"/>
+    </dgm:style>
+  </dgm:styleLbl>
+  <dgm:styleLbl name="fgAcc2">
+    <dgm:scene3d>
+      <a:camera prst="orthographicFront"/>
+      <a:lightRig rig="threePt" dir="t"/>
+    </dgm:scene3d>
+    <dgm:sp3d/>
+    <dgm:txPr/>
+    <dgm:style>
+      <a:lnRef idx="1">
+        <a:scrgbClr r="0" g="0" b="0"/>
+      </a:lnRef>
+      <a:fillRef idx="1">
+        <a:scrgbClr r="0" g="0" b="0"/>
+      </a:fillRef>
+      <a:effectRef idx="0">
+        <a:scrgbClr r="0" g="0" b="0"/>
+      </a:effectRef>
+      <a:fontRef idx="minor"/>
+    </dgm:style>
+  </dgm:styleLbl>
+  <dgm:styleLbl name="fgAcc3">
+    <dgm:scene3d>
+      <a:camera prst="orthographicFront"/>
+      <a:lightRig rig="threePt" dir="t"/>
+    </dgm:scene3d>
+    <dgm:sp3d/>
+    <dgm:txPr/>
+    <dgm:style>
+      <a:lnRef idx="1">
+        <a:scrgbClr r="0" g="0" b="0"/>
+      </a:lnRef>
+      <a:fillRef idx="1">
+        <a:scrgbClr r="0" g="0" b="0"/>
+      </a:fillRef>
+      <a:effectRef idx="0">
+        <a:scrgbClr r="0" g="0" b="0"/>
+      </a:effectRef>
+      <a:fontRef idx="minor"/>
+    </dgm:style>
+  </dgm:styleLbl>
+  <dgm:styleLbl name="fgAcc4">
+    <dgm:scene3d>
+      <a:camera prst="orthographicFront"/>
+      <a:lightRig rig="threePt" dir="t"/>
+    </dgm:scene3d>
+    <dgm:sp3d/>
+    <dgm:txPr/>
+    <dgm:style>
+      <a:lnRef idx="1">
+        <a:scrgbClr r="0" g="0" b="0"/>
+      </a:lnRef>
+      <a:fillRef idx="1">
+        <a:scrgbClr r="0" g="0" b="0"/>
+      </a:fillRef>
+      <a:effectRef idx="0">
+        <a:scrgbClr r="0" g="0" b="0"/>
+      </a:effectRef>
+      <a:fontRef idx="minor"/>
+    </dgm:style>
+  </dgm:styleLbl>
+  <dgm:styleLbl name="bgShp">
+    <dgm:scene3d>
+      <a:camera prst="orthographicFront"/>
+      <a:lightRig rig="threePt" dir="t"/>
+    </dgm:scene3d>
+    <dgm:sp3d/>
+    <dgm:txPr/>
+    <dgm:style>
+      <a:lnRef idx="0">
+        <a:scrgbClr r="0" g="0" b="0"/>
+      </a:lnRef>
+      <a:fillRef idx="1">
+        <a:scrgbClr r="0" g="0" b="0"/>
+      </a:fillRef>
+      <a:effectRef idx="1">
+        <a:scrgbClr r="0" g="0" b="0"/>
+      </a:effectRef>
+      <a:fontRef idx="minor"/>
+    </dgm:style>
+  </dgm:styleLbl>
+  <dgm:styleLbl name="dkBgShp">
+    <dgm:scene3d>
+      <a:camera prst="orthographicFront"/>
+      <a:lightRig rig="threePt" dir="t"/>
+    </dgm:scene3d>
+    <dgm:sp3d/>
+    <dgm:txPr/>
+    <dgm:style>
+      <a:lnRef idx="0">
+        <a:scrgbClr r="0" g="0" b="0"/>
+      </a:lnRef>
+      <a:fillRef idx="1">
+        <a:scrgbClr r="0" g="0" b="0"/>
+      </a:fillRef>
+      <a:effectRef idx="1">
+        <a:scrgbClr r="0" g="0" b="0"/>
+      </a:effectRef>
+      <a:fontRef idx="minor"/>
+    </dgm:style>
+  </dgm:styleLbl>
+  <dgm:styleLbl name="trBgShp">
+    <dgm:scene3d>
+      <a:camera prst="orthographicFront"/>
+      <a:lightRig rig="threePt" dir="t"/>
+    </dgm:scene3d>
+    <dgm:sp3d/>
+    <dgm:txPr/>
+    <dgm:style>
+      <a:lnRef idx="0">
+        <a:scrgbClr r="0" g="0" b="0"/>
+      </a:lnRef>
+      <a:fillRef idx="1">
+        <a:scrgbClr r="0" g="0" b="0"/>
+      </a:fillRef>
+      <a:effectRef idx="0">
+        <a:scrgbClr r="0" g="0" b="0"/>
+      </a:effectRef>
+      <a:fontRef idx="minor"/>
+    </dgm:style>
+  </dgm:styleLbl>
+  <dgm:styleLbl name="fgShp">
+    <dgm:scene3d>
+      <a:camera prst="orthographicFront"/>
+      <a:lightRig rig="flat" dir="t"/>
+    </dgm:scene3d>
+    <dgm:sp3d prstMaterial="dkEdge">
+      <a:bevelT w="8200" h="38100"/>
+    </dgm:sp3d>
+    <dgm:txPr/>
+    <dgm:style>
+      <a:lnRef idx="1">
+        <a:scrgbClr r="0" g="0" b="0"/>
+      </a:lnRef>
+      <a:fillRef idx="2">
+        <a:scrgbClr r="0" g="0" b="0"/>
+      </a:fillRef>
+      <a:effectRef idx="1">
         <a:scrgbClr r="0" g="0" b="0"/>
       </a:effectRef>
       <a:fontRef idx="minor"/>
@@ -24777,6 +29862,293 @@
 </p:sld>
 </file>
 
+<file path=ppt/slides/slide12.xml><?xml version="1.0" encoding="utf-8"?>
+<p:sld xmlns:a="http://schemas.openxmlformats.org/drawingml/2006/main" xmlns:r="http://schemas.openxmlformats.org/officeDocument/2006/relationships" xmlns:p="http://schemas.openxmlformats.org/presentationml/2006/main">
+  <p:cSld>
+    <p:bg>
+      <p:bgPr>
+        <a:blipFill rotWithShape="1">
+          <a:blip r:embed="rId2"/>
+          <a:tile tx="0" ty="0" sx="100000" sy="100000" flip="none" algn="tl"/>
+        </a:blipFill>
+        <a:effectLst/>
+      </p:bgPr>
+    </p:bg>
+    <p:spTree>
+      <p:nvGrpSpPr>
+        <p:cNvPr id="1" name=""/>
+        <p:cNvGrpSpPr/>
+        <p:nvPr/>
+      </p:nvGrpSpPr>
+      <p:grpSpPr>
+        <a:xfrm>
+          <a:off x="0" y="0"/>
+          <a:ext cx="0" cy="0"/>
+          <a:chOff x="0" y="0"/>
+          <a:chExt cx="0" cy="0"/>
+        </a:xfrm>
+      </p:grpSpPr>
+      <p:sp>
+        <p:nvSpPr>
+          <p:cNvPr id="2" name="Title 1">
+            <a:extLst>
+              <a:ext uri="{FF2B5EF4-FFF2-40B4-BE49-F238E27FC236}">
+                <a16:creationId xmlns:a16="http://schemas.microsoft.com/office/drawing/2014/main" id="{9D6A748D-BEEC-43A4-BFF3-B31C0275A5D9}"/>
+              </a:ext>
+            </a:extLst>
+          </p:cNvPr>
+          <p:cNvSpPr>
+            <a:spLocks noGrp="1"/>
+          </p:cNvSpPr>
+          <p:nvPr>
+            <p:ph type="title"/>
+          </p:nvPr>
+        </p:nvSpPr>
+        <p:spPr>
+          <a:xfrm>
+            <a:off x="913795" y="609600"/>
+            <a:ext cx="10353762" cy="1257300"/>
+          </a:xfrm>
+        </p:spPr>
+        <p:txBody>
+          <a:bodyPr>
+            <a:normAutofit/>
+          </a:bodyPr>
+          <a:lstStyle/>
+          <a:p>
+            <a:r>
+              <a:rPr lang="en-US" b="1" dirty="0">
+                <a:solidFill>
+                  <a:schemeClr val="tx1"/>
+                </a:solidFill>
+              </a:rPr>
+              <a:t>Recommendation</a:t>
+            </a:r>
+          </a:p>
+        </p:txBody>
+      </p:sp>
+      <p:graphicFrame>
+        <p:nvGraphicFramePr>
+          <p:cNvPr id="4" name="Content Placeholder 2">
+            <a:extLst>
+              <a:ext uri="{FF2B5EF4-FFF2-40B4-BE49-F238E27FC236}">
+                <a16:creationId xmlns:a16="http://schemas.microsoft.com/office/drawing/2014/main" id="{AED04DAF-1E3F-4397-8834-E64118E9B2CD}"/>
+              </a:ext>
+            </a:extLst>
+          </p:cNvPr>
+          <p:cNvGraphicFramePr>
+            <a:graphicFrameLocks noGrp="1"/>
+          </p:cNvGraphicFramePr>
+          <p:nvPr>
+            <p:ph idx="1"/>
+            <p:extLst>
+              <p:ext uri="{D42A27DB-BD31-4B8C-83A1-F6EECF244321}">
+                <p14:modId xmlns:p14="http://schemas.microsoft.com/office/powerpoint/2010/main" val="4025928093"/>
+              </p:ext>
+            </p:extLst>
+          </p:nvPr>
+        </p:nvGraphicFramePr>
+        <p:xfrm>
+          <a:off x="914400" y="2076450"/>
+          <a:ext cx="10353675" cy="3714750"/>
+        </p:xfrm>
+        <a:graphic>
+          <a:graphicData uri="http://schemas.openxmlformats.org/drawingml/2006/diagram">
+            <dgm:relIds xmlns:dgm="http://schemas.openxmlformats.org/drawingml/2006/diagram" xmlns:r="http://schemas.openxmlformats.org/officeDocument/2006/relationships" r:dm="rId3" r:lo="rId4" r:qs="rId5" r:cs="rId6"/>
+          </a:graphicData>
+        </a:graphic>
+      </p:graphicFrame>
+      <p:pic>
+        <p:nvPicPr>
+          <p:cNvPr id="3" name="Picture 2">
+            <a:extLst>
+              <a:ext uri="{FF2B5EF4-FFF2-40B4-BE49-F238E27FC236}">
+                <a16:creationId xmlns:a16="http://schemas.microsoft.com/office/drawing/2014/main" id="{F6B3FFE6-BC8E-B694-E063-911124C7F35D}"/>
+              </a:ext>
+            </a:extLst>
+          </p:cNvPr>
+          <p:cNvPicPr>
+            <a:picLocks noChangeAspect="1"/>
+          </p:cNvPicPr>
+          <p:nvPr/>
+        </p:nvPicPr>
+        <p:blipFill>
+          <a:blip r:embed="rId8">
+            <a:extLst>
+              <a:ext uri="{28A0092B-C50C-407E-A947-70E740481C1C}">
+                <a14:useLocalDpi xmlns:a14="http://schemas.microsoft.com/office/drawing/2010/main" val="0"/>
+              </a:ext>
+            </a:extLst>
+          </a:blip>
+          <a:stretch>
+            <a:fillRect/>
+          </a:stretch>
+        </p:blipFill>
+        <p:spPr>
+          <a:xfrm>
+            <a:off x="10319656" y="0"/>
+            <a:ext cx="1872343" cy="972457"/>
+          </a:xfrm>
+          <a:prstGeom prst="rect">
+            <a:avLst/>
+          </a:prstGeom>
+        </p:spPr>
+      </p:pic>
+    </p:spTree>
+    <p:extLst>
+      <p:ext uri="{BB962C8B-B14F-4D97-AF65-F5344CB8AC3E}">
+        <p14:creationId xmlns:p14="http://schemas.microsoft.com/office/powerpoint/2010/main" val="4246822247"/>
+      </p:ext>
+    </p:extLst>
+  </p:cSld>
+  <p:clrMapOvr>
+    <a:masterClrMapping/>
+  </p:clrMapOvr>
+</p:sld>
+</file>
+
+<file path=ppt/slides/slide13.xml><?xml version="1.0" encoding="utf-8"?>
+<p:sld xmlns:a="http://schemas.openxmlformats.org/drawingml/2006/main" xmlns:r="http://schemas.openxmlformats.org/officeDocument/2006/relationships" xmlns:p="http://schemas.openxmlformats.org/presentationml/2006/main">
+  <p:cSld>
+    <p:bg>
+      <p:bgPr>
+        <a:blipFill rotWithShape="1">
+          <a:blip r:embed="rId2"/>
+          <a:tile tx="0" ty="0" sx="100000" sy="100000" flip="none" algn="tl"/>
+        </a:blipFill>
+        <a:effectLst/>
+      </p:bgPr>
+    </p:bg>
+    <p:spTree>
+      <p:nvGrpSpPr>
+        <p:cNvPr id="1" name=""/>
+        <p:cNvGrpSpPr/>
+        <p:nvPr/>
+      </p:nvGrpSpPr>
+      <p:grpSpPr>
+        <a:xfrm>
+          <a:off x="0" y="0"/>
+          <a:ext cx="0" cy="0"/>
+          <a:chOff x="0" y="0"/>
+          <a:chExt cx="0" cy="0"/>
+        </a:xfrm>
+      </p:grpSpPr>
+      <p:sp>
+        <p:nvSpPr>
+          <p:cNvPr id="2" name="Title 1">
+            <a:extLst>
+              <a:ext uri="{FF2B5EF4-FFF2-40B4-BE49-F238E27FC236}">
+                <a16:creationId xmlns:a16="http://schemas.microsoft.com/office/drawing/2014/main" id="{9D6A748D-BEEC-43A4-BFF3-B31C0275A5D9}"/>
+              </a:ext>
+            </a:extLst>
+          </p:cNvPr>
+          <p:cNvSpPr>
+            <a:spLocks noGrp="1"/>
+          </p:cNvSpPr>
+          <p:nvPr>
+            <p:ph type="title"/>
+          </p:nvPr>
+        </p:nvSpPr>
+        <p:spPr>
+          <a:xfrm>
+            <a:off x="913795" y="609600"/>
+            <a:ext cx="10353762" cy="1257300"/>
+          </a:xfrm>
+        </p:spPr>
+        <p:txBody>
+          <a:bodyPr>
+            <a:normAutofit/>
+          </a:bodyPr>
+          <a:lstStyle/>
+          <a:p>
+            <a:endParaRPr lang="en-US" b="1" dirty="0">
+              <a:solidFill>
+                <a:schemeClr val="tx1"/>
+              </a:solidFill>
+            </a:endParaRPr>
+          </a:p>
+        </p:txBody>
+      </p:sp>
+      <p:graphicFrame>
+        <p:nvGraphicFramePr>
+          <p:cNvPr id="4" name="Content Placeholder 2">
+            <a:extLst>
+              <a:ext uri="{FF2B5EF4-FFF2-40B4-BE49-F238E27FC236}">
+                <a16:creationId xmlns:a16="http://schemas.microsoft.com/office/drawing/2014/main" id="{AED04DAF-1E3F-4397-8834-E64118E9B2CD}"/>
+              </a:ext>
+            </a:extLst>
+          </p:cNvPr>
+          <p:cNvGraphicFramePr>
+            <a:graphicFrameLocks noGrp="1"/>
+          </p:cNvGraphicFramePr>
+          <p:nvPr>
+            <p:ph idx="1"/>
+            <p:extLst>
+              <p:ext uri="{D42A27DB-BD31-4B8C-83A1-F6EECF244321}">
+                <p14:modId xmlns:p14="http://schemas.microsoft.com/office/powerpoint/2010/main" val="1083935407"/>
+              </p:ext>
+            </p:extLst>
+          </p:nvPr>
+        </p:nvGraphicFramePr>
+        <p:xfrm>
+          <a:off x="914400" y="972457"/>
+          <a:ext cx="10353675" cy="4818743"/>
+        </p:xfrm>
+        <a:graphic>
+          <a:graphicData uri="http://schemas.openxmlformats.org/drawingml/2006/diagram">
+            <dgm:relIds xmlns:dgm="http://schemas.openxmlformats.org/drawingml/2006/diagram" xmlns:r="http://schemas.openxmlformats.org/officeDocument/2006/relationships" r:dm="rId3" r:lo="rId4" r:qs="rId5" r:cs="rId6"/>
+          </a:graphicData>
+        </a:graphic>
+      </p:graphicFrame>
+      <p:pic>
+        <p:nvPicPr>
+          <p:cNvPr id="3" name="Picture 2">
+            <a:extLst>
+              <a:ext uri="{FF2B5EF4-FFF2-40B4-BE49-F238E27FC236}">
+                <a16:creationId xmlns:a16="http://schemas.microsoft.com/office/drawing/2014/main" id="{F6B3FFE6-BC8E-B694-E063-911124C7F35D}"/>
+              </a:ext>
+            </a:extLst>
+          </p:cNvPr>
+          <p:cNvPicPr>
+            <a:picLocks noChangeAspect="1"/>
+          </p:cNvPicPr>
+          <p:nvPr/>
+        </p:nvPicPr>
+        <p:blipFill>
+          <a:blip r:embed="rId8">
+            <a:extLst>
+              <a:ext uri="{28A0092B-C50C-407E-A947-70E740481C1C}">
+                <a14:useLocalDpi xmlns:a14="http://schemas.microsoft.com/office/drawing/2010/main" val="0"/>
+              </a:ext>
+            </a:extLst>
+          </a:blip>
+          <a:stretch>
+            <a:fillRect/>
+          </a:stretch>
+        </p:blipFill>
+        <p:spPr>
+          <a:xfrm>
+            <a:off x="10319656" y="0"/>
+            <a:ext cx="1872343" cy="972457"/>
+          </a:xfrm>
+          <a:prstGeom prst="rect">
+            <a:avLst/>
+          </a:prstGeom>
+        </p:spPr>
+      </p:pic>
+    </p:spTree>
+    <p:extLst>
+      <p:ext uri="{BB962C8B-B14F-4D97-AF65-F5344CB8AC3E}">
+        <p14:creationId xmlns:p14="http://schemas.microsoft.com/office/powerpoint/2010/main" val="3364314015"/>
+      </p:ext>
+    </p:extLst>
+  </p:cSld>
+  <p:clrMapOvr>
+    <a:masterClrMapping/>
+  </p:clrMapOvr>
+</p:sld>
+</file>
+
 <file path=ppt/slides/slide2.xml><?xml version="1.0" encoding="utf-8"?>
 <p:sld xmlns:a="http://schemas.openxmlformats.org/drawingml/2006/main" xmlns:r="http://schemas.openxmlformats.org/officeDocument/2006/relationships" xmlns:p="http://schemas.openxmlformats.org/presentationml/2006/main">
   <p:cSld>
